--- a/Graduation_Document/생존자인줄 알았던 내가 알고보니 술래_박동규_김우빈_황석주_1.pptx
+++ b/Graduation_Document/생존자인줄 알았던 내가 알고보니 술래_박동규_김우빈_황석주_1.pptx
@@ -5667,8 +5667,8 @@
         </p:nvSpPr>
         <p:spPr>
           <a:xfrm>
-            <a:off x="6712035" y="2520717"/>
-            <a:ext cx="1893454" cy="766619"/>
+            <a:off x="6970778" y="2341474"/>
+            <a:ext cx="1669140" cy="563408"/>
           </a:xfrm>
           <a:prstGeom prst="rect">
             <a:avLst/>
@@ -5727,8 +5727,8 @@
         </p:nvSpPr>
         <p:spPr>
           <a:xfrm>
-            <a:off x="9281768" y="2520716"/>
-            <a:ext cx="1893454" cy="766619"/>
+            <a:off x="9506080" y="2360887"/>
+            <a:ext cx="1669141" cy="563409"/>
           </a:xfrm>
           <a:prstGeom prst="rect">
             <a:avLst/>
@@ -5788,8 +5788,8 @@
         </p:nvSpPr>
         <p:spPr>
           <a:xfrm>
-            <a:off x="8044351" y="3612396"/>
-            <a:ext cx="1893453" cy="766619"/>
+            <a:off x="7970988" y="3997528"/>
+            <a:ext cx="2040176" cy="763268"/>
           </a:xfrm>
           <a:prstGeom prst="diamond">
             <a:avLst/>
@@ -5828,8 +5828,16 @@
           <a:p>
             <a:pPr algn="ctr"/>
             <a:r>
-              <a:rPr lang="ko-KR" altLang="en-US" dirty="0"/>
-              <a:t>승리 조건</a:t>
+              <a:rPr lang="ko-KR" altLang="en-US" sz="1600" dirty="0"/>
+              <a:t>탈출 </a:t>
+            </a:r>
+            <a:endParaRPr lang="en-US" altLang="ko-KR" sz="1600" dirty="0"/>
+          </a:p>
+          <a:p>
+            <a:pPr algn="ctr"/>
+            <a:r>
+              <a:rPr lang="ko-KR" altLang="en-US" sz="1600" dirty="0"/>
+              <a:t>성공</a:t>
             </a:r>
           </a:p>
         </p:txBody>
@@ -5908,7 +5916,7 @@
         </p:nvSpPr>
         <p:spPr>
           <a:xfrm>
-            <a:off x="8044350" y="4706098"/>
+            <a:off x="8044349" y="4925806"/>
             <a:ext cx="1893454" cy="766619"/>
           </a:xfrm>
           <a:prstGeom prst="rect">
@@ -6056,6 +6064,7 @@
             </a:extLst>
           </p:cNvPr>
           <p:cNvCxnSpPr>
+            <a:cxnSpLocks/>
             <a:stCxn id="17" idx="2"/>
             <a:endCxn id="11" idx="0"/>
           </p:cNvCxnSpPr>
@@ -6063,8 +6072,8 @@
         </p:nvCxnSpPr>
         <p:spPr>
           <a:xfrm flipH="1">
-            <a:off x="7658762" y="2140637"/>
-            <a:ext cx="1238657" cy="380080"/>
+            <a:off x="7805348" y="2140637"/>
+            <a:ext cx="1092071" cy="200837"/>
           </a:xfrm>
           <a:prstGeom prst="straightConnector1">
             <a:avLst/>
@@ -6101,6 +6110,7 @@
             </a:extLst>
           </p:cNvPr>
           <p:cNvCxnSpPr>
+            <a:cxnSpLocks/>
             <a:stCxn id="17" idx="2"/>
             <a:endCxn id="14" idx="0"/>
           </p:cNvCxnSpPr>
@@ -6109,98 +6119,7 @@
         <p:spPr>
           <a:xfrm>
             <a:off x="8897419" y="2140637"/>
-            <a:ext cx="1331076" cy="380079"/>
-          </a:xfrm>
-          <a:prstGeom prst="straightConnector1">
-            <a:avLst/>
-          </a:prstGeom>
-          <a:ln w="28575">
-            <a:solidFill>
-              <a:schemeClr val="tx1"/>
-            </a:solidFill>
-            <a:tailEnd type="triangle"/>
-          </a:ln>
-        </p:spPr>
-        <p:style>
-          <a:lnRef idx="1">
-            <a:schemeClr val="accent1"/>
-          </a:lnRef>
-          <a:fillRef idx="0">
-            <a:schemeClr val="accent1"/>
-          </a:fillRef>
-          <a:effectRef idx="0">
-            <a:schemeClr val="accent1"/>
-          </a:effectRef>
-          <a:fontRef idx="minor">
-            <a:schemeClr val="tx1"/>
-          </a:fontRef>
-        </p:style>
-      </p:cxnSp>
-      <p:cxnSp>
-        <p:nvCxnSpPr>
-          <p:cNvPr id="44" name="직선 화살표 연결선 43">
-            <a:extLst>
-              <a:ext uri="{FF2B5EF4-FFF2-40B4-BE49-F238E27FC236}">
-                <a16:creationId xmlns:a16="http://schemas.microsoft.com/office/drawing/2014/main" id="{E4D5A400-267F-E292-4192-4F3DE623A52D}"/>
-              </a:ext>
-            </a:extLst>
-          </p:cNvPr>
-          <p:cNvCxnSpPr>
-            <a:stCxn id="11" idx="2"/>
-            <a:endCxn id="16" idx="0"/>
-          </p:cNvCxnSpPr>
-          <p:nvPr/>
-        </p:nvCxnSpPr>
-        <p:spPr>
-          <a:xfrm>
-            <a:off x="7658762" y="3287336"/>
-            <a:ext cx="1332316" cy="325060"/>
-          </a:xfrm>
-          <a:prstGeom prst="straightConnector1">
-            <a:avLst/>
-          </a:prstGeom>
-          <a:ln w="28575">
-            <a:solidFill>
-              <a:schemeClr val="tx1"/>
-            </a:solidFill>
-            <a:tailEnd type="triangle"/>
-          </a:ln>
-        </p:spPr>
-        <p:style>
-          <a:lnRef idx="1">
-            <a:schemeClr val="accent1"/>
-          </a:lnRef>
-          <a:fillRef idx="0">
-            <a:schemeClr val="accent1"/>
-          </a:fillRef>
-          <a:effectRef idx="0">
-            <a:schemeClr val="accent1"/>
-          </a:effectRef>
-          <a:fontRef idx="minor">
-            <a:schemeClr val="tx1"/>
-          </a:fontRef>
-        </p:style>
-      </p:cxnSp>
-      <p:cxnSp>
-        <p:nvCxnSpPr>
-          <p:cNvPr id="45" name="직선 화살표 연결선 44">
-            <a:extLst>
-              <a:ext uri="{FF2B5EF4-FFF2-40B4-BE49-F238E27FC236}">
-                <a16:creationId xmlns:a16="http://schemas.microsoft.com/office/drawing/2014/main" id="{8738CEC1-3ED0-82C6-74B3-09EB47C768A1}"/>
-              </a:ext>
-            </a:extLst>
-          </p:cNvPr>
-          <p:cNvCxnSpPr>
-            <a:cxnSpLocks/>
-            <a:stCxn id="14" idx="2"/>
-            <a:endCxn id="16" idx="0"/>
-          </p:cNvCxnSpPr>
-          <p:nvPr/>
-        </p:nvCxnSpPr>
-        <p:spPr>
-          <a:xfrm flipH="1">
-            <a:off x="8991078" y="3287335"/>
-            <a:ext cx="1237417" cy="325061"/>
+            <a:ext cx="1443232" cy="220250"/>
           </a:xfrm>
           <a:prstGeom prst="straightConnector1">
             <a:avLst/>
@@ -6244,9 +6163,9 @@
           <p:nvPr/>
         </p:nvCxnSpPr>
         <p:spPr>
-          <a:xfrm flipH="1">
-            <a:off x="8991077" y="4379015"/>
-            <a:ext cx="1" cy="327083"/>
+          <a:xfrm>
+            <a:off x="8991076" y="4760796"/>
+            <a:ext cx="0" cy="165010"/>
           </a:xfrm>
           <a:prstGeom prst="straightConnector1">
             <a:avLst/>
@@ -6287,7 +6206,7 @@
         </p:nvSpPr>
         <p:spPr>
           <a:xfrm>
-            <a:off x="1857126" y="5710019"/>
+            <a:off x="1885029" y="5869376"/>
             <a:ext cx="4138770" cy="646331"/>
           </a:xfrm>
           <a:prstGeom prst="rect">
@@ -6350,8 +6269,8 @@
         </p:nvSpPr>
         <p:spPr>
           <a:xfrm>
-            <a:off x="6202379" y="5705812"/>
-            <a:ext cx="4132495" cy="1015663"/>
+            <a:off x="6202378" y="5872525"/>
+            <a:ext cx="4972843" cy="830997"/>
           </a:xfrm>
           <a:prstGeom prst="rect">
             <a:avLst/>
@@ -6453,7 +6372,7 @@
         </p:nvSpPr>
         <p:spPr>
           <a:xfrm>
-            <a:off x="5255652" y="3597385"/>
+            <a:off x="5255652" y="3994176"/>
             <a:ext cx="1893454" cy="766619"/>
           </a:xfrm>
           <a:prstGeom prst="rect">
@@ -6630,6 +6549,7 @@
             </a:extLst>
           </p:cNvPr>
           <p:cNvCxnSpPr>
+            <a:cxnSpLocks/>
             <a:stCxn id="16" idx="1"/>
             <a:endCxn id="28" idx="3"/>
           </p:cNvCxnSpPr>
@@ -6637,8 +6557,8 @@
         </p:nvCxnSpPr>
         <p:spPr>
           <a:xfrm flipH="1" flipV="1">
-            <a:off x="7149106" y="3980695"/>
-            <a:ext cx="895245" cy="15011"/>
+            <a:off x="7149106" y="4377486"/>
+            <a:ext cx="821882" cy="1676"/>
           </a:xfrm>
           <a:prstGeom prst="straightConnector1">
             <a:avLst/>
@@ -6679,8 +6599,8 @@
         </p:nvCxnSpPr>
         <p:spPr>
           <a:xfrm rot="10800000">
-            <a:off x="2840766" y="2129924"/>
-            <a:ext cx="5203585" cy="2959485"/>
+            <a:off x="2840765" y="2129924"/>
+            <a:ext cx="5203584" cy="3179193"/>
           </a:xfrm>
           <a:prstGeom prst="bentConnector2">
             <a:avLst/>
@@ -6721,8 +6641,8 @@
         </p:nvCxnSpPr>
         <p:spPr>
           <a:xfrm rot="10800000">
-            <a:off x="2840766" y="2129923"/>
-            <a:ext cx="2414887" cy="1850772"/>
+            <a:off x="2840766" y="2129924"/>
+            <a:ext cx="2414887" cy="2247563"/>
           </a:xfrm>
           <a:prstGeom prst="bentConnector2">
             <a:avLst/>
@@ -6831,6 +6751,383 @@
           </a:fontRef>
         </p:style>
       </p:cxnSp>
+      <p:sp>
+        <p:nvSpPr>
+          <p:cNvPr id="24" name="직사각형 23">
+            <a:extLst>
+              <a:ext uri="{FF2B5EF4-FFF2-40B4-BE49-F238E27FC236}">
+                <a16:creationId xmlns:a16="http://schemas.microsoft.com/office/drawing/2014/main" id="{D4950423-8D4B-7A7E-167C-89DE6AEBEC45}"/>
+              </a:ext>
+            </a:extLst>
+          </p:cNvPr>
+          <p:cNvSpPr/>
+          <p:nvPr/>
+        </p:nvSpPr>
+        <p:spPr>
+          <a:xfrm>
+            <a:off x="9506080" y="3179207"/>
+            <a:ext cx="1669140" cy="563408"/>
+          </a:xfrm>
+          <a:prstGeom prst="rect">
+            <a:avLst/>
+          </a:prstGeom>
+          <a:solidFill>
+            <a:schemeClr val="tx1">
+              <a:lumMod val="85000"/>
+              <a:lumOff val="15000"/>
+            </a:schemeClr>
+          </a:solidFill>
+          <a:ln>
+            <a:solidFill>
+              <a:schemeClr val="tx1"/>
+            </a:solidFill>
+          </a:ln>
+        </p:spPr>
+        <p:style>
+          <a:lnRef idx="2">
+            <a:schemeClr val="accent1">
+              <a:shade val="50000"/>
+            </a:schemeClr>
+          </a:lnRef>
+          <a:fillRef idx="1">
+            <a:schemeClr val="accent1"/>
+          </a:fillRef>
+          <a:effectRef idx="0">
+            <a:schemeClr val="accent1"/>
+          </a:effectRef>
+          <a:fontRef idx="minor">
+            <a:schemeClr val="lt1"/>
+          </a:fontRef>
+        </p:style>
+        <p:txBody>
+          <a:bodyPr rtlCol="0" anchor="ctr"/>
+          <a:lstStyle/>
+          <a:p>
+            <a:pPr algn="ctr"/>
+            <a:r>
+              <a:rPr lang="ko-KR" altLang="en-US" dirty="0"/>
+              <a:t>전력장치 수리</a:t>
+            </a:r>
+          </a:p>
+        </p:txBody>
+      </p:sp>
+      <p:sp>
+        <p:nvSpPr>
+          <p:cNvPr id="25" name="직사각형 24">
+            <a:extLst>
+              <a:ext uri="{FF2B5EF4-FFF2-40B4-BE49-F238E27FC236}">
+                <a16:creationId xmlns:a16="http://schemas.microsoft.com/office/drawing/2014/main" id="{B0E13F6B-A803-DBDB-519D-3D7281D1BB09}"/>
+              </a:ext>
+            </a:extLst>
+          </p:cNvPr>
+          <p:cNvSpPr/>
+          <p:nvPr/>
+        </p:nvSpPr>
+        <p:spPr>
+          <a:xfrm>
+            <a:off x="6970778" y="3150252"/>
+            <a:ext cx="1669140" cy="563408"/>
+          </a:xfrm>
+          <a:prstGeom prst="rect">
+            <a:avLst/>
+          </a:prstGeom>
+          <a:solidFill>
+            <a:schemeClr val="tx1">
+              <a:lumMod val="85000"/>
+              <a:lumOff val="15000"/>
+            </a:schemeClr>
+          </a:solidFill>
+          <a:ln>
+            <a:solidFill>
+              <a:schemeClr val="tx1"/>
+            </a:solidFill>
+          </a:ln>
+        </p:spPr>
+        <p:style>
+          <a:lnRef idx="2">
+            <a:schemeClr val="accent1">
+              <a:shade val="50000"/>
+            </a:schemeClr>
+          </a:lnRef>
+          <a:fillRef idx="1">
+            <a:schemeClr val="accent1"/>
+          </a:fillRef>
+          <a:effectRef idx="0">
+            <a:schemeClr val="accent1"/>
+          </a:effectRef>
+          <a:fontRef idx="minor">
+            <a:schemeClr val="lt1"/>
+          </a:fontRef>
+        </p:style>
+        <p:txBody>
+          <a:bodyPr rtlCol="0" anchor="ctr"/>
+          <a:lstStyle/>
+          <a:p>
+            <a:pPr algn="ctr"/>
+            <a:r>
+              <a:rPr lang="ko-KR" altLang="en-US" dirty="0"/>
+              <a:t>생존자 추격</a:t>
+            </a:r>
+          </a:p>
+        </p:txBody>
+      </p:sp>
+      <p:cxnSp>
+        <p:nvCxnSpPr>
+          <p:cNvPr id="48" name="직선 화살표 연결선 47">
+            <a:extLst>
+              <a:ext uri="{FF2B5EF4-FFF2-40B4-BE49-F238E27FC236}">
+                <a16:creationId xmlns:a16="http://schemas.microsoft.com/office/drawing/2014/main" id="{601D175D-B4C4-B3BB-30D0-B16229DE1FA6}"/>
+              </a:ext>
+            </a:extLst>
+          </p:cNvPr>
+          <p:cNvCxnSpPr>
+            <a:stCxn id="11" idx="2"/>
+            <a:endCxn id="25" idx="0"/>
+          </p:cNvCxnSpPr>
+          <p:nvPr/>
+        </p:nvCxnSpPr>
+        <p:spPr>
+          <a:xfrm>
+            <a:off x="7805348" y="2904882"/>
+            <a:ext cx="0" cy="245370"/>
+          </a:xfrm>
+          <a:prstGeom prst="straightConnector1">
+            <a:avLst/>
+          </a:prstGeom>
+          <a:ln w="28575">
+            <a:tailEnd type="triangle"/>
+          </a:ln>
+        </p:spPr>
+        <p:style>
+          <a:lnRef idx="1">
+            <a:schemeClr val="dk1"/>
+          </a:lnRef>
+          <a:fillRef idx="0">
+            <a:schemeClr val="dk1"/>
+          </a:fillRef>
+          <a:effectRef idx="0">
+            <a:schemeClr val="dk1"/>
+          </a:effectRef>
+          <a:fontRef idx="minor">
+            <a:schemeClr val="tx1"/>
+          </a:fontRef>
+        </p:style>
+      </p:cxnSp>
+      <p:cxnSp>
+        <p:nvCxnSpPr>
+          <p:cNvPr id="49" name="직선 화살표 연결선 48">
+            <a:extLst>
+              <a:ext uri="{FF2B5EF4-FFF2-40B4-BE49-F238E27FC236}">
+                <a16:creationId xmlns:a16="http://schemas.microsoft.com/office/drawing/2014/main" id="{CAC7D3F6-0466-A0B8-6218-B8D78D3595E0}"/>
+              </a:ext>
+            </a:extLst>
+          </p:cNvPr>
+          <p:cNvCxnSpPr>
+            <a:cxnSpLocks/>
+            <a:stCxn id="14" idx="2"/>
+            <a:endCxn id="24" idx="0"/>
+          </p:cNvCxnSpPr>
+          <p:nvPr/>
+        </p:nvCxnSpPr>
+        <p:spPr>
+          <a:xfrm flipH="1">
+            <a:off x="10340650" y="2924296"/>
+            <a:ext cx="1" cy="254911"/>
+          </a:xfrm>
+          <a:prstGeom prst="straightConnector1">
+            <a:avLst/>
+          </a:prstGeom>
+          <a:ln w="28575">
+            <a:tailEnd type="triangle"/>
+          </a:ln>
+        </p:spPr>
+        <p:style>
+          <a:lnRef idx="1">
+            <a:schemeClr val="dk1"/>
+          </a:lnRef>
+          <a:fillRef idx="0">
+            <a:schemeClr val="dk1"/>
+          </a:fillRef>
+          <a:effectRef idx="0">
+            <a:schemeClr val="dk1"/>
+          </a:effectRef>
+          <a:fontRef idx="minor">
+            <a:schemeClr val="tx1"/>
+          </a:fontRef>
+        </p:style>
+      </p:cxnSp>
+      <p:cxnSp>
+        <p:nvCxnSpPr>
+          <p:cNvPr id="55" name="직선 화살표 연결선 54">
+            <a:extLst>
+              <a:ext uri="{FF2B5EF4-FFF2-40B4-BE49-F238E27FC236}">
+                <a16:creationId xmlns:a16="http://schemas.microsoft.com/office/drawing/2014/main" id="{594BB4CE-82D9-4EE5-C417-F90C316EA33A}"/>
+              </a:ext>
+            </a:extLst>
+          </p:cNvPr>
+          <p:cNvCxnSpPr>
+            <a:cxnSpLocks/>
+            <a:stCxn id="25" idx="2"/>
+            <a:endCxn id="16" idx="0"/>
+          </p:cNvCxnSpPr>
+          <p:nvPr/>
+        </p:nvCxnSpPr>
+        <p:spPr>
+          <a:xfrm>
+            <a:off x="7805348" y="3713660"/>
+            <a:ext cx="1185728" cy="283868"/>
+          </a:xfrm>
+          <a:prstGeom prst="straightConnector1">
+            <a:avLst/>
+          </a:prstGeom>
+          <a:ln w="28575">
+            <a:tailEnd type="triangle"/>
+          </a:ln>
+        </p:spPr>
+        <p:style>
+          <a:lnRef idx="1">
+            <a:schemeClr val="dk1"/>
+          </a:lnRef>
+          <a:fillRef idx="0">
+            <a:schemeClr val="dk1"/>
+          </a:fillRef>
+          <a:effectRef idx="0">
+            <a:schemeClr val="dk1"/>
+          </a:effectRef>
+          <a:fontRef idx="minor">
+            <a:schemeClr val="tx1"/>
+          </a:fontRef>
+        </p:style>
+      </p:cxnSp>
+      <p:cxnSp>
+        <p:nvCxnSpPr>
+          <p:cNvPr id="57" name="직선 화살표 연결선 56">
+            <a:extLst>
+              <a:ext uri="{FF2B5EF4-FFF2-40B4-BE49-F238E27FC236}">
+                <a16:creationId xmlns:a16="http://schemas.microsoft.com/office/drawing/2014/main" id="{19AC8940-DB61-8516-DC0C-B2BAD5031FFD}"/>
+              </a:ext>
+            </a:extLst>
+          </p:cNvPr>
+          <p:cNvCxnSpPr>
+            <a:cxnSpLocks/>
+            <a:stCxn id="24" idx="2"/>
+            <a:endCxn id="16" idx="0"/>
+          </p:cNvCxnSpPr>
+          <p:nvPr/>
+        </p:nvCxnSpPr>
+        <p:spPr>
+          <a:xfrm flipH="1">
+            <a:off x="8991076" y="3742615"/>
+            <a:ext cx="1349574" cy="254913"/>
+          </a:xfrm>
+          <a:prstGeom prst="straightConnector1">
+            <a:avLst/>
+          </a:prstGeom>
+          <a:ln w="28575">
+            <a:tailEnd type="triangle"/>
+          </a:ln>
+        </p:spPr>
+        <p:style>
+          <a:lnRef idx="1">
+            <a:schemeClr val="dk1"/>
+          </a:lnRef>
+          <a:fillRef idx="0">
+            <a:schemeClr val="dk1"/>
+          </a:fillRef>
+          <a:effectRef idx="0">
+            <a:schemeClr val="dk1"/>
+          </a:effectRef>
+          <a:fontRef idx="minor">
+            <a:schemeClr val="tx1"/>
+          </a:fontRef>
+        </p:style>
+      </p:cxnSp>
+      <p:sp>
+        <p:nvSpPr>
+          <p:cNvPr id="85" name="TextBox 84">
+            <a:extLst>
+              <a:ext uri="{FF2B5EF4-FFF2-40B4-BE49-F238E27FC236}">
+                <a16:creationId xmlns:a16="http://schemas.microsoft.com/office/drawing/2014/main" id="{CD826C31-119B-71BF-BC9E-F20EB72A267E}"/>
+              </a:ext>
+            </a:extLst>
+          </p:cNvPr>
+          <p:cNvSpPr txBox="1"/>
+          <p:nvPr/>
+        </p:nvSpPr>
+        <p:spPr>
+          <a:xfrm>
+            <a:off x="7545274" y="4015634"/>
+            <a:ext cx="587555" cy="369332"/>
+          </a:xfrm>
+          <a:prstGeom prst="rect">
+            <a:avLst/>
+          </a:prstGeom>
+          <a:noFill/>
+        </p:spPr>
+        <p:txBody>
+          <a:bodyPr wrap="square" rtlCol="0">
+            <a:spAutoFit/>
+          </a:bodyPr>
+          <a:lstStyle/>
+          <a:p>
+            <a:r>
+              <a:rPr lang="en-US" altLang="ko-KR" b="1" dirty="0">
+                <a:solidFill>
+                  <a:schemeClr val="accent1">
+                    <a:lumMod val="50000"/>
+                  </a:schemeClr>
+                </a:solidFill>
+                <a:latin typeface="나눔스퀘어 ExtraBold" panose="020B0600000101010101" pitchFamily="50" charset="-127"/>
+                <a:ea typeface="나눔스퀘어 ExtraBold" panose="020B0600000101010101" pitchFamily="50" charset="-127"/>
+              </a:rPr>
+              <a:t>NO</a:t>
+            </a:r>
+          </a:p>
+        </p:txBody>
+      </p:sp>
+      <p:sp>
+        <p:nvSpPr>
+          <p:cNvPr id="86" name="TextBox 85">
+            <a:extLst>
+              <a:ext uri="{FF2B5EF4-FFF2-40B4-BE49-F238E27FC236}">
+                <a16:creationId xmlns:a16="http://schemas.microsoft.com/office/drawing/2014/main" id="{C761F536-B516-6E78-A7D9-D41A2A05FAE4}"/>
+              </a:ext>
+            </a:extLst>
+          </p:cNvPr>
+          <p:cNvSpPr txBox="1"/>
+          <p:nvPr/>
+        </p:nvSpPr>
+        <p:spPr>
+          <a:xfrm>
+            <a:off x="9152919" y="4585107"/>
+            <a:ext cx="623041" cy="369332"/>
+          </a:xfrm>
+          <a:prstGeom prst="rect">
+            <a:avLst/>
+          </a:prstGeom>
+          <a:noFill/>
+        </p:spPr>
+        <p:txBody>
+          <a:bodyPr wrap="square" rtlCol="0">
+            <a:spAutoFit/>
+          </a:bodyPr>
+          <a:lstStyle/>
+          <a:p>
+            <a:r>
+              <a:rPr lang="en-US" altLang="ko-KR" b="1" dirty="0">
+                <a:solidFill>
+                  <a:schemeClr val="accent1">
+                    <a:lumMod val="50000"/>
+                  </a:schemeClr>
+                </a:solidFill>
+                <a:latin typeface="나눔스퀘어 ExtraBold" panose="020B0600000101010101" pitchFamily="50" charset="-127"/>
+                <a:ea typeface="나눔스퀘어 ExtraBold" panose="020B0600000101010101" pitchFamily="50" charset="-127"/>
+              </a:rPr>
+              <a:t>YES</a:t>
+            </a:r>
+          </a:p>
+        </p:txBody>
+      </p:sp>
     </p:spTree>
     <p:extLst>
       <p:ext uri="{BB962C8B-B14F-4D97-AF65-F5344CB8AC3E}">
@@ -10874,7 +11171,7 @@
           <p:nvPr>
             <p:extLst>
               <p:ext uri="{D42A27DB-BD31-4B8C-83A1-F6EECF244321}">
-                <p14:modId xmlns:p14="http://schemas.microsoft.com/office/powerpoint/2010/main" val="3323907971"/>
+                <p14:modId xmlns:p14="http://schemas.microsoft.com/office/powerpoint/2010/main" val="1430318144"/>
               </p:ext>
             </p:extLst>
           </p:nvPr>

--- a/Graduation_Document/생존자인줄 알았던 내가 알고보니 술래_박동규_김우빈_황석주_1.pptx
+++ b/Graduation_Document/생존자인줄 알았던 내가 알고보니 술래_박동규_김우빈_황석주_1.pptx
@@ -234,7 +234,7 @@
           <a:p>
             <a:fld id="{C405262D-9A33-490D-AFB5-364B278FF2C3}" type="datetimeFigureOut">
               <a:rPr lang="ko-KR" altLang="en-US" smtClean="0"/>
-              <a:t>2022-12-20</a:t>
+              <a:t>2022-12-24</a:t>
             </a:fld>
             <a:endParaRPr lang="ko-KR" altLang="en-US"/>
           </a:p>
@@ -501,6 +501,738 @@
 </p:notesMaster>
 </file>
 
+<file path=ppt/notesSlides/notesSlide1.xml><?xml version="1.0" encoding="utf-8"?>
+<p:notes xmlns:a="http://schemas.openxmlformats.org/drawingml/2006/main" xmlns:r="http://schemas.openxmlformats.org/officeDocument/2006/relationships" xmlns:p="http://schemas.openxmlformats.org/presentationml/2006/main">
+  <p:cSld>
+    <p:spTree>
+      <p:nvGrpSpPr>
+        <p:cNvPr id="1" name=""/>
+        <p:cNvGrpSpPr/>
+        <p:nvPr/>
+      </p:nvGrpSpPr>
+      <p:grpSpPr>
+        <a:xfrm>
+          <a:off x="0" y="0"/>
+          <a:ext cx="0" cy="0"/>
+          <a:chOff x="0" y="0"/>
+          <a:chExt cx="0" cy="0"/>
+        </a:xfrm>
+      </p:grpSpPr>
+      <p:sp>
+        <p:nvSpPr>
+          <p:cNvPr id="2" name="슬라이드 이미지 개체 틀 1"/>
+          <p:cNvSpPr>
+            <a:spLocks noGrp="1" noRot="1" noChangeAspect="1"/>
+          </p:cNvSpPr>
+          <p:nvPr>
+            <p:ph type="sldImg"/>
+          </p:nvPr>
+        </p:nvSpPr>
+        <p:spPr/>
+      </p:sp>
+      <p:sp>
+        <p:nvSpPr>
+          <p:cNvPr id="3" name="슬라이드 노트 개체 틀 2"/>
+          <p:cNvSpPr>
+            <a:spLocks noGrp="1"/>
+          </p:cNvSpPr>
+          <p:nvPr>
+            <p:ph type="body" idx="1"/>
+          </p:nvPr>
+        </p:nvSpPr>
+        <p:spPr/>
+        <p:txBody>
+          <a:bodyPr/>
+          <a:lstStyle/>
+          <a:p>
+            <a:r>
+              <a:rPr lang="ko-KR" altLang="en-US" dirty="0"/>
+              <a:t>안녕하세요 </a:t>
+            </a:r>
+            <a:r>
+              <a:rPr lang="en-US" altLang="ko-KR" dirty="0"/>
+              <a:t>Who’s The Tagger? </a:t>
+            </a:r>
+            <a:r>
+              <a:rPr lang="ko-KR" altLang="en-US" dirty="0"/>
+              <a:t>팀의 기획 발표를 시작하겠습니다</a:t>
+            </a:r>
+            <a:r>
+              <a:rPr lang="en-US" altLang="ko-KR" dirty="0"/>
+              <a:t>.</a:t>
+            </a:r>
+          </a:p>
+        </p:txBody>
+      </p:sp>
+      <p:sp>
+        <p:nvSpPr>
+          <p:cNvPr id="4" name="슬라이드 번호 개체 틀 3"/>
+          <p:cNvSpPr>
+            <a:spLocks noGrp="1"/>
+          </p:cNvSpPr>
+          <p:nvPr>
+            <p:ph type="sldNum" sz="quarter" idx="5"/>
+          </p:nvPr>
+        </p:nvSpPr>
+        <p:spPr/>
+        <p:txBody>
+          <a:bodyPr/>
+          <a:lstStyle/>
+          <a:p>
+            <a:fld id="{51DE243A-6A2C-40CE-8D32-631E67DFA5BC}" type="slidenum">
+              <a:rPr lang="ko-KR" altLang="en-US" smtClean="0"/>
+              <a:t>1</a:t>
+            </a:fld>
+            <a:endParaRPr lang="ko-KR" altLang="en-US"/>
+          </a:p>
+        </p:txBody>
+      </p:sp>
+    </p:spTree>
+    <p:extLst>
+      <p:ext uri="{BB962C8B-B14F-4D97-AF65-F5344CB8AC3E}">
+        <p14:creationId xmlns:p14="http://schemas.microsoft.com/office/powerpoint/2010/main" val="1751441922"/>
+      </p:ext>
+    </p:extLst>
+  </p:cSld>
+  <p:clrMapOvr>
+    <a:masterClrMapping/>
+  </p:clrMapOvr>
+</p:notes>
+</file>
+
+<file path=ppt/notesSlides/notesSlide2.xml><?xml version="1.0" encoding="utf-8"?>
+<p:notes xmlns:a="http://schemas.openxmlformats.org/drawingml/2006/main" xmlns:r="http://schemas.openxmlformats.org/officeDocument/2006/relationships" xmlns:p="http://schemas.openxmlformats.org/presentationml/2006/main">
+  <p:cSld>
+    <p:spTree>
+      <p:nvGrpSpPr>
+        <p:cNvPr id="1" name=""/>
+        <p:cNvGrpSpPr/>
+        <p:nvPr/>
+      </p:nvGrpSpPr>
+      <p:grpSpPr>
+        <a:xfrm>
+          <a:off x="0" y="0"/>
+          <a:ext cx="0" cy="0"/>
+          <a:chOff x="0" y="0"/>
+          <a:chExt cx="0" cy="0"/>
+        </a:xfrm>
+      </p:grpSpPr>
+      <p:sp>
+        <p:nvSpPr>
+          <p:cNvPr id="2" name="슬라이드 이미지 개체 틀 1"/>
+          <p:cNvSpPr>
+            <a:spLocks noGrp="1" noRot="1" noChangeAspect="1"/>
+          </p:cNvSpPr>
+          <p:nvPr>
+            <p:ph type="sldImg"/>
+          </p:nvPr>
+        </p:nvSpPr>
+        <p:spPr/>
+      </p:sp>
+      <p:sp>
+        <p:nvSpPr>
+          <p:cNvPr id="3" name="슬라이드 노트 개체 틀 2"/>
+          <p:cNvSpPr>
+            <a:spLocks noGrp="1"/>
+          </p:cNvSpPr>
+          <p:nvPr>
+            <p:ph type="body" idx="1"/>
+          </p:nvPr>
+        </p:nvSpPr>
+        <p:spPr/>
+        <p:txBody>
+          <a:bodyPr/>
+          <a:lstStyle/>
+          <a:p>
+            <a:r>
+              <a:rPr lang="ko-KR" altLang="en-US" dirty="0"/>
+              <a:t>목차는 다음과 같습니다</a:t>
+            </a:r>
+            <a:r>
+              <a:rPr lang="en-US" altLang="ko-KR" dirty="0"/>
+              <a:t>~!</a:t>
+            </a:r>
+            <a:endParaRPr lang="ko-KR" altLang="en-US" dirty="0"/>
+          </a:p>
+        </p:txBody>
+      </p:sp>
+      <p:sp>
+        <p:nvSpPr>
+          <p:cNvPr id="4" name="슬라이드 번호 개체 틀 3"/>
+          <p:cNvSpPr>
+            <a:spLocks noGrp="1"/>
+          </p:cNvSpPr>
+          <p:nvPr>
+            <p:ph type="sldNum" sz="quarter" idx="5"/>
+          </p:nvPr>
+        </p:nvSpPr>
+        <p:spPr/>
+        <p:txBody>
+          <a:bodyPr/>
+          <a:lstStyle/>
+          <a:p>
+            <a:fld id="{51DE243A-6A2C-40CE-8D32-631E67DFA5BC}" type="slidenum">
+              <a:rPr lang="ko-KR" altLang="en-US" smtClean="0"/>
+              <a:t>2</a:t>
+            </a:fld>
+            <a:endParaRPr lang="ko-KR" altLang="en-US"/>
+          </a:p>
+        </p:txBody>
+      </p:sp>
+    </p:spTree>
+    <p:extLst>
+      <p:ext uri="{BB962C8B-B14F-4D97-AF65-F5344CB8AC3E}">
+        <p14:creationId xmlns:p14="http://schemas.microsoft.com/office/powerpoint/2010/main" val="2598703120"/>
+      </p:ext>
+    </p:extLst>
+  </p:cSld>
+  <p:clrMapOvr>
+    <a:masterClrMapping/>
+  </p:clrMapOvr>
+</p:notes>
+</file>
+
+<file path=ppt/notesSlides/notesSlide3.xml><?xml version="1.0" encoding="utf-8"?>
+<p:notes xmlns:a="http://schemas.openxmlformats.org/drawingml/2006/main" xmlns:r="http://schemas.openxmlformats.org/officeDocument/2006/relationships" xmlns:p="http://schemas.openxmlformats.org/presentationml/2006/main">
+  <p:cSld>
+    <p:spTree>
+      <p:nvGrpSpPr>
+        <p:cNvPr id="1" name=""/>
+        <p:cNvGrpSpPr/>
+        <p:nvPr/>
+      </p:nvGrpSpPr>
+      <p:grpSpPr>
+        <a:xfrm>
+          <a:off x="0" y="0"/>
+          <a:ext cx="0" cy="0"/>
+          <a:chOff x="0" y="0"/>
+          <a:chExt cx="0" cy="0"/>
+        </a:xfrm>
+      </p:grpSpPr>
+      <p:sp>
+        <p:nvSpPr>
+          <p:cNvPr id="2" name="슬라이드 이미지 개체 틀 1"/>
+          <p:cNvSpPr>
+            <a:spLocks noGrp="1" noRot="1" noChangeAspect="1"/>
+          </p:cNvSpPr>
+          <p:nvPr>
+            <p:ph type="sldImg"/>
+          </p:nvPr>
+        </p:nvSpPr>
+        <p:spPr/>
+      </p:sp>
+      <p:sp>
+        <p:nvSpPr>
+          <p:cNvPr id="3" name="슬라이드 노트 개체 틀 2"/>
+          <p:cNvSpPr>
+            <a:spLocks noGrp="1"/>
+          </p:cNvSpPr>
+          <p:nvPr>
+            <p:ph type="body" idx="1"/>
+          </p:nvPr>
+        </p:nvSpPr>
+        <p:spPr/>
+        <p:txBody>
+          <a:bodyPr/>
+          <a:lstStyle/>
+          <a:p>
+            <a:r>
+              <a:rPr lang="ko-KR" altLang="en-US" dirty="0"/>
+              <a:t>졸업작품 팀원을 소개하겠습니다</a:t>
+            </a:r>
+            <a:r>
+              <a:rPr lang="en-US" altLang="ko-KR" dirty="0"/>
+              <a:t>.</a:t>
+            </a:r>
+          </a:p>
+          <a:p>
+            <a:endParaRPr lang="en-US" altLang="ko-KR" dirty="0"/>
+          </a:p>
+          <a:p>
+            <a:r>
+              <a:rPr lang="ko-KR" altLang="en-US" dirty="0"/>
+              <a:t>클라이언트는 박동규</a:t>
+            </a:r>
+            <a:r>
+              <a:rPr lang="en-US" altLang="ko-KR" dirty="0"/>
+              <a:t>, </a:t>
+            </a:r>
+            <a:r>
+              <a:rPr lang="ko-KR" altLang="en-US" dirty="0" err="1"/>
+              <a:t>황석주</a:t>
+            </a:r>
+            <a:r>
+              <a:rPr lang="ko-KR" altLang="en-US" dirty="0"/>
+              <a:t> 학우가 담당하며 서버는 김우빈 학우가 담당합니다</a:t>
+            </a:r>
+            <a:r>
+              <a:rPr lang="en-US" altLang="ko-KR" dirty="0"/>
+              <a:t>.</a:t>
+            </a:r>
+          </a:p>
+          <a:p>
+            <a:endParaRPr lang="en-US" altLang="ko-KR" dirty="0"/>
+          </a:p>
+          <a:p>
+            <a:r>
+              <a:rPr lang="ko-KR" altLang="en-US" dirty="0"/>
+              <a:t>각자 역할에 맞게 학과 커리큘럼을 진행하고 있습니다</a:t>
+            </a:r>
+            <a:r>
+              <a:rPr lang="en-US" altLang="ko-KR" dirty="0"/>
+              <a:t>.</a:t>
+            </a:r>
+            <a:endParaRPr lang="ko-KR" altLang="en-US" dirty="0"/>
+          </a:p>
+        </p:txBody>
+      </p:sp>
+      <p:sp>
+        <p:nvSpPr>
+          <p:cNvPr id="4" name="슬라이드 번호 개체 틀 3"/>
+          <p:cNvSpPr>
+            <a:spLocks noGrp="1"/>
+          </p:cNvSpPr>
+          <p:nvPr>
+            <p:ph type="sldNum" sz="quarter" idx="5"/>
+          </p:nvPr>
+        </p:nvSpPr>
+        <p:spPr/>
+        <p:txBody>
+          <a:bodyPr/>
+          <a:lstStyle/>
+          <a:p>
+            <a:fld id="{51DE243A-6A2C-40CE-8D32-631E67DFA5BC}" type="slidenum">
+              <a:rPr lang="ko-KR" altLang="en-US" smtClean="0"/>
+              <a:t>3</a:t>
+            </a:fld>
+            <a:endParaRPr lang="ko-KR" altLang="en-US"/>
+          </a:p>
+        </p:txBody>
+      </p:sp>
+    </p:spTree>
+    <p:extLst>
+      <p:ext uri="{BB962C8B-B14F-4D97-AF65-F5344CB8AC3E}">
+        <p14:creationId xmlns:p14="http://schemas.microsoft.com/office/powerpoint/2010/main" val="3944813105"/>
+      </p:ext>
+    </p:extLst>
+  </p:cSld>
+  <p:clrMapOvr>
+    <a:masterClrMapping/>
+  </p:clrMapOvr>
+</p:notes>
+</file>
+
+<file path=ppt/notesSlides/notesSlide4.xml><?xml version="1.0" encoding="utf-8"?>
+<p:notes xmlns:a="http://schemas.openxmlformats.org/drawingml/2006/main" xmlns:r="http://schemas.openxmlformats.org/officeDocument/2006/relationships" xmlns:p="http://schemas.openxmlformats.org/presentationml/2006/main">
+  <p:cSld>
+    <p:spTree>
+      <p:nvGrpSpPr>
+        <p:cNvPr id="1" name=""/>
+        <p:cNvGrpSpPr/>
+        <p:nvPr/>
+      </p:nvGrpSpPr>
+      <p:grpSpPr>
+        <a:xfrm>
+          <a:off x="0" y="0"/>
+          <a:ext cx="0" cy="0"/>
+          <a:chOff x="0" y="0"/>
+          <a:chExt cx="0" cy="0"/>
+        </a:xfrm>
+      </p:grpSpPr>
+      <p:sp>
+        <p:nvSpPr>
+          <p:cNvPr id="2" name="슬라이드 이미지 개체 틀 1"/>
+          <p:cNvSpPr>
+            <a:spLocks noGrp="1" noRot="1" noChangeAspect="1"/>
+          </p:cNvSpPr>
+          <p:nvPr>
+            <p:ph type="sldImg"/>
+          </p:nvPr>
+        </p:nvSpPr>
+        <p:spPr/>
+      </p:sp>
+      <p:sp>
+        <p:nvSpPr>
+          <p:cNvPr id="3" name="슬라이드 노트 개체 틀 2"/>
+          <p:cNvSpPr>
+            <a:spLocks noGrp="1"/>
+          </p:cNvSpPr>
+          <p:nvPr>
+            <p:ph type="body" idx="1"/>
+          </p:nvPr>
+        </p:nvSpPr>
+        <p:spPr/>
+        <p:txBody>
+          <a:bodyPr/>
+          <a:lstStyle/>
+          <a:p>
+            <a:r>
+              <a:rPr lang="ko-KR" altLang="en-US" dirty="0"/>
+              <a:t>개발환경은 다음과 같습니다</a:t>
+            </a:r>
+            <a:r>
+              <a:rPr lang="en-US" altLang="ko-KR" dirty="0"/>
+              <a:t>. </a:t>
+            </a:r>
+            <a:r>
+              <a:rPr lang="ko-KR" altLang="en-US" dirty="0"/>
+              <a:t>저희는 </a:t>
+            </a:r>
+            <a:r>
+              <a:rPr lang="en-US" altLang="ko-KR" dirty="0"/>
+              <a:t>DirectX</a:t>
+            </a:r>
+            <a:r>
+              <a:rPr lang="ko-KR" altLang="en-US" dirty="0"/>
+              <a:t>로 개발할 예정입니다</a:t>
+            </a:r>
+            <a:r>
+              <a:rPr lang="en-US" altLang="ko-KR" dirty="0"/>
+              <a:t>.</a:t>
+            </a:r>
+            <a:endParaRPr lang="ko-KR" altLang="en-US" dirty="0"/>
+          </a:p>
+        </p:txBody>
+      </p:sp>
+      <p:sp>
+        <p:nvSpPr>
+          <p:cNvPr id="4" name="슬라이드 번호 개체 틀 3"/>
+          <p:cNvSpPr>
+            <a:spLocks noGrp="1"/>
+          </p:cNvSpPr>
+          <p:nvPr>
+            <p:ph type="sldNum" sz="quarter" idx="5"/>
+          </p:nvPr>
+        </p:nvSpPr>
+        <p:spPr/>
+        <p:txBody>
+          <a:bodyPr/>
+          <a:lstStyle/>
+          <a:p>
+            <a:fld id="{51DE243A-6A2C-40CE-8D32-631E67DFA5BC}" type="slidenum">
+              <a:rPr lang="ko-KR" altLang="en-US" smtClean="0"/>
+              <a:t>4</a:t>
+            </a:fld>
+            <a:endParaRPr lang="ko-KR" altLang="en-US"/>
+          </a:p>
+        </p:txBody>
+      </p:sp>
+    </p:spTree>
+    <p:extLst>
+      <p:ext uri="{BB962C8B-B14F-4D97-AF65-F5344CB8AC3E}">
+        <p14:creationId xmlns:p14="http://schemas.microsoft.com/office/powerpoint/2010/main" val="2938250598"/>
+      </p:ext>
+    </p:extLst>
+  </p:cSld>
+  <p:clrMapOvr>
+    <a:masterClrMapping/>
+  </p:clrMapOvr>
+</p:notes>
+</file>
+
+<file path=ppt/notesSlides/notesSlide5.xml><?xml version="1.0" encoding="utf-8"?>
+<p:notes xmlns:a="http://schemas.openxmlformats.org/drawingml/2006/main" xmlns:r="http://schemas.openxmlformats.org/officeDocument/2006/relationships" xmlns:p="http://schemas.openxmlformats.org/presentationml/2006/main">
+  <p:cSld>
+    <p:spTree>
+      <p:nvGrpSpPr>
+        <p:cNvPr id="1" name=""/>
+        <p:cNvGrpSpPr/>
+        <p:nvPr/>
+      </p:nvGrpSpPr>
+      <p:grpSpPr>
+        <a:xfrm>
+          <a:off x="0" y="0"/>
+          <a:ext cx="0" cy="0"/>
+          <a:chOff x="0" y="0"/>
+          <a:chExt cx="0" cy="0"/>
+        </a:xfrm>
+      </p:grpSpPr>
+      <p:sp>
+        <p:nvSpPr>
+          <p:cNvPr id="2" name="슬라이드 이미지 개체 틀 1"/>
+          <p:cNvSpPr>
+            <a:spLocks noGrp="1" noRot="1" noChangeAspect="1"/>
+          </p:cNvSpPr>
+          <p:nvPr>
+            <p:ph type="sldImg"/>
+          </p:nvPr>
+        </p:nvSpPr>
+        <p:spPr/>
+      </p:sp>
+      <p:sp>
+        <p:nvSpPr>
+          <p:cNvPr id="3" name="슬라이드 노트 개체 틀 2"/>
+          <p:cNvSpPr>
+            <a:spLocks noGrp="1"/>
+          </p:cNvSpPr>
+          <p:nvPr>
+            <p:ph type="body" idx="1"/>
+          </p:nvPr>
+        </p:nvSpPr>
+        <p:spPr/>
+        <p:txBody>
+          <a:bodyPr/>
+          <a:lstStyle/>
+          <a:p>
+            <a:r>
+              <a:rPr lang="ko-KR" altLang="en-US" dirty="0"/>
+              <a:t>연구목적</a:t>
+            </a:r>
+            <a:r>
+              <a:rPr lang="en-US" altLang="ko-KR" dirty="0"/>
+              <a:t> &gt; </a:t>
+            </a:r>
+            <a:r>
+              <a:rPr lang="ko-KR" altLang="en-US" dirty="0"/>
+              <a:t>총 </a:t>
+            </a:r>
+            <a:r>
+              <a:rPr lang="en-US" altLang="ko-KR" dirty="0"/>
+              <a:t>6</a:t>
+            </a:r>
+            <a:r>
+              <a:rPr lang="ko-KR" altLang="en-US" dirty="0"/>
+              <a:t>명이 플레이하는 협동</a:t>
+            </a:r>
+            <a:r>
+              <a:rPr lang="en-US" altLang="ko-KR" dirty="0"/>
+              <a:t>, </a:t>
+            </a:r>
+            <a:r>
+              <a:rPr lang="ko-KR" altLang="en-US" dirty="0"/>
+              <a:t>비대칭 서바이벌 게임 개발 </a:t>
+            </a:r>
+            <a:r>
+              <a:rPr lang="en-US" altLang="ko-KR" dirty="0"/>
+              <a:t>&gt; DirectX12 </a:t>
+            </a:r>
+            <a:r>
+              <a:rPr lang="ko-KR" altLang="en-US" dirty="0"/>
+              <a:t>활용 </a:t>
+            </a:r>
+            <a:r>
+              <a:rPr lang="en-US" altLang="ko-KR" dirty="0"/>
+              <a:t>1</a:t>
+            </a:r>
+            <a:r>
+              <a:rPr lang="ko-KR" altLang="en-US" dirty="0"/>
+              <a:t>인칭 </a:t>
+            </a:r>
+            <a:r>
+              <a:rPr lang="en-US" altLang="ko-KR" dirty="0"/>
+              <a:t>3D</a:t>
+            </a:r>
+            <a:r>
+              <a:rPr lang="ko-KR" altLang="en-US" dirty="0"/>
+              <a:t>게임 개발 </a:t>
+            </a:r>
+            <a:r>
+              <a:rPr lang="en-US" altLang="ko-KR" dirty="0"/>
+              <a:t>&gt; IOCP</a:t>
+            </a:r>
+            <a:r>
+              <a:rPr lang="ko-KR" altLang="en-US" dirty="0"/>
+              <a:t>서버를 이용한 멀티플레이</a:t>
+            </a:r>
+            <a:endParaRPr lang="en-US" altLang="ko-KR" dirty="0"/>
+          </a:p>
+          <a:p>
+            <a:endParaRPr lang="en-US" altLang="ko-KR" dirty="0"/>
+          </a:p>
+          <a:p>
+            <a:r>
+              <a:rPr lang="ko-KR" altLang="en-US" dirty="0" err="1"/>
+              <a:t>저희게임은</a:t>
+            </a:r>
+            <a:r>
+              <a:rPr lang="ko-KR" altLang="en-US" dirty="0"/>
+              <a:t> </a:t>
+            </a:r>
+            <a:r>
+              <a:rPr lang="en-US" altLang="ko-KR" dirty="0"/>
+              <a:t>5</a:t>
+            </a:r>
+            <a:r>
+              <a:rPr lang="ko-KR" altLang="en-US" dirty="0"/>
+              <a:t>명의 생존자와 </a:t>
+            </a:r>
+            <a:r>
+              <a:rPr lang="en-US" altLang="ko-KR" dirty="0"/>
+              <a:t>1</a:t>
+            </a:r>
+            <a:r>
+              <a:rPr lang="ko-KR" altLang="en-US" dirty="0"/>
+              <a:t>명의 술래가 존재하는 협동</a:t>
+            </a:r>
+            <a:r>
+              <a:rPr lang="en-US" altLang="ko-KR" dirty="0"/>
+              <a:t>, </a:t>
+            </a:r>
+            <a:r>
+              <a:rPr lang="ko-KR" altLang="en-US" dirty="0"/>
+              <a:t>비대칭 서바이벌 게임입니다</a:t>
+            </a:r>
+            <a:r>
+              <a:rPr lang="en-US" altLang="ko-KR" dirty="0"/>
+              <a:t>.</a:t>
+            </a:r>
+          </a:p>
+          <a:p>
+            <a:endParaRPr lang="en-US" altLang="ko-KR" dirty="0"/>
+          </a:p>
+          <a:p>
+            <a:r>
+              <a:rPr lang="ko-KR" altLang="en-US" dirty="0"/>
+              <a:t>각 역할별로 주어진 미션을 수행하여 승리로 이끌어야 합니다</a:t>
+            </a:r>
+            <a:r>
+              <a:rPr lang="en-US" altLang="ko-KR" dirty="0"/>
+              <a:t>.</a:t>
+            </a:r>
+          </a:p>
+          <a:p>
+            <a:endParaRPr lang="en-US" altLang="ko-KR" dirty="0"/>
+          </a:p>
+          <a:p>
+            <a:r>
+              <a:rPr lang="ko-KR" altLang="en-US" dirty="0"/>
+              <a:t>그래픽 컨셉은 귀여운 </a:t>
+            </a:r>
+            <a:r>
+              <a:rPr lang="en-US" altLang="ko-KR" dirty="0"/>
+              <a:t>SD </a:t>
+            </a:r>
+            <a:r>
+              <a:rPr lang="ko-KR" altLang="en-US" dirty="0"/>
+              <a:t>캐릭터입니다</a:t>
+            </a:r>
+            <a:r>
+              <a:rPr lang="en-US" altLang="ko-KR" dirty="0"/>
+              <a:t>.</a:t>
+            </a:r>
+          </a:p>
+        </p:txBody>
+      </p:sp>
+      <p:sp>
+        <p:nvSpPr>
+          <p:cNvPr id="4" name="슬라이드 번호 개체 틀 3"/>
+          <p:cNvSpPr>
+            <a:spLocks noGrp="1"/>
+          </p:cNvSpPr>
+          <p:nvPr>
+            <p:ph type="sldNum" sz="quarter" idx="5"/>
+          </p:nvPr>
+        </p:nvSpPr>
+        <p:spPr/>
+        <p:txBody>
+          <a:bodyPr/>
+          <a:lstStyle/>
+          <a:p>
+            <a:fld id="{51DE243A-6A2C-40CE-8D32-631E67DFA5BC}" type="slidenum">
+              <a:rPr lang="ko-KR" altLang="en-US" smtClean="0"/>
+              <a:t>5</a:t>
+            </a:fld>
+            <a:endParaRPr lang="ko-KR" altLang="en-US"/>
+          </a:p>
+        </p:txBody>
+      </p:sp>
+    </p:spTree>
+    <p:extLst>
+      <p:ext uri="{BB962C8B-B14F-4D97-AF65-F5344CB8AC3E}">
+        <p14:creationId xmlns:p14="http://schemas.microsoft.com/office/powerpoint/2010/main" val="1520551276"/>
+      </p:ext>
+    </p:extLst>
+  </p:cSld>
+  <p:clrMapOvr>
+    <a:masterClrMapping/>
+  </p:clrMapOvr>
+</p:notes>
+</file>
+
+<file path=ppt/notesSlides/notesSlide6.xml><?xml version="1.0" encoding="utf-8"?>
+<p:notes xmlns:a="http://schemas.openxmlformats.org/drawingml/2006/main" xmlns:r="http://schemas.openxmlformats.org/officeDocument/2006/relationships" xmlns:p="http://schemas.openxmlformats.org/presentationml/2006/main">
+  <p:cSld>
+    <p:spTree>
+      <p:nvGrpSpPr>
+        <p:cNvPr id="1" name=""/>
+        <p:cNvGrpSpPr/>
+        <p:nvPr/>
+      </p:nvGrpSpPr>
+      <p:grpSpPr>
+        <a:xfrm>
+          <a:off x="0" y="0"/>
+          <a:ext cx="0" cy="0"/>
+          <a:chOff x="0" y="0"/>
+          <a:chExt cx="0" cy="0"/>
+        </a:xfrm>
+      </p:grpSpPr>
+      <p:sp>
+        <p:nvSpPr>
+          <p:cNvPr id="2" name="슬라이드 이미지 개체 틀 1"/>
+          <p:cNvSpPr>
+            <a:spLocks noGrp="1" noRot="1" noChangeAspect="1"/>
+          </p:cNvSpPr>
+          <p:nvPr>
+            <p:ph type="sldImg"/>
+          </p:nvPr>
+        </p:nvSpPr>
+        <p:spPr/>
+      </p:sp>
+      <p:sp>
+        <p:nvSpPr>
+          <p:cNvPr id="3" name="슬라이드 노트 개체 틀 2"/>
+          <p:cNvSpPr>
+            <a:spLocks noGrp="1"/>
+          </p:cNvSpPr>
+          <p:nvPr>
+            <p:ph type="body" idx="1"/>
+          </p:nvPr>
+        </p:nvSpPr>
+        <p:spPr/>
+        <p:txBody>
+          <a:bodyPr/>
+          <a:lstStyle/>
+          <a:p>
+            <a:endParaRPr lang="ko-KR" altLang="en-US" dirty="0"/>
+          </a:p>
+        </p:txBody>
+      </p:sp>
+      <p:sp>
+        <p:nvSpPr>
+          <p:cNvPr id="4" name="슬라이드 번호 개체 틀 3"/>
+          <p:cNvSpPr>
+            <a:spLocks noGrp="1"/>
+          </p:cNvSpPr>
+          <p:nvPr>
+            <p:ph type="sldNum" sz="quarter" idx="5"/>
+          </p:nvPr>
+        </p:nvSpPr>
+        <p:spPr/>
+        <p:txBody>
+          <a:bodyPr/>
+          <a:lstStyle/>
+          <a:p>
+            <a:fld id="{51DE243A-6A2C-40CE-8D32-631E67DFA5BC}" type="slidenum">
+              <a:rPr lang="ko-KR" altLang="en-US" smtClean="0"/>
+              <a:t>7</a:t>
+            </a:fld>
+            <a:endParaRPr lang="ko-KR" altLang="en-US"/>
+          </a:p>
+        </p:txBody>
+      </p:sp>
+    </p:spTree>
+    <p:extLst>
+      <p:ext uri="{BB962C8B-B14F-4D97-AF65-F5344CB8AC3E}">
+        <p14:creationId xmlns:p14="http://schemas.microsoft.com/office/powerpoint/2010/main" val="3410269822"/>
+      </p:ext>
+    </p:extLst>
+  </p:cSld>
+  <p:clrMapOvr>
+    <a:masterClrMapping/>
+  </p:clrMapOvr>
+</p:notes>
+</file>
+
 <file path=ppt/slideLayouts/slideLayout1.xml><?xml version="1.0" encoding="utf-8"?>
 <p:sldLayout xmlns:a="http://schemas.openxmlformats.org/drawingml/2006/main" xmlns:r="http://schemas.openxmlformats.org/officeDocument/2006/relationships" xmlns:p="http://schemas.openxmlformats.org/presentationml/2006/main" type="title" preserve="1">
   <p:cSld name="제목 슬라이드">
@@ -630,7 +1362,7 @@
           <a:p>
             <a:fld id="{99B5A1BB-01A0-4E13-AB60-2010C482C94A}" type="datetime1">
               <a:rPr lang="ko-KR" altLang="en-US" smtClean="0"/>
-              <a:t>2022-12-20</a:t>
+              <a:t>2022-12-24</a:t>
             </a:fld>
             <a:endParaRPr lang="ko-KR" altLang="en-US"/>
           </a:p>
@@ -810,7 +1542,7 @@
           <a:p>
             <a:fld id="{3626A138-43F2-4459-87AF-C7DC2AFC11E6}" type="datetime1">
               <a:rPr lang="ko-KR" altLang="en-US" smtClean="0"/>
-              <a:t>2022-12-20</a:t>
+              <a:t>2022-12-24</a:t>
             </a:fld>
             <a:endParaRPr lang="ko-KR" altLang="en-US"/>
           </a:p>
@@ -1000,7 +1732,7 @@
           <a:p>
             <a:fld id="{020A87C7-16FD-4042-AA89-3405290F2952}" type="datetime1">
               <a:rPr lang="ko-KR" altLang="en-US" smtClean="0"/>
-              <a:t>2022-12-20</a:t>
+              <a:t>2022-12-24</a:t>
             </a:fld>
             <a:endParaRPr lang="ko-KR" altLang="en-US"/>
           </a:p>
@@ -1180,7 +1912,7 @@
           <a:p>
             <a:fld id="{22BDC9FE-EE5C-4EE2-A735-5991D188CC45}" type="datetime1">
               <a:rPr lang="ko-KR" altLang="en-US" smtClean="0"/>
-              <a:t>2022-12-20</a:t>
+              <a:t>2022-12-24</a:t>
             </a:fld>
             <a:endParaRPr lang="ko-KR" altLang="en-US"/>
           </a:p>
@@ -1437,7 +2169,7 @@
           <a:p>
             <a:fld id="{47020049-8D63-4421-A943-35CFDFC29001}" type="datetime1">
               <a:rPr lang="ko-KR" altLang="en-US" smtClean="0"/>
-              <a:t>2022-12-20</a:t>
+              <a:t>2022-12-24</a:t>
             </a:fld>
             <a:endParaRPr lang="ko-KR" altLang="en-US"/>
           </a:p>
@@ -1678,7 +2410,7 @@
           <a:p>
             <a:fld id="{B2F2C417-FA3B-47DB-8CB2-8AF2B1819A1F}" type="datetime1">
               <a:rPr lang="ko-KR" altLang="en-US" smtClean="0"/>
-              <a:t>2022-12-20</a:t>
+              <a:t>2022-12-24</a:t>
             </a:fld>
             <a:endParaRPr lang="ko-KR" altLang="en-US"/>
           </a:p>
@@ -2054,7 +2786,7 @@
           <a:p>
             <a:fld id="{89581AA9-EAC1-4AA1-A928-03B2B66DC095}" type="datetime1">
               <a:rPr lang="ko-KR" altLang="en-US" smtClean="0"/>
-              <a:t>2022-12-20</a:t>
+              <a:t>2022-12-24</a:t>
             </a:fld>
             <a:endParaRPr lang="ko-KR" altLang="en-US"/>
           </a:p>
@@ -2183,7 +2915,7 @@
           <a:p>
             <a:fld id="{B3DF8867-D19B-4012-B99D-21AE89F20BDE}" type="datetime1">
               <a:rPr lang="ko-KR" altLang="en-US" smtClean="0"/>
-              <a:t>2022-12-20</a:t>
+              <a:t>2022-12-24</a:t>
             </a:fld>
             <a:endParaRPr lang="ko-KR" altLang="en-US"/>
           </a:p>
@@ -2290,7 +3022,7 @@
           <a:p>
             <a:fld id="{429D6B8F-C401-418C-B4AF-5BA2889D52D8}" type="datetime1">
               <a:rPr lang="ko-KR" altLang="en-US" smtClean="0"/>
-              <a:t>2022-12-20</a:t>
+              <a:t>2022-12-24</a:t>
             </a:fld>
             <a:endParaRPr lang="ko-KR" altLang="en-US"/>
           </a:p>
@@ -2577,7 +3309,7 @@
           <a:p>
             <a:fld id="{917D37D1-B9DE-4AE8-A483-453A3E03C152}" type="datetime1">
               <a:rPr lang="ko-KR" altLang="en-US" smtClean="0"/>
-              <a:t>2022-12-20</a:t>
+              <a:t>2022-12-24</a:t>
             </a:fld>
             <a:endParaRPr lang="ko-KR" altLang="en-US"/>
           </a:p>
@@ -2841,7 +3573,7 @@
           <a:p>
             <a:fld id="{9F8E9D1C-8873-4006-A4C2-C33A2E30CA49}" type="datetime1">
               <a:rPr lang="ko-KR" altLang="en-US" smtClean="0"/>
-              <a:t>2022-12-20</a:t>
+              <a:t>2022-12-24</a:t>
             </a:fld>
             <a:endParaRPr lang="ko-KR" altLang="en-US"/>
           </a:p>
@@ -3064,7 +3796,7 @@
           <a:p>
             <a:fld id="{B8CDD5A3-E935-400C-8A47-51830BB4751B}" type="datetime1">
               <a:rPr lang="ko-KR" altLang="en-US" smtClean="0"/>
-              <a:t>2022-12-20</a:t>
+              <a:t>2022-12-24</a:t>
             </a:fld>
             <a:endParaRPr lang="ko-KR" altLang="en-US"/>
           </a:p>
@@ -15083,7 +15815,7 @@
           <p:nvPr>
             <p:extLst>
               <p:ext uri="{D42A27DB-BD31-4B8C-83A1-F6EECF244321}">
-                <p14:modId xmlns:p14="http://schemas.microsoft.com/office/powerpoint/2010/main" val="2232049721"/>
+                <p14:modId xmlns:p14="http://schemas.microsoft.com/office/powerpoint/2010/main" val="1726961249"/>
               </p:ext>
             </p:extLst>
           </p:nvPr>
@@ -15356,33 +16088,21 @@
                     <a:lstStyle/>
                     <a:p>
                       <a:pPr algn="ctr" latinLnBrk="1"/>
-                      <a:endParaRPr lang="en-US" altLang="ko-KR">
+                      <a:endParaRPr lang="en-US" altLang="ko-KR" dirty="0">
                         <a:ea typeface="나눔스퀘어 Bold" panose="020B0600000101010101"/>
                       </a:endParaRPr>
                     </a:p>
                     <a:p>
                       <a:pPr algn="ctr" latinLnBrk="1"/>
                       <a:r>
-                        <a:rPr lang="ko-KR" altLang="en-US">
+                        <a:rPr lang="ko-KR" altLang="en-US" dirty="0">
                           <a:solidFill>
-                            <a:schemeClr val="tx1">
-                              <a:lumMod val="75000"/>
-                              <a:lumOff val="25000"/>
-                            </a:schemeClr>
+                            <a:srgbClr val="FF0000"/>
                           </a:solidFill>
                           <a:ea typeface="나눔스퀘어 Bold" panose="020B0600000101010101"/>
                         </a:rPr>
                         <a:t>서버</a:t>
                       </a:r>
-                      <a:endParaRPr lang="ko-KR" altLang="en-US" dirty="0">
-                        <a:solidFill>
-                          <a:schemeClr val="tx1">
-                            <a:lumMod val="75000"/>
-                            <a:lumOff val="25000"/>
-                          </a:schemeClr>
-                        </a:solidFill>
-                        <a:ea typeface="나눔스퀘어 Bold" panose="020B0600000101010101"/>
-                      </a:endParaRPr>
                     </a:p>
                   </a:txBody>
                   <a:tcPr/>
@@ -15558,30 +16278,30 @@
                         <a:buChar char="-"/>
                       </a:pPr>
                       <a:r>
-                        <a:rPr lang="en-US" altLang="ko-KR"/>
+                        <a:rPr lang="en-US" altLang="ko-KR" dirty="0"/>
                         <a:t>C, C++</a:t>
                       </a:r>
                       <a:r>
-                        <a:rPr lang="ko-KR" altLang="en-US"/>
+                        <a:rPr lang="ko-KR" altLang="en-US" dirty="0"/>
                         <a:t>프로그래밍</a:t>
                       </a:r>
                       <a:r>
-                        <a:rPr lang="en-US" altLang="ko-KR"/>
+                        <a:rPr lang="en-US" altLang="ko-KR" dirty="0"/>
                         <a:t>, STL, </a:t>
                       </a:r>
                       <a:r>
-                        <a:rPr lang="ko-KR" altLang="en-US"/>
+                        <a:rPr lang="ko-KR" altLang="en-US" dirty="0"/>
                         <a:t>컴퓨터 그래픽스</a:t>
                       </a:r>
                       <a:r>
-                        <a:rPr lang="en-US" altLang="ko-KR"/>
+                        <a:rPr lang="en-US" altLang="ko-KR" dirty="0"/>
                         <a:t>, </a:t>
                       </a:r>
                       <a:r>
-                        <a:rPr lang="ko-KR" altLang="en-US"/>
+                        <a:rPr lang="ko-KR" altLang="en-US" dirty="0"/>
                         <a:t>게임수학</a:t>
                       </a:r>
-                      <a:endParaRPr lang="en-US" altLang="ko-KR"/>
+                      <a:endParaRPr lang="en-US" altLang="ko-KR" dirty="0"/>
                     </a:p>
                     <a:p>
                       <a:pPr marL="285750" indent="-285750" latinLnBrk="1">
@@ -15589,7 +16309,7 @@
                         <a:buChar char="-"/>
                       </a:pPr>
                       <a:r>
-                        <a:rPr lang="en-US" altLang="ko-KR">
+                        <a:rPr lang="en-US" altLang="ko-KR" dirty="0">
                           <a:highlight>
                             <a:srgbClr val="FFFF00"/>
                           </a:highlight>
@@ -15597,7 +16317,7 @@
                         <a:t>3D</a:t>
                       </a:r>
                       <a:r>
-                        <a:rPr lang="ko-KR" altLang="en-US">
+                        <a:rPr lang="ko-KR" altLang="en-US" dirty="0">
                           <a:highlight>
                             <a:srgbClr val="FFFF00"/>
                           </a:highlight>
@@ -15605,7 +16325,7 @@
                         <a:t>게임프로그래밍</a:t>
                       </a:r>
                       <a:r>
-                        <a:rPr lang="en-US" altLang="ko-KR">
+                        <a:rPr lang="en-US" altLang="ko-KR" dirty="0">
                           <a:highlight>
                             <a:srgbClr val="FFFF00"/>
                           </a:highlight>
@@ -15613,14 +16333,14 @@
                         <a:t>1, 2</a:t>
                       </a:r>
                       <a:r>
-                        <a:rPr lang="en-US" altLang="ko-KR"/>
+                        <a:rPr lang="en-US" altLang="ko-KR" dirty="0"/>
                         <a:t>, </a:t>
                       </a:r>
                       <a:r>
-                        <a:rPr lang="ko-KR" altLang="en-US"/>
+                        <a:rPr lang="ko-KR" altLang="en-US" dirty="0"/>
                         <a:t>인공지능</a:t>
                       </a:r>
-                      <a:endParaRPr lang="en-US" altLang="ko-KR"/>
+                      <a:endParaRPr lang="en-US" altLang="ko-KR" dirty="0"/>
                     </a:p>
                     <a:p>
                       <a:pPr marL="285750" indent="-285750" latinLnBrk="1">
@@ -15628,10 +16348,9 @@
                         <a:buChar char="-"/>
                       </a:pPr>
                       <a:r>
-                        <a:rPr lang="ko-KR" altLang="en-US"/>
+                        <a:rPr lang="ko-KR" altLang="en-US" dirty="0"/>
                         <a:t>네트워크 게임 프로그래밍</a:t>
                       </a:r>
-                      <a:endParaRPr lang="ko-KR" altLang="en-US" dirty="0"/>
                     </a:p>
                   </a:txBody>
                   <a:tcPr/>
@@ -15918,11 +16637,11 @@
           <p:nvPr/>
         </p:nvPicPr>
         <p:blipFill>
-          <a:blip r:embed="rId2">
+          <a:blip r:embed="rId3">
             <a:extLst>
               <a:ext uri="{BEBA8EAE-BF5A-486C-A8C5-ECC9F3942E4B}">
                 <a14:imgProps xmlns:a14="http://schemas.microsoft.com/office/drawing/2010/main">
-                  <a14:imgLayer r:embed="rId3">
+                  <a14:imgLayer r:embed="rId4">
                     <a14:imgEffect>
                       <a14:backgroundRemoval t="10000" b="90000" l="10000" r="90000">
                         <a14:foregroundMark x1="63324" y1="27007" x2="63324" y2="28175"/>
@@ -16211,7 +16930,7 @@
           <p:nvPr/>
         </p:nvPicPr>
         <p:blipFill>
-          <a:blip r:embed="rId4" cstate="print">
+          <a:blip r:embed="rId5" cstate="print">
             <a:extLst>
               <a:ext uri="{28A0092B-C50C-407E-A947-70E740481C1C}">
                 <a14:useLocalDpi xmlns:a14="http://schemas.microsoft.com/office/drawing/2010/main" val="0"/>
@@ -16300,11 +17019,11 @@
           <p:nvPr/>
         </p:nvPicPr>
         <p:blipFill>
-          <a:blip r:embed="rId5">
+          <a:blip r:embed="rId6">
             <a:extLst>
               <a:ext uri="{BEBA8EAE-BF5A-486C-A8C5-ECC9F3942E4B}">
                 <a14:imgProps xmlns:a14="http://schemas.microsoft.com/office/drawing/2010/main">
-                  <a14:imgLayer r:embed="rId6">
+                  <a14:imgLayer r:embed="rId7">
                     <a14:imgEffect>
                       <a14:backgroundRemoval t="10000" b="90000" l="10000" r="90000">
                         <a14:foregroundMark x1="44986" y1="33824" x2="44986" y2="33824"/>
@@ -16392,13 +17111,13 @@
           <p:nvPr/>
         </p:nvPicPr>
         <p:blipFill>
-          <a:blip r:embed="rId7" cstate="print">
+          <a:blip r:embed="rId8" cstate="print">
             <a:extLst>
               <a:ext uri="{28A0092B-C50C-407E-A947-70E740481C1C}">
                 <a14:useLocalDpi xmlns:a14="http://schemas.microsoft.com/office/drawing/2010/main" val="0"/>
               </a:ext>
               <a:ext uri="{96DAC541-7B7A-43D3-8B79-37D633B846F1}">
-                <asvg:svgBlip xmlns:asvg="http://schemas.microsoft.com/office/drawing/2016/SVG/main" r:embed="rId8"/>
+                <asvg:svgBlip xmlns:asvg="http://schemas.microsoft.com/office/drawing/2016/SVG/main" r:embed="rId9"/>
               </a:ext>
             </a:extLst>
           </a:blip>

--- a/Graduation_Document/생존자인줄 알았던 내가 알고보니 술래_박동규_김우빈_황석주_1.pptx
+++ b/Graduation_Document/생존자인줄 알았던 내가 알고보니 술래_박동규_김우빈_황석주_1.pptx
@@ -600,6 +600,1043 @@
 </p:notes>
 </file>
 
+<file path=ppt/notesSlides/notesSlide10.xml><?xml version="1.0" encoding="utf-8"?>
+<p:notes xmlns:a="http://schemas.openxmlformats.org/drawingml/2006/main" xmlns:r="http://schemas.openxmlformats.org/officeDocument/2006/relationships" xmlns:p="http://schemas.openxmlformats.org/presentationml/2006/main">
+  <p:cSld>
+    <p:spTree>
+      <p:nvGrpSpPr>
+        <p:cNvPr id="1" name=""/>
+        <p:cNvGrpSpPr/>
+        <p:nvPr/>
+      </p:nvGrpSpPr>
+      <p:grpSpPr>
+        <a:xfrm>
+          <a:off x="0" y="0"/>
+          <a:ext cx="0" cy="0"/>
+          <a:chOff x="0" y="0"/>
+          <a:chExt cx="0" cy="0"/>
+        </a:xfrm>
+      </p:grpSpPr>
+      <p:sp>
+        <p:nvSpPr>
+          <p:cNvPr id="2" name="슬라이드 이미지 개체 틀 1"/>
+          <p:cNvSpPr>
+            <a:spLocks noGrp="1" noRot="1" noChangeAspect="1"/>
+          </p:cNvSpPr>
+          <p:nvPr>
+            <p:ph type="sldImg"/>
+          </p:nvPr>
+        </p:nvSpPr>
+        <p:spPr/>
+      </p:sp>
+      <p:sp>
+        <p:nvSpPr>
+          <p:cNvPr id="3" name="슬라이드 노트 개체 틀 2"/>
+          <p:cNvSpPr>
+            <a:spLocks noGrp="1"/>
+          </p:cNvSpPr>
+          <p:nvPr>
+            <p:ph type="body" idx="1"/>
+          </p:nvPr>
+        </p:nvSpPr>
+        <p:spPr/>
+        <p:txBody>
+          <a:bodyPr/>
+          <a:lstStyle/>
+          <a:p>
+            <a:r>
+              <a:rPr lang="ko-KR" altLang="en-US" dirty="0"/>
+              <a:t>캐릭터 조작은 기본적으로 </a:t>
+            </a:r>
+            <a:r>
+              <a:rPr lang="en-US" altLang="ko-KR" dirty="0"/>
+              <a:t>WASD</a:t>
+            </a:r>
+            <a:r>
+              <a:rPr lang="ko-KR" altLang="en-US" dirty="0"/>
+              <a:t>로 움직이고 마우스로 시점을 돌리고</a:t>
+            </a:r>
+            <a:r>
+              <a:rPr lang="en-US" altLang="ko-KR" dirty="0"/>
+              <a:t>,</a:t>
+            </a:r>
+          </a:p>
+          <a:p>
+            <a:r>
+              <a:rPr lang="ko-KR" altLang="en-US" dirty="0"/>
+              <a:t>점프</a:t>
+            </a:r>
+            <a:r>
+              <a:rPr lang="en-US" altLang="ko-KR" dirty="0"/>
+              <a:t>, </a:t>
+            </a:r>
+            <a:r>
+              <a:rPr lang="ko-KR" altLang="en-US" dirty="0"/>
+              <a:t>상태 바 확인</a:t>
+            </a:r>
+            <a:r>
+              <a:rPr lang="en-US" altLang="ko-KR" dirty="0"/>
+              <a:t>, </a:t>
+            </a:r>
+            <a:r>
+              <a:rPr lang="ko-KR" altLang="en-US" dirty="0"/>
+              <a:t>상호작용</a:t>
+            </a:r>
+            <a:r>
+              <a:rPr lang="en-US" altLang="ko-KR" dirty="0"/>
+              <a:t>, </a:t>
+            </a:r>
+            <a:r>
+              <a:rPr lang="ko-KR" altLang="en-US" dirty="0"/>
+              <a:t>채팅</a:t>
+            </a:r>
+            <a:r>
+              <a:rPr lang="en-US" altLang="ko-KR" dirty="0"/>
+              <a:t>, </a:t>
+            </a:r>
+            <a:r>
+              <a:rPr lang="ko-KR" altLang="en-US" dirty="0"/>
+              <a:t>스킬 등의 조작을 할 수 있습니다</a:t>
+            </a:r>
+            <a:r>
+              <a:rPr lang="en-US" altLang="ko-KR" dirty="0"/>
+              <a:t>.</a:t>
+            </a:r>
+            <a:endParaRPr lang="ko-KR" altLang="en-US" dirty="0"/>
+          </a:p>
+        </p:txBody>
+      </p:sp>
+      <p:sp>
+        <p:nvSpPr>
+          <p:cNvPr id="4" name="슬라이드 번호 개체 틀 3"/>
+          <p:cNvSpPr>
+            <a:spLocks noGrp="1"/>
+          </p:cNvSpPr>
+          <p:nvPr>
+            <p:ph type="sldNum" sz="quarter" idx="5"/>
+          </p:nvPr>
+        </p:nvSpPr>
+        <p:spPr/>
+        <p:txBody>
+          <a:bodyPr/>
+          <a:lstStyle/>
+          <a:p>
+            <a:fld id="{51DE243A-6A2C-40CE-8D32-631E67DFA5BC}" type="slidenum">
+              <a:rPr lang="ko-KR" altLang="en-US" smtClean="0"/>
+              <a:t>10</a:t>
+            </a:fld>
+            <a:endParaRPr lang="ko-KR" altLang="en-US"/>
+          </a:p>
+        </p:txBody>
+      </p:sp>
+    </p:spTree>
+    <p:extLst>
+      <p:ext uri="{BB962C8B-B14F-4D97-AF65-F5344CB8AC3E}">
+        <p14:creationId xmlns:p14="http://schemas.microsoft.com/office/powerpoint/2010/main" val="99289971"/>
+      </p:ext>
+    </p:extLst>
+  </p:cSld>
+  <p:clrMapOvr>
+    <a:masterClrMapping/>
+  </p:clrMapOvr>
+</p:notes>
+</file>
+
+<file path=ppt/notesSlides/notesSlide11.xml><?xml version="1.0" encoding="utf-8"?>
+<p:notes xmlns:a="http://schemas.openxmlformats.org/drawingml/2006/main" xmlns:r="http://schemas.openxmlformats.org/officeDocument/2006/relationships" xmlns:p="http://schemas.openxmlformats.org/presentationml/2006/main">
+  <p:cSld>
+    <p:spTree>
+      <p:nvGrpSpPr>
+        <p:cNvPr id="1" name=""/>
+        <p:cNvGrpSpPr/>
+        <p:nvPr/>
+      </p:nvGrpSpPr>
+      <p:grpSpPr>
+        <a:xfrm>
+          <a:off x="0" y="0"/>
+          <a:ext cx="0" cy="0"/>
+          <a:chOff x="0" y="0"/>
+          <a:chExt cx="0" cy="0"/>
+        </a:xfrm>
+      </p:grpSpPr>
+      <p:sp>
+        <p:nvSpPr>
+          <p:cNvPr id="2" name="슬라이드 이미지 개체 틀 1"/>
+          <p:cNvSpPr>
+            <a:spLocks noGrp="1" noRot="1" noChangeAspect="1"/>
+          </p:cNvSpPr>
+          <p:nvPr>
+            <p:ph type="sldImg"/>
+          </p:nvPr>
+        </p:nvSpPr>
+        <p:spPr/>
+      </p:sp>
+      <p:sp>
+        <p:nvSpPr>
+          <p:cNvPr id="3" name="슬라이드 노트 개체 틀 2"/>
+          <p:cNvSpPr>
+            <a:spLocks noGrp="1"/>
+          </p:cNvSpPr>
+          <p:nvPr>
+            <p:ph type="body" idx="1"/>
+          </p:nvPr>
+        </p:nvSpPr>
+        <p:spPr/>
+        <p:txBody>
+          <a:bodyPr/>
+          <a:lstStyle/>
+          <a:p>
+            <a:r>
+              <a:rPr lang="ko-KR" altLang="en-US" dirty="0"/>
+              <a:t>게임의 흐름은 로그인을 하게 되면 로비로 가게 되고 </a:t>
+            </a:r>
+            <a:r>
+              <a:rPr lang="ko-KR" altLang="en-US" dirty="0" err="1"/>
+              <a:t>게임룸에</a:t>
+            </a:r>
+            <a:r>
+              <a:rPr lang="ko-KR" altLang="en-US" dirty="0"/>
+              <a:t> 들어가 게임을 시작하게 됩니다</a:t>
+            </a:r>
+            <a:r>
+              <a:rPr lang="en-US" altLang="ko-KR" dirty="0"/>
+              <a:t>.</a:t>
+            </a:r>
+          </a:p>
+          <a:p>
+            <a:r>
+              <a:rPr lang="ko-KR" altLang="en-US" dirty="0"/>
+              <a:t>게임 시작 후 </a:t>
+            </a:r>
+            <a:r>
+              <a:rPr lang="en-US" altLang="ko-KR" dirty="0"/>
+              <a:t>1</a:t>
+            </a:r>
+            <a:r>
+              <a:rPr lang="ko-KR" altLang="en-US" dirty="0"/>
+              <a:t>분이 지나면 술래가 결정되고 역할에 따라서 게임을 진행하게 됩니다</a:t>
+            </a:r>
+            <a:r>
+              <a:rPr lang="en-US" altLang="ko-KR" dirty="0"/>
+              <a:t>.</a:t>
+            </a:r>
+          </a:p>
+          <a:p>
+            <a:r>
+              <a:rPr lang="ko-KR" altLang="en-US" dirty="0"/>
+              <a:t>모든 전력장치를 수리하여 생존자가 탈출을 성공하면 생존자가 승리하게 되고</a:t>
+            </a:r>
+            <a:r>
+              <a:rPr lang="en-US" altLang="ko-KR" dirty="0"/>
+              <a:t>, </a:t>
+            </a:r>
+            <a:r>
+              <a:rPr lang="ko-KR" altLang="en-US" dirty="0"/>
+              <a:t>실패하면 술래가 승리하게 됩니다</a:t>
+            </a:r>
+            <a:r>
+              <a:rPr lang="en-US" altLang="ko-KR" dirty="0"/>
+              <a:t>.</a:t>
+            </a:r>
+            <a:endParaRPr lang="ko-KR" altLang="en-US" dirty="0"/>
+          </a:p>
+        </p:txBody>
+      </p:sp>
+      <p:sp>
+        <p:nvSpPr>
+          <p:cNvPr id="4" name="슬라이드 번호 개체 틀 3"/>
+          <p:cNvSpPr>
+            <a:spLocks noGrp="1"/>
+          </p:cNvSpPr>
+          <p:nvPr>
+            <p:ph type="sldNum" sz="quarter" idx="5"/>
+          </p:nvPr>
+        </p:nvSpPr>
+        <p:spPr/>
+        <p:txBody>
+          <a:bodyPr/>
+          <a:lstStyle/>
+          <a:p>
+            <a:fld id="{51DE243A-6A2C-40CE-8D32-631E67DFA5BC}" type="slidenum">
+              <a:rPr lang="ko-KR" altLang="en-US" smtClean="0"/>
+              <a:t>11</a:t>
+            </a:fld>
+            <a:endParaRPr lang="ko-KR" altLang="en-US"/>
+          </a:p>
+        </p:txBody>
+      </p:sp>
+    </p:spTree>
+    <p:extLst>
+      <p:ext uri="{BB962C8B-B14F-4D97-AF65-F5344CB8AC3E}">
+        <p14:creationId xmlns:p14="http://schemas.microsoft.com/office/powerpoint/2010/main" val="2900892042"/>
+      </p:ext>
+    </p:extLst>
+  </p:cSld>
+  <p:clrMapOvr>
+    <a:masterClrMapping/>
+  </p:clrMapOvr>
+</p:notes>
+</file>
+
+<file path=ppt/notesSlides/notesSlide12.xml><?xml version="1.0" encoding="utf-8"?>
+<p:notes xmlns:a="http://schemas.openxmlformats.org/drawingml/2006/main" xmlns:r="http://schemas.openxmlformats.org/officeDocument/2006/relationships" xmlns:p="http://schemas.openxmlformats.org/presentationml/2006/main">
+  <p:cSld>
+    <p:spTree>
+      <p:nvGrpSpPr>
+        <p:cNvPr id="1" name=""/>
+        <p:cNvGrpSpPr/>
+        <p:nvPr/>
+      </p:nvGrpSpPr>
+      <p:grpSpPr>
+        <a:xfrm>
+          <a:off x="0" y="0"/>
+          <a:ext cx="0" cy="0"/>
+          <a:chOff x="0" y="0"/>
+          <a:chExt cx="0" cy="0"/>
+        </a:xfrm>
+      </p:grpSpPr>
+      <p:sp>
+        <p:nvSpPr>
+          <p:cNvPr id="2" name="슬라이드 이미지 개체 틀 1"/>
+          <p:cNvSpPr>
+            <a:spLocks noGrp="1" noRot="1" noChangeAspect="1"/>
+          </p:cNvSpPr>
+          <p:nvPr>
+            <p:ph type="sldImg"/>
+          </p:nvPr>
+        </p:nvSpPr>
+        <p:spPr/>
+      </p:sp>
+      <p:sp>
+        <p:nvSpPr>
+          <p:cNvPr id="3" name="슬라이드 노트 개체 틀 2"/>
+          <p:cNvSpPr>
+            <a:spLocks noGrp="1"/>
+          </p:cNvSpPr>
+          <p:nvPr>
+            <p:ph type="body" idx="1"/>
+          </p:nvPr>
+        </p:nvSpPr>
+        <p:spPr/>
+        <p:txBody>
+          <a:bodyPr/>
+          <a:lstStyle/>
+          <a:p>
+            <a:r>
+              <a:rPr lang="ko-KR" altLang="en-US" dirty="0"/>
+              <a:t>생존자와 술래 모두 사용하는 오브젝트로는 도어와 생명칩이 있습니다</a:t>
+            </a:r>
+            <a:r>
+              <a:rPr lang="en-US" altLang="ko-KR" dirty="0"/>
+              <a:t>.</a:t>
+            </a:r>
+          </a:p>
+          <a:p>
+            <a:r>
+              <a:rPr lang="ko-KR" altLang="en-US" dirty="0"/>
+              <a:t>도어는 잠글 수 있는데</a:t>
+            </a:r>
+            <a:r>
+              <a:rPr lang="en-US" altLang="ko-KR" dirty="0"/>
+              <a:t> </a:t>
+            </a:r>
+            <a:r>
+              <a:rPr lang="ko-KR" altLang="en-US" dirty="0"/>
+              <a:t>잠그거나 풀 때에는 시간이 소요됩니다</a:t>
+            </a:r>
+            <a:r>
+              <a:rPr lang="en-US" altLang="ko-KR" dirty="0"/>
+              <a:t>.</a:t>
+            </a:r>
+          </a:p>
+          <a:p>
+            <a:endParaRPr lang="en-US" altLang="ko-KR" dirty="0"/>
+          </a:p>
+          <a:p>
+            <a:r>
+              <a:rPr lang="ko-KR" altLang="en-US" dirty="0"/>
+              <a:t>생명칩은 생존자가 가지고 플레이 하며 술래는 이 생명칩을 빼앗아서 방해를 해야 하고</a:t>
+            </a:r>
+            <a:endParaRPr lang="en-US" altLang="ko-KR" dirty="0"/>
+          </a:p>
+          <a:p>
+            <a:r>
+              <a:rPr lang="ko-KR" altLang="en-US" dirty="0"/>
+              <a:t>생존자는 생명칩을 빼앗기면 행동에 제약이 생기지만 </a:t>
+            </a:r>
+            <a:r>
+              <a:rPr lang="ko-KR" altLang="en-US" dirty="0" err="1"/>
+              <a:t>맵에</a:t>
+            </a:r>
+            <a:r>
+              <a:rPr lang="ko-KR" altLang="en-US" dirty="0"/>
+              <a:t> 숨겨져 있는 생명칩을 찾거나 다른 생존자에게 받아 활동할 수 있습니다</a:t>
+            </a:r>
+            <a:r>
+              <a:rPr lang="en-US" altLang="ko-KR" dirty="0"/>
+              <a:t>.</a:t>
+            </a:r>
+          </a:p>
+        </p:txBody>
+      </p:sp>
+      <p:sp>
+        <p:nvSpPr>
+          <p:cNvPr id="4" name="슬라이드 번호 개체 틀 3"/>
+          <p:cNvSpPr>
+            <a:spLocks noGrp="1"/>
+          </p:cNvSpPr>
+          <p:nvPr>
+            <p:ph type="sldNum" sz="quarter" idx="5"/>
+          </p:nvPr>
+        </p:nvSpPr>
+        <p:spPr/>
+        <p:txBody>
+          <a:bodyPr/>
+          <a:lstStyle/>
+          <a:p>
+            <a:fld id="{51DE243A-6A2C-40CE-8D32-631E67DFA5BC}" type="slidenum">
+              <a:rPr lang="ko-KR" altLang="en-US" smtClean="0"/>
+              <a:t>12</a:t>
+            </a:fld>
+            <a:endParaRPr lang="ko-KR" altLang="en-US"/>
+          </a:p>
+        </p:txBody>
+      </p:sp>
+    </p:spTree>
+    <p:extLst>
+      <p:ext uri="{BB962C8B-B14F-4D97-AF65-F5344CB8AC3E}">
+        <p14:creationId xmlns:p14="http://schemas.microsoft.com/office/powerpoint/2010/main" val="2117678959"/>
+      </p:ext>
+    </p:extLst>
+  </p:cSld>
+  <p:clrMapOvr>
+    <a:masterClrMapping/>
+  </p:clrMapOvr>
+</p:notes>
+</file>
+
+<file path=ppt/notesSlides/notesSlide13.xml><?xml version="1.0" encoding="utf-8"?>
+<p:notes xmlns:a="http://schemas.openxmlformats.org/drawingml/2006/main" xmlns:r="http://schemas.openxmlformats.org/officeDocument/2006/relationships" xmlns:p="http://schemas.openxmlformats.org/presentationml/2006/main">
+  <p:cSld>
+    <p:spTree>
+      <p:nvGrpSpPr>
+        <p:cNvPr id="1" name=""/>
+        <p:cNvGrpSpPr/>
+        <p:nvPr/>
+      </p:nvGrpSpPr>
+      <p:grpSpPr>
+        <a:xfrm>
+          <a:off x="0" y="0"/>
+          <a:ext cx="0" cy="0"/>
+          <a:chOff x="0" y="0"/>
+          <a:chExt cx="0" cy="0"/>
+        </a:xfrm>
+      </p:grpSpPr>
+      <p:sp>
+        <p:nvSpPr>
+          <p:cNvPr id="2" name="슬라이드 이미지 개체 틀 1"/>
+          <p:cNvSpPr>
+            <a:spLocks noGrp="1" noRot="1" noChangeAspect="1"/>
+          </p:cNvSpPr>
+          <p:nvPr>
+            <p:ph type="sldImg"/>
+          </p:nvPr>
+        </p:nvSpPr>
+        <p:spPr/>
+      </p:sp>
+      <p:sp>
+        <p:nvSpPr>
+          <p:cNvPr id="3" name="슬라이드 노트 개체 틀 2"/>
+          <p:cNvSpPr>
+            <a:spLocks noGrp="1"/>
+          </p:cNvSpPr>
+          <p:nvPr>
+            <p:ph type="body" idx="1"/>
+          </p:nvPr>
+        </p:nvSpPr>
+        <p:spPr/>
+        <p:txBody>
+          <a:bodyPr/>
+          <a:lstStyle/>
+          <a:p>
+            <a:r>
+              <a:rPr lang="ko-KR" altLang="en-US" dirty="0"/>
+              <a:t>생존자가 사용하는 오브젝트로는 전력장치</a:t>
+            </a:r>
+            <a:r>
+              <a:rPr lang="en-US" altLang="ko-KR" dirty="0"/>
+              <a:t>, </a:t>
+            </a:r>
+            <a:r>
+              <a:rPr lang="ko-KR" altLang="en-US" dirty="0"/>
+              <a:t>탈출장치</a:t>
+            </a:r>
+            <a:r>
+              <a:rPr lang="en-US" altLang="ko-KR" dirty="0"/>
+              <a:t>, </a:t>
+            </a:r>
+            <a:r>
+              <a:rPr lang="ko-KR" altLang="en-US" dirty="0"/>
+              <a:t>수리도구</a:t>
+            </a:r>
+            <a:r>
+              <a:rPr lang="en-US" altLang="ko-KR" dirty="0"/>
+              <a:t>, </a:t>
+            </a:r>
+            <a:r>
+              <a:rPr lang="ko-KR" altLang="en-US" dirty="0"/>
+              <a:t>비밀통로가 있습니다</a:t>
+            </a:r>
+            <a:r>
+              <a:rPr lang="en-US" altLang="ko-KR" dirty="0"/>
+              <a:t>.</a:t>
+            </a:r>
+          </a:p>
+          <a:p>
+            <a:r>
+              <a:rPr lang="ko-KR" altLang="en-US" dirty="0"/>
+              <a:t>각 방에 숨겨진 전력장치 </a:t>
+            </a:r>
+            <a:r>
+              <a:rPr lang="en-US" altLang="ko-KR" dirty="0"/>
+              <a:t>4</a:t>
+            </a:r>
+            <a:r>
+              <a:rPr lang="ko-KR" altLang="en-US" dirty="0"/>
+              <a:t>개를 생존자끼리 협력하여 수리한 후 탈출장치를 조작하면 생존자가 승리하게 됩니다</a:t>
+            </a:r>
+            <a:r>
+              <a:rPr lang="en-US" altLang="ko-KR" dirty="0"/>
+              <a:t>.</a:t>
+            </a:r>
+          </a:p>
+          <a:p>
+            <a:r>
+              <a:rPr lang="ko-KR" altLang="en-US" dirty="0"/>
+              <a:t>전력장치를 수리하기 위해 </a:t>
+            </a:r>
+            <a:r>
+              <a:rPr lang="en-US" altLang="ko-KR" dirty="0"/>
+              <a:t>4</a:t>
+            </a:r>
+            <a:r>
+              <a:rPr lang="ko-KR" altLang="en-US" dirty="0"/>
+              <a:t>종류의 수리도구를 찾아 미니게임을 통해 습득해야 하며 비밀통로를 통해 방을 오갈 수 있습니다</a:t>
+            </a:r>
+            <a:r>
+              <a:rPr lang="en-US" altLang="ko-KR" dirty="0"/>
+              <a:t>.</a:t>
+            </a:r>
+            <a:endParaRPr lang="ko-KR" altLang="en-US" dirty="0"/>
+          </a:p>
+        </p:txBody>
+      </p:sp>
+      <p:sp>
+        <p:nvSpPr>
+          <p:cNvPr id="4" name="슬라이드 번호 개체 틀 3"/>
+          <p:cNvSpPr>
+            <a:spLocks noGrp="1"/>
+          </p:cNvSpPr>
+          <p:nvPr>
+            <p:ph type="sldNum" sz="quarter" idx="5"/>
+          </p:nvPr>
+        </p:nvSpPr>
+        <p:spPr/>
+        <p:txBody>
+          <a:bodyPr/>
+          <a:lstStyle/>
+          <a:p>
+            <a:fld id="{51DE243A-6A2C-40CE-8D32-631E67DFA5BC}" type="slidenum">
+              <a:rPr lang="ko-KR" altLang="en-US" smtClean="0"/>
+              <a:t>13</a:t>
+            </a:fld>
+            <a:endParaRPr lang="ko-KR" altLang="en-US"/>
+          </a:p>
+        </p:txBody>
+      </p:sp>
+    </p:spTree>
+    <p:extLst>
+      <p:ext uri="{BB962C8B-B14F-4D97-AF65-F5344CB8AC3E}">
+        <p14:creationId xmlns:p14="http://schemas.microsoft.com/office/powerpoint/2010/main" val="1759750274"/>
+      </p:ext>
+    </p:extLst>
+  </p:cSld>
+  <p:clrMapOvr>
+    <a:masterClrMapping/>
+  </p:clrMapOvr>
+</p:notes>
+</file>
+
+<file path=ppt/notesSlides/notesSlide14.xml><?xml version="1.0" encoding="utf-8"?>
+<p:notes xmlns:a="http://schemas.openxmlformats.org/drawingml/2006/main" xmlns:r="http://schemas.openxmlformats.org/officeDocument/2006/relationships" xmlns:p="http://schemas.openxmlformats.org/presentationml/2006/main">
+  <p:cSld>
+    <p:spTree>
+      <p:nvGrpSpPr>
+        <p:cNvPr id="1" name=""/>
+        <p:cNvGrpSpPr/>
+        <p:nvPr/>
+      </p:nvGrpSpPr>
+      <p:grpSpPr>
+        <a:xfrm>
+          <a:off x="0" y="0"/>
+          <a:ext cx="0" cy="0"/>
+          <a:chOff x="0" y="0"/>
+          <a:chExt cx="0" cy="0"/>
+        </a:xfrm>
+      </p:grpSpPr>
+      <p:sp>
+        <p:nvSpPr>
+          <p:cNvPr id="2" name="슬라이드 이미지 개체 틀 1"/>
+          <p:cNvSpPr>
+            <a:spLocks noGrp="1" noRot="1" noChangeAspect="1"/>
+          </p:cNvSpPr>
+          <p:nvPr>
+            <p:ph type="sldImg"/>
+          </p:nvPr>
+        </p:nvSpPr>
+        <p:spPr/>
+      </p:sp>
+      <p:sp>
+        <p:nvSpPr>
+          <p:cNvPr id="3" name="슬라이드 노트 개체 틀 2"/>
+          <p:cNvSpPr>
+            <a:spLocks noGrp="1"/>
+          </p:cNvSpPr>
+          <p:nvPr>
+            <p:ph type="body" idx="1"/>
+          </p:nvPr>
+        </p:nvSpPr>
+        <p:spPr/>
+        <p:txBody>
+          <a:bodyPr/>
+          <a:lstStyle/>
+          <a:p>
+            <a:r>
+              <a:rPr lang="ko-KR" altLang="en-US" dirty="0"/>
+              <a:t>술래는 제단을 이용해서 생존자에게 빼앗은 생명칩을 보관하고 </a:t>
+            </a:r>
+            <a:r>
+              <a:rPr lang="en-US" altLang="ko-KR" dirty="0"/>
+              <a:t>11</a:t>
+            </a:r>
+            <a:r>
+              <a:rPr lang="ko-KR" altLang="en-US" dirty="0"/>
+              <a:t>개의 생명칩을 모으게 되면 승리합니다</a:t>
+            </a:r>
+            <a:r>
+              <a:rPr lang="en-US" altLang="ko-KR" dirty="0"/>
+              <a:t>.</a:t>
+            </a:r>
+          </a:p>
+          <a:p>
+            <a:endParaRPr lang="en-US" altLang="ko-KR" dirty="0"/>
+          </a:p>
+          <a:p>
+            <a:r>
+              <a:rPr lang="en-US" altLang="ko-KR" dirty="0"/>
+              <a:t>4</a:t>
+            </a:r>
+            <a:r>
+              <a:rPr lang="ko-KR" altLang="en-US" dirty="0"/>
+              <a:t>가지의 스킬이 존재하여 생존자를 방해하고 생명칩을 빼앗는 데에 도움을 줄 수 있습니다</a:t>
+            </a:r>
+            <a:r>
+              <a:rPr lang="en-US" altLang="ko-KR" dirty="0"/>
+              <a:t>.</a:t>
+            </a:r>
+            <a:endParaRPr lang="ko-KR" altLang="en-US" dirty="0"/>
+          </a:p>
+        </p:txBody>
+      </p:sp>
+      <p:sp>
+        <p:nvSpPr>
+          <p:cNvPr id="4" name="슬라이드 번호 개체 틀 3"/>
+          <p:cNvSpPr>
+            <a:spLocks noGrp="1"/>
+          </p:cNvSpPr>
+          <p:nvPr>
+            <p:ph type="sldNum" sz="quarter" idx="5"/>
+          </p:nvPr>
+        </p:nvSpPr>
+        <p:spPr/>
+        <p:txBody>
+          <a:bodyPr/>
+          <a:lstStyle/>
+          <a:p>
+            <a:fld id="{51DE243A-6A2C-40CE-8D32-631E67DFA5BC}" type="slidenum">
+              <a:rPr lang="ko-KR" altLang="en-US" smtClean="0"/>
+              <a:t>14</a:t>
+            </a:fld>
+            <a:endParaRPr lang="ko-KR" altLang="en-US"/>
+          </a:p>
+        </p:txBody>
+      </p:sp>
+    </p:spTree>
+    <p:extLst>
+      <p:ext uri="{BB962C8B-B14F-4D97-AF65-F5344CB8AC3E}">
+        <p14:creationId xmlns:p14="http://schemas.microsoft.com/office/powerpoint/2010/main" val="1610916547"/>
+      </p:ext>
+    </p:extLst>
+  </p:cSld>
+  <p:clrMapOvr>
+    <a:masterClrMapping/>
+  </p:clrMapOvr>
+</p:notes>
+</file>
+
+<file path=ppt/notesSlides/notesSlide15.xml><?xml version="1.0" encoding="utf-8"?>
+<p:notes xmlns:a="http://schemas.openxmlformats.org/drawingml/2006/main" xmlns:r="http://schemas.openxmlformats.org/officeDocument/2006/relationships" xmlns:p="http://schemas.openxmlformats.org/presentationml/2006/main">
+  <p:cSld>
+    <p:spTree>
+      <p:nvGrpSpPr>
+        <p:cNvPr id="1" name=""/>
+        <p:cNvGrpSpPr/>
+        <p:nvPr/>
+      </p:nvGrpSpPr>
+      <p:grpSpPr>
+        <a:xfrm>
+          <a:off x="0" y="0"/>
+          <a:ext cx="0" cy="0"/>
+          <a:chOff x="0" y="0"/>
+          <a:chExt cx="0" cy="0"/>
+        </a:xfrm>
+      </p:grpSpPr>
+      <p:sp>
+        <p:nvSpPr>
+          <p:cNvPr id="2" name="슬라이드 이미지 개체 틀 1"/>
+          <p:cNvSpPr>
+            <a:spLocks noGrp="1" noRot="1" noChangeAspect="1"/>
+          </p:cNvSpPr>
+          <p:nvPr>
+            <p:ph type="sldImg"/>
+          </p:nvPr>
+        </p:nvSpPr>
+        <p:spPr/>
+      </p:sp>
+      <p:sp>
+        <p:nvSpPr>
+          <p:cNvPr id="3" name="슬라이드 노트 개체 틀 2"/>
+          <p:cNvSpPr>
+            <a:spLocks noGrp="1"/>
+          </p:cNvSpPr>
+          <p:nvPr>
+            <p:ph type="body" idx="1"/>
+          </p:nvPr>
+        </p:nvSpPr>
+        <p:spPr/>
+        <p:txBody>
+          <a:bodyPr/>
+          <a:lstStyle/>
+          <a:p>
+            <a:r>
+              <a:rPr lang="ko-KR" altLang="en-US" dirty="0"/>
+              <a:t>기술적 요소 및 중점 연구 분야입니다</a:t>
+            </a:r>
+            <a:r>
+              <a:rPr lang="en-US" altLang="ko-KR" dirty="0"/>
+              <a:t>.</a:t>
+            </a:r>
+          </a:p>
+          <a:p>
+            <a:endParaRPr lang="ko-KR" altLang="en-US" dirty="0"/>
+          </a:p>
+        </p:txBody>
+      </p:sp>
+      <p:sp>
+        <p:nvSpPr>
+          <p:cNvPr id="4" name="슬라이드 번호 개체 틀 3"/>
+          <p:cNvSpPr>
+            <a:spLocks noGrp="1"/>
+          </p:cNvSpPr>
+          <p:nvPr>
+            <p:ph type="sldNum" sz="quarter" idx="5"/>
+          </p:nvPr>
+        </p:nvSpPr>
+        <p:spPr/>
+        <p:txBody>
+          <a:bodyPr/>
+          <a:lstStyle/>
+          <a:p>
+            <a:fld id="{51DE243A-6A2C-40CE-8D32-631E67DFA5BC}" type="slidenum">
+              <a:rPr lang="ko-KR" altLang="en-US" smtClean="0"/>
+              <a:t>15</a:t>
+            </a:fld>
+            <a:endParaRPr lang="ko-KR" altLang="en-US"/>
+          </a:p>
+        </p:txBody>
+      </p:sp>
+    </p:spTree>
+    <p:extLst>
+      <p:ext uri="{BB962C8B-B14F-4D97-AF65-F5344CB8AC3E}">
+        <p14:creationId xmlns:p14="http://schemas.microsoft.com/office/powerpoint/2010/main" val="557516181"/>
+      </p:ext>
+    </p:extLst>
+  </p:cSld>
+  <p:clrMapOvr>
+    <a:masterClrMapping/>
+  </p:clrMapOvr>
+</p:notes>
+</file>
+
+<file path=ppt/notesSlides/notesSlide16.xml><?xml version="1.0" encoding="utf-8"?>
+<p:notes xmlns:a="http://schemas.openxmlformats.org/drawingml/2006/main" xmlns:r="http://schemas.openxmlformats.org/officeDocument/2006/relationships" xmlns:p="http://schemas.openxmlformats.org/presentationml/2006/main">
+  <p:cSld>
+    <p:spTree>
+      <p:nvGrpSpPr>
+        <p:cNvPr id="1" name=""/>
+        <p:cNvGrpSpPr/>
+        <p:nvPr/>
+      </p:nvGrpSpPr>
+      <p:grpSpPr>
+        <a:xfrm>
+          <a:off x="0" y="0"/>
+          <a:ext cx="0" cy="0"/>
+          <a:chOff x="0" y="0"/>
+          <a:chExt cx="0" cy="0"/>
+        </a:xfrm>
+      </p:grpSpPr>
+      <p:sp>
+        <p:nvSpPr>
+          <p:cNvPr id="2" name="슬라이드 이미지 개체 틀 1"/>
+          <p:cNvSpPr>
+            <a:spLocks noGrp="1" noRot="1" noChangeAspect="1"/>
+          </p:cNvSpPr>
+          <p:nvPr>
+            <p:ph type="sldImg"/>
+          </p:nvPr>
+        </p:nvSpPr>
+        <p:spPr/>
+      </p:sp>
+      <p:sp>
+        <p:nvSpPr>
+          <p:cNvPr id="3" name="슬라이드 노트 개체 틀 2"/>
+          <p:cNvSpPr>
+            <a:spLocks noGrp="1"/>
+          </p:cNvSpPr>
+          <p:nvPr>
+            <p:ph type="body" idx="1"/>
+          </p:nvPr>
+        </p:nvSpPr>
+        <p:spPr/>
+        <p:txBody>
+          <a:bodyPr/>
+          <a:lstStyle/>
+          <a:p>
+            <a:r>
+              <a:rPr lang="ko-KR" altLang="en-US" dirty="0"/>
+              <a:t>유사한 게임인 </a:t>
+            </a:r>
+            <a:r>
+              <a:rPr lang="ko-KR" altLang="en-US" dirty="0" err="1"/>
+              <a:t>데드</a:t>
+            </a:r>
+            <a:r>
+              <a:rPr lang="ko-KR" altLang="en-US" dirty="0"/>
+              <a:t> 바이 </a:t>
+            </a:r>
+            <a:r>
+              <a:rPr lang="ko-KR" altLang="en-US" dirty="0" err="1"/>
+              <a:t>데이라이트와의</a:t>
+            </a:r>
+            <a:r>
+              <a:rPr lang="ko-KR" altLang="en-US" dirty="0"/>
+              <a:t> 차별성으로는</a:t>
+            </a:r>
+            <a:endParaRPr lang="en-US" altLang="ko-KR" dirty="0"/>
+          </a:p>
+          <a:p>
+            <a:r>
+              <a:rPr lang="ko-KR" altLang="en-US" dirty="0"/>
+              <a:t>사망한 플레이어가 게임에 큰 영향을 미칠 수 있고</a:t>
+            </a:r>
+            <a:r>
+              <a:rPr lang="en-US" altLang="ko-KR" dirty="0"/>
+              <a:t>,</a:t>
+            </a:r>
+          </a:p>
+          <a:p>
+            <a:r>
+              <a:rPr lang="ko-KR" altLang="en-US" dirty="0" err="1"/>
+              <a:t>생존자들간의</a:t>
+            </a:r>
+            <a:r>
+              <a:rPr lang="ko-KR" altLang="en-US" dirty="0"/>
+              <a:t> 개인 플레이와 협동 플레이도 있고</a:t>
+            </a:r>
+            <a:r>
+              <a:rPr lang="en-US" altLang="ko-KR" dirty="0"/>
+              <a:t>,</a:t>
+            </a:r>
+          </a:p>
+          <a:p>
+            <a:r>
+              <a:rPr lang="ko-KR" altLang="en-US" dirty="0"/>
+              <a:t>각 방마다의 컨셉이 달라 플레이 유형이 다양해지는 점이 있습니다</a:t>
+            </a:r>
+            <a:r>
+              <a:rPr lang="en-US" altLang="ko-KR" dirty="0"/>
+              <a:t>.</a:t>
+            </a:r>
+            <a:endParaRPr lang="ko-KR" altLang="en-US" dirty="0"/>
+          </a:p>
+        </p:txBody>
+      </p:sp>
+      <p:sp>
+        <p:nvSpPr>
+          <p:cNvPr id="4" name="슬라이드 번호 개체 틀 3"/>
+          <p:cNvSpPr>
+            <a:spLocks noGrp="1"/>
+          </p:cNvSpPr>
+          <p:nvPr>
+            <p:ph type="sldNum" sz="quarter" idx="5"/>
+          </p:nvPr>
+        </p:nvSpPr>
+        <p:spPr/>
+        <p:txBody>
+          <a:bodyPr/>
+          <a:lstStyle/>
+          <a:p>
+            <a:fld id="{51DE243A-6A2C-40CE-8D32-631E67DFA5BC}" type="slidenum">
+              <a:rPr lang="ko-KR" altLang="en-US" smtClean="0"/>
+              <a:t>16</a:t>
+            </a:fld>
+            <a:endParaRPr lang="ko-KR" altLang="en-US"/>
+          </a:p>
+        </p:txBody>
+      </p:sp>
+    </p:spTree>
+    <p:extLst>
+      <p:ext uri="{BB962C8B-B14F-4D97-AF65-F5344CB8AC3E}">
+        <p14:creationId xmlns:p14="http://schemas.microsoft.com/office/powerpoint/2010/main" val="1492906220"/>
+      </p:ext>
+    </p:extLst>
+  </p:cSld>
+  <p:clrMapOvr>
+    <a:masterClrMapping/>
+  </p:clrMapOvr>
+</p:notes>
+</file>
+
+<file path=ppt/notesSlides/notesSlide17.xml><?xml version="1.0" encoding="utf-8"?>
+<p:notes xmlns:a="http://schemas.openxmlformats.org/drawingml/2006/main" xmlns:r="http://schemas.openxmlformats.org/officeDocument/2006/relationships" xmlns:p="http://schemas.openxmlformats.org/presentationml/2006/main">
+  <p:cSld>
+    <p:spTree>
+      <p:nvGrpSpPr>
+        <p:cNvPr id="1" name=""/>
+        <p:cNvGrpSpPr/>
+        <p:nvPr/>
+      </p:nvGrpSpPr>
+      <p:grpSpPr>
+        <a:xfrm>
+          <a:off x="0" y="0"/>
+          <a:ext cx="0" cy="0"/>
+          <a:chOff x="0" y="0"/>
+          <a:chExt cx="0" cy="0"/>
+        </a:xfrm>
+      </p:grpSpPr>
+      <p:sp>
+        <p:nvSpPr>
+          <p:cNvPr id="2" name="슬라이드 이미지 개체 틀 1"/>
+          <p:cNvSpPr>
+            <a:spLocks noGrp="1" noRot="1" noChangeAspect="1"/>
+          </p:cNvSpPr>
+          <p:nvPr>
+            <p:ph type="sldImg"/>
+          </p:nvPr>
+        </p:nvSpPr>
+        <p:spPr/>
+      </p:sp>
+      <p:sp>
+        <p:nvSpPr>
+          <p:cNvPr id="3" name="슬라이드 노트 개체 틀 2"/>
+          <p:cNvSpPr>
+            <a:spLocks noGrp="1"/>
+          </p:cNvSpPr>
+          <p:nvPr>
+            <p:ph type="body" idx="1"/>
+          </p:nvPr>
+        </p:nvSpPr>
+        <p:spPr/>
+        <p:txBody>
+          <a:bodyPr/>
+          <a:lstStyle/>
+          <a:p>
+            <a:r>
+              <a:rPr lang="ko-KR" altLang="en-US" dirty="0"/>
+              <a:t>역할 분담 및 일정은 이렇게 됩니다</a:t>
+            </a:r>
+            <a:r>
+              <a:rPr lang="en-US" altLang="ko-KR" dirty="0"/>
+              <a:t>.</a:t>
+            </a:r>
+          </a:p>
+          <a:p>
+            <a:r>
+              <a:rPr lang="ko-KR" altLang="en-US" dirty="0"/>
+              <a:t>중간 발표에는 서버와 데이터베이스 연동을 하고</a:t>
+            </a:r>
+            <a:r>
+              <a:rPr lang="en-US" altLang="ko-KR" dirty="0"/>
+              <a:t>,  </a:t>
+            </a:r>
+          </a:p>
+          <a:p>
+            <a:r>
+              <a:rPr lang="ko-KR" altLang="en-US" dirty="0"/>
+              <a:t>맵 안에서 캐릭터들이 </a:t>
+            </a:r>
+            <a:r>
+              <a:rPr lang="ko-KR" altLang="en-US" dirty="0" err="1"/>
+              <a:t>애니메이션되어</a:t>
+            </a:r>
+            <a:r>
+              <a:rPr lang="ko-KR" altLang="en-US" dirty="0"/>
+              <a:t> 움직일 수 있게 할 예정입니다</a:t>
+            </a:r>
+            <a:r>
+              <a:rPr lang="en-US" altLang="ko-KR" dirty="0"/>
+              <a:t>. </a:t>
+            </a:r>
+            <a:endParaRPr lang="ko-KR" altLang="en-US" dirty="0"/>
+          </a:p>
+        </p:txBody>
+      </p:sp>
+      <p:sp>
+        <p:nvSpPr>
+          <p:cNvPr id="4" name="슬라이드 번호 개체 틀 3"/>
+          <p:cNvSpPr>
+            <a:spLocks noGrp="1"/>
+          </p:cNvSpPr>
+          <p:nvPr>
+            <p:ph type="sldNum" sz="quarter" idx="5"/>
+          </p:nvPr>
+        </p:nvSpPr>
+        <p:spPr/>
+        <p:txBody>
+          <a:bodyPr/>
+          <a:lstStyle/>
+          <a:p>
+            <a:fld id="{51DE243A-6A2C-40CE-8D32-631E67DFA5BC}" type="slidenum">
+              <a:rPr lang="ko-KR" altLang="en-US" smtClean="0"/>
+              <a:t>17</a:t>
+            </a:fld>
+            <a:endParaRPr lang="ko-KR" altLang="en-US"/>
+          </a:p>
+        </p:txBody>
+      </p:sp>
+    </p:spTree>
+    <p:extLst>
+      <p:ext uri="{BB962C8B-B14F-4D97-AF65-F5344CB8AC3E}">
+        <p14:creationId xmlns:p14="http://schemas.microsoft.com/office/powerpoint/2010/main" val="559135770"/>
+      </p:ext>
+    </p:extLst>
+  </p:cSld>
+  <p:clrMapOvr>
+    <a:masterClrMapping/>
+  </p:clrMapOvr>
+</p:notes>
+</file>
+
 <file path=ppt/notesSlides/notesSlide2.xml><?xml version="1.0" encoding="utf-8"?>
 <p:notes xmlns:a="http://schemas.openxmlformats.org/drawingml/2006/main" xmlns:r="http://schemas.openxmlformats.org/officeDocument/2006/relationships" xmlns:p="http://schemas.openxmlformats.org/presentationml/2006/main">
   <p:cSld>
@@ -738,7 +1775,7 @@
           <a:p>
             <a:r>
               <a:rPr lang="ko-KR" altLang="en-US" dirty="0"/>
-              <a:t>졸업작품 팀원을 소개하겠습니다</a:t>
+              <a:t>개인별 준비 현황입니다</a:t>
             </a:r>
             <a:r>
               <a:rPr lang="en-US" altLang="ko-KR" dirty="0"/>
@@ -751,7 +1788,7 @@
           <a:p>
             <a:r>
               <a:rPr lang="ko-KR" altLang="en-US" dirty="0"/>
-              <a:t>클라이언트는 박동규</a:t>
+              <a:t>클라이언트를 맡은 박동규</a:t>
             </a:r>
             <a:r>
               <a:rPr lang="en-US" altLang="ko-KR" dirty="0"/>
@@ -763,26 +1800,59 @@
             </a:r>
             <a:r>
               <a:rPr lang="ko-KR" altLang="en-US" dirty="0"/>
-              <a:t> 학우가 담당하며 서버는 김우빈 학우가 담당합니다</a:t>
+              <a:t> 학우는 </a:t>
+            </a:r>
+            <a:r>
+              <a:rPr lang="en-US" altLang="ko-KR" dirty="0"/>
+              <a:t>DirectX12</a:t>
+            </a:r>
+            <a:r>
+              <a:rPr lang="ko-KR" altLang="en-US" dirty="0"/>
+              <a:t>로 구현하기 위해</a:t>
+            </a:r>
+            <a:r>
+              <a:rPr lang="en-US" altLang="ko-KR" dirty="0"/>
+              <a:t> 3D</a:t>
+            </a:r>
+            <a:r>
+              <a:rPr lang="ko-KR" altLang="en-US" dirty="0"/>
+              <a:t>게임프로그래밍 </a:t>
+            </a:r>
+            <a:r>
+              <a:rPr lang="en-US" altLang="ko-KR" dirty="0"/>
+              <a:t>1,2</a:t>
+            </a:r>
+            <a:r>
+              <a:rPr lang="ko-KR" altLang="en-US" dirty="0"/>
+              <a:t>를 수강하였으며 </a:t>
+            </a:r>
+            <a:endParaRPr lang="en-US" altLang="ko-KR" dirty="0"/>
+          </a:p>
+          <a:p>
+            <a:r>
+              <a:rPr lang="ko-KR" altLang="en-US" dirty="0"/>
+              <a:t>서버를 맡은 </a:t>
+            </a:r>
+            <a:r>
+              <a:rPr lang="ko-KR" altLang="en-US" dirty="0" err="1"/>
+              <a:t>김우빈</a:t>
+            </a:r>
+            <a:r>
+              <a:rPr lang="ko-KR" altLang="en-US" dirty="0"/>
+              <a:t> 학우는 네트워크 게임 프로그래밍</a:t>
+            </a:r>
+            <a:r>
+              <a:rPr lang="en-US" altLang="ko-KR" dirty="0"/>
+              <a:t>, </a:t>
+            </a:r>
+            <a:r>
+              <a:rPr lang="ko-KR" altLang="en-US" dirty="0"/>
+              <a:t>게임 서버 프로그래밍을 수강하여 이를 중심으로 준비했습니다</a:t>
             </a:r>
             <a:r>
               <a:rPr lang="en-US" altLang="ko-KR" dirty="0"/>
               <a:t>.</a:t>
             </a:r>
-          </a:p>
-          <a:p>
-            <a:endParaRPr lang="en-US" altLang="ko-KR" dirty="0"/>
-          </a:p>
-          <a:p>
-            <a:r>
-              <a:rPr lang="ko-KR" altLang="en-US" dirty="0"/>
-              <a:t>각자 역할에 맞게 학과 커리큘럼을 진행하고 있습니다</a:t>
-            </a:r>
-            <a:r>
-              <a:rPr lang="en-US" altLang="ko-KR" dirty="0"/>
-              <a:t>.</a:t>
-            </a:r>
-            <a:endParaRPr lang="ko-KR" altLang="en-US" dirty="0"/>
           </a:p>
         </p:txBody>
       </p:sp>
@@ -872,22 +1942,6 @@
             </a:r>
             <a:r>
               <a:rPr lang="en-US" altLang="ko-KR" dirty="0"/>
-              <a:t>. </a:t>
-            </a:r>
-            <a:r>
-              <a:rPr lang="ko-KR" altLang="en-US" dirty="0"/>
-              <a:t>저희는 </a:t>
-            </a:r>
-            <a:r>
-              <a:rPr lang="en-US" altLang="ko-KR" dirty="0"/>
-              <a:t>DirectX</a:t>
-            </a:r>
-            <a:r>
-              <a:rPr lang="ko-KR" altLang="en-US" dirty="0"/>
-              <a:t>로 개발할 예정입니다</a:t>
-            </a:r>
-            <a:r>
-              <a:rPr lang="en-US" altLang="ko-KR" dirty="0"/>
               <a:t>.</a:t>
             </a:r>
             <a:endParaRPr lang="ko-KR" altLang="en-US" dirty="0"/>
@@ -1041,20 +2095,24 @@
           </a:p>
           <a:p>
             <a:r>
-              <a:rPr lang="ko-KR" altLang="en-US" dirty="0" err="1"/>
-              <a:t>저희게임은</a:t>
-            </a:r>
-            <a:r>
               <a:rPr lang="ko-KR" altLang="en-US" dirty="0"/>
-              <a:t> </a:t>
+              <a:t>연구 목적으로는 협동</a:t>
             </a:r>
             <a:r>
               <a:rPr lang="en-US" altLang="ko-KR" dirty="0"/>
-              <a:t>5</a:t>
+              <a:t>, </a:t>
             </a:r>
             <a:r>
               <a:rPr lang="ko-KR" altLang="en-US" dirty="0"/>
-              <a:t>명의 생존자와 </a:t>
+              <a:t>비대칭 서바이벌 게임 개발</a:t>
+            </a:r>
+            <a:r>
+              <a:rPr lang="en-US" altLang="ko-KR" dirty="0"/>
+              <a:t>, DirectX 12</a:t>
+            </a:r>
+            <a:r>
+              <a:rPr lang="ko-KR" altLang="en-US" dirty="0"/>
+              <a:t>를 이용한 </a:t>
             </a:r>
             <a:r>
               <a:rPr lang="en-US" altLang="ko-KR" dirty="0"/>
@@ -1062,49 +2120,23 @@
             </a:r>
             <a:r>
               <a:rPr lang="ko-KR" altLang="en-US" dirty="0"/>
-              <a:t>명의 술래가 존재하는 협동</a:t>
+              <a:t>인칭 </a:t>
             </a:r>
             <a:r>
               <a:rPr lang="en-US" altLang="ko-KR" dirty="0"/>
-              <a:t>, </a:t>
+              <a:t>3D</a:t>
             </a:r>
             <a:r>
               <a:rPr lang="ko-KR" altLang="en-US" dirty="0"/>
-              <a:t>비대칭 서바이벌 게임입니다</a:t>
+              <a:t>게임 개발</a:t>
             </a:r>
             <a:r>
               <a:rPr lang="en-US" altLang="ko-KR" dirty="0"/>
-              <a:t>.</a:t>
-            </a:r>
-          </a:p>
-          <a:p>
-            <a:endParaRPr lang="en-US" altLang="ko-KR" dirty="0"/>
-          </a:p>
-          <a:p>
+              <a:t>, IOCP </a:t>
+            </a:r>
             <a:r>
               <a:rPr lang="ko-KR" altLang="en-US" dirty="0"/>
-              <a:t>각 역할별로 주어진 미션을 수행하여 승리로 이끌어야 합니다</a:t>
-            </a:r>
-            <a:r>
-              <a:rPr lang="en-US" altLang="ko-KR" dirty="0"/>
-              <a:t>.</a:t>
-            </a:r>
-          </a:p>
-          <a:p>
-            <a:endParaRPr lang="en-US" altLang="ko-KR" dirty="0"/>
-          </a:p>
-          <a:p>
-            <a:r>
-              <a:rPr lang="ko-KR" altLang="en-US" dirty="0"/>
-              <a:t>그래픽 컨셉은 귀여운 </a:t>
-            </a:r>
-            <a:r>
-              <a:rPr lang="en-US" altLang="ko-KR" dirty="0"/>
-              <a:t>SD </a:t>
-            </a:r>
-            <a:r>
-              <a:rPr lang="ko-KR" altLang="en-US" dirty="0"/>
-              <a:t>캐릭터입니다</a:t>
+              <a:t>서버를 이용한 멀티플레이 구현 입니다</a:t>
             </a:r>
             <a:r>
               <a:rPr lang="en-US" altLang="ko-KR" dirty="0"/>
@@ -1193,6 +2225,126 @@
           <a:bodyPr/>
           <a:lstStyle/>
           <a:p>
+            <a:endParaRPr lang="en-US" altLang="ko-KR" dirty="0"/>
+          </a:p>
+          <a:p>
+            <a:r>
+              <a:rPr lang="ko-KR" altLang="en-US" dirty="0"/>
+              <a:t>저희 게임은 </a:t>
+            </a:r>
+            <a:r>
+              <a:rPr lang="en-US" altLang="ko-KR" dirty="0"/>
+              <a:t>5</a:t>
+            </a:r>
+            <a:r>
+              <a:rPr lang="ko-KR" altLang="en-US" dirty="0"/>
+              <a:t>명의 생존자와 </a:t>
+            </a:r>
+            <a:r>
+              <a:rPr lang="en-US" altLang="ko-KR" dirty="0"/>
+              <a:t>1</a:t>
+            </a:r>
+            <a:r>
+              <a:rPr lang="ko-KR" altLang="en-US" dirty="0"/>
+              <a:t>명의 술래가 존재하는 협동</a:t>
+            </a:r>
+            <a:r>
+              <a:rPr lang="en-US" altLang="ko-KR" dirty="0"/>
+              <a:t>, </a:t>
+            </a:r>
+            <a:r>
+              <a:rPr lang="ko-KR" altLang="en-US" dirty="0"/>
+              <a:t>비대칭 서바이벌 게임입니다</a:t>
+            </a:r>
+            <a:r>
+              <a:rPr lang="en-US" altLang="ko-KR" dirty="0"/>
+              <a:t>.</a:t>
+            </a:r>
+          </a:p>
+          <a:p>
+            <a:endParaRPr lang="en-US" altLang="ko-KR" dirty="0"/>
+          </a:p>
+          <a:p>
+            <a:r>
+              <a:rPr lang="en-US" altLang="ko-KR" dirty="0"/>
+              <a:t>6</a:t>
+            </a:r>
+            <a:r>
+              <a:rPr lang="ko-KR" altLang="en-US" dirty="0"/>
+              <a:t>개의 컨셉이 다른 방으로 구성된 </a:t>
+            </a:r>
+            <a:r>
+              <a:rPr lang="ko-KR" altLang="en-US" dirty="0" err="1"/>
+              <a:t>맵에서</a:t>
+            </a:r>
+            <a:r>
+              <a:rPr lang="ko-KR" altLang="en-US" dirty="0"/>
+              <a:t> 각 역할별로 주어진 미션을 수행하여 승리로 이끌어야 합니다</a:t>
+            </a:r>
+            <a:r>
+              <a:rPr lang="en-US" altLang="ko-KR" dirty="0"/>
+              <a:t>.</a:t>
+            </a:r>
+          </a:p>
+          <a:p>
+            <a:endParaRPr lang="en-US" altLang="ko-KR" dirty="0"/>
+          </a:p>
+          <a:p>
+            <a:r>
+              <a:rPr lang="ko-KR" altLang="en-US" dirty="0"/>
+              <a:t>게임 내 시간대는 저녁부터 </a:t>
+            </a:r>
+            <a:r>
+              <a:rPr lang="ko-KR" altLang="en-US" dirty="0" err="1"/>
+              <a:t>아침까지로</a:t>
+            </a:r>
+            <a:r>
+              <a:rPr lang="ko-KR" altLang="en-US" dirty="0"/>
+              <a:t> 실제 플레이 시간 </a:t>
+            </a:r>
+            <a:r>
+              <a:rPr lang="en-US" altLang="ko-KR" dirty="0"/>
+              <a:t>1</a:t>
+            </a:r>
+            <a:r>
+              <a:rPr lang="ko-KR" altLang="en-US" dirty="0"/>
+              <a:t>분 당 게임에서 </a:t>
+            </a:r>
+            <a:r>
+              <a:rPr lang="en-US" altLang="ko-KR" dirty="0"/>
+              <a:t>1</a:t>
+            </a:r>
+            <a:r>
+              <a:rPr lang="ko-KR" altLang="en-US" dirty="0"/>
+              <a:t>시간이 흐르게 됩니다</a:t>
+            </a:r>
+            <a:r>
+              <a:rPr lang="en-US" altLang="ko-KR" dirty="0"/>
+              <a:t>.</a:t>
+            </a:r>
+          </a:p>
+          <a:p>
+            <a:endParaRPr lang="en-US" altLang="ko-KR" dirty="0"/>
+          </a:p>
+          <a:p>
+            <a:r>
+              <a:rPr lang="ko-KR" altLang="en-US" dirty="0"/>
+              <a:t>그래픽 컨셉은 귀여운 </a:t>
+            </a:r>
+            <a:r>
+              <a:rPr lang="en-US" altLang="ko-KR" dirty="0"/>
+              <a:t>SD </a:t>
+            </a:r>
+            <a:r>
+              <a:rPr lang="ko-KR" altLang="en-US" dirty="0"/>
+              <a:t>캐릭터입니다</a:t>
+            </a:r>
+            <a:r>
+              <a:rPr lang="en-US" altLang="ko-KR" dirty="0"/>
+              <a:t>.</a:t>
+            </a:r>
+          </a:p>
+          <a:p>
             <a:endParaRPr lang="ko-KR" altLang="en-US" dirty="0"/>
           </a:p>
         </p:txBody>
@@ -1214,6 +2366,122 @@
           <a:p>
             <a:fld id="{51DE243A-6A2C-40CE-8D32-631E67DFA5BC}" type="slidenum">
               <a:rPr lang="ko-KR" altLang="en-US" smtClean="0"/>
+              <a:t>6</a:t>
+            </a:fld>
+            <a:endParaRPr lang="ko-KR" altLang="en-US"/>
+          </a:p>
+        </p:txBody>
+      </p:sp>
+    </p:spTree>
+    <p:extLst>
+      <p:ext uri="{BB962C8B-B14F-4D97-AF65-F5344CB8AC3E}">
+        <p14:creationId xmlns:p14="http://schemas.microsoft.com/office/powerpoint/2010/main" val="1024249345"/>
+      </p:ext>
+    </p:extLst>
+  </p:cSld>
+  <p:clrMapOvr>
+    <a:masterClrMapping/>
+  </p:clrMapOvr>
+</p:notes>
+</file>
+
+<file path=ppt/notesSlides/notesSlide7.xml><?xml version="1.0" encoding="utf-8"?>
+<p:notes xmlns:a="http://schemas.openxmlformats.org/drawingml/2006/main" xmlns:r="http://schemas.openxmlformats.org/officeDocument/2006/relationships" xmlns:p="http://schemas.openxmlformats.org/presentationml/2006/main">
+  <p:cSld>
+    <p:spTree>
+      <p:nvGrpSpPr>
+        <p:cNvPr id="1" name=""/>
+        <p:cNvGrpSpPr/>
+        <p:nvPr/>
+      </p:nvGrpSpPr>
+      <p:grpSpPr>
+        <a:xfrm>
+          <a:off x="0" y="0"/>
+          <a:ext cx="0" cy="0"/>
+          <a:chOff x="0" y="0"/>
+          <a:chExt cx="0" cy="0"/>
+        </a:xfrm>
+      </p:grpSpPr>
+      <p:sp>
+        <p:nvSpPr>
+          <p:cNvPr id="2" name="슬라이드 이미지 개체 틀 1"/>
+          <p:cNvSpPr>
+            <a:spLocks noGrp="1" noRot="1" noChangeAspect="1"/>
+          </p:cNvSpPr>
+          <p:nvPr>
+            <p:ph type="sldImg"/>
+          </p:nvPr>
+        </p:nvSpPr>
+        <p:spPr/>
+      </p:sp>
+      <p:sp>
+        <p:nvSpPr>
+          <p:cNvPr id="3" name="슬라이드 노트 개체 틀 2"/>
+          <p:cNvSpPr>
+            <a:spLocks noGrp="1"/>
+          </p:cNvSpPr>
+          <p:nvPr>
+            <p:ph type="body" idx="1"/>
+          </p:nvPr>
+        </p:nvSpPr>
+        <p:spPr/>
+        <p:txBody>
+          <a:bodyPr/>
+          <a:lstStyle/>
+          <a:p>
+            <a:r>
+              <a:rPr lang="ko-KR" altLang="en-US" dirty="0"/>
+              <a:t>예상 플레이 시간은 약 </a:t>
+            </a:r>
+            <a:r>
+              <a:rPr lang="en-US" altLang="ko-KR" dirty="0"/>
+              <a:t>15</a:t>
+            </a:r>
+            <a:r>
+              <a:rPr lang="ko-KR" altLang="en-US" dirty="0"/>
+              <a:t>분에서 </a:t>
+            </a:r>
+            <a:r>
+              <a:rPr lang="en-US" altLang="ko-KR" dirty="0"/>
+              <a:t>25</a:t>
+            </a:r>
+            <a:r>
+              <a:rPr lang="ko-KR" altLang="en-US" dirty="0"/>
+              <a:t>분이고</a:t>
+            </a:r>
+            <a:r>
+              <a:rPr lang="en-US" altLang="ko-KR" dirty="0"/>
+              <a:t>, </a:t>
+            </a:r>
+            <a:r>
+              <a:rPr lang="ko-KR" altLang="en-US" dirty="0"/>
+              <a:t>게임 규모는 이렇습니다</a:t>
+            </a:r>
+            <a:r>
+              <a:rPr lang="en-US" altLang="ko-KR" dirty="0"/>
+              <a:t>.</a:t>
+            </a:r>
+            <a:endParaRPr lang="ko-KR" altLang="en-US" dirty="0"/>
+          </a:p>
+        </p:txBody>
+      </p:sp>
+      <p:sp>
+        <p:nvSpPr>
+          <p:cNvPr id="4" name="슬라이드 번호 개체 틀 3"/>
+          <p:cNvSpPr>
+            <a:spLocks noGrp="1"/>
+          </p:cNvSpPr>
+          <p:nvPr>
+            <p:ph type="sldNum" sz="quarter" idx="5"/>
+          </p:nvPr>
+        </p:nvSpPr>
+        <p:spPr/>
+        <p:txBody>
+          <a:bodyPr/>
+          <a:lstStyle/>
+          <a:p>
+            <a:fld id="{51DE243A-6A2C-40CE-8D32-631E67DFA5BC}" type="slidenum">
+              <a:rPr lang="ko-KR" altLang="en-US" smtClean="0"/>
               <a:t>7</a:t>
             </a:fld>
             <a:endParaRPr lang="ko-KR" altLang="en-US"/>
@@ -1224,6 +2492,318 @@
     <p:extLst>
       <p:ext uri="{BB962C8B-B14F-4D97-AF65-F5344CB8AC3E}">
         <p14:creationId xmlns:p14="http://schemas.microsoft.com/office/powerpoint/2010/main" val="3410269822"/>
+      </p:ext>
+    </p:extLst>
+  </p:cSld>
+  <p:clrMapOvr>
+    <a:masterClrMapping/>
+  </p:clrMapOvr>
+</p:notes>
+</file>
+
+<file path=ppt/notesSlides/notesSlide8.xml><?xml version="1.0" encoding="utf-8"?>
+<p:notes xmlns:a="http://schemas.openxmlformats.org/drawingml/2006/main" xmlns:r="http://schemas.openxmlformats.org/officeDocument/2006/relationships" xmlns:p="http://schemas.openxmlformats.org/presentationml/2006/main">
+  <p:cSld>
+    <p:spTree>
+      <p:nvGrpSpPr>
+        <p:cNvPr id="1" name=""/>
+        <p:cNvGrpSpPr/>
+        <p:nvPr/>
+      </p:nvGrpSpPr>
+      <p:grpSpPr>
+        <a:xfrm>
+          <a:off x="0" y="0"/>
+          <a:ext cx="0" cy="0"/>
+          <a:chOff x="0" y="0"/>
+          <a:chExt cx="0" cy="0"/>
+        </a:xfrm>
+      </p:grpSpPr>
+      <p:sp>
+        <p:nvSpPr>
+          <p:cNvPr id="2" name="슬라이드 이미지 개체 틀 1"/>
+          <p:cNvSpPr>
+            <a:spLocks noGrp="1" noRot="1" noChangeAspect="1"/>
+          </p:cNvSpPr>
+          <p:nvPr>
+            <p:ph type="sldImg"/>
+          </p:nvPr>
+        </p:nvSpPr>
+        <p:spPr/>
+      </p:sp>
+      <p:sp>
+        <p:nvSpPr>
+          <p:cNvPr id="3" name="슬라이드 노트 개체 틀 2"/>
+          <p:cNvSpPr>
+            <a:spLocks noGrp="1"/>
+          </p:cNvSpPr>
+          <p:nvPr>
+            <p:ph type="body" idx="1"/>
+          </p:nvPr>
+        </p:nvSpPr>
+        <p:spPr/>
+        <p:txBody>
+          <a:bodyPr/>
+          <a:lstStyle/>
+          <a:p>
+            <a:pPr marL="0" marR="0" lvl="0" indent="0" algn="l" defTabSz="914400" rtl="0" eaLnBrk="1" fontAlgn="auto" latinLnBrk="1" hangingPunct="1">
+              <a:lnSpc>
+                <a:spcPct val="100000"/>
+              </a:lnSpc>
+              <a:spcBef>
+                <a:spcPts val="0"/>
+              </a:spcBef>
+              <a:spcAft>
+                <a:spcPts val="0"/>
+              </a:spcAft>
+              <a:buClrTx/>
+              <a:buSzTx/>
+              <a:buFontTx/>
+              <a:buNone/>
+              <a:tabLst/>
+              <a:defRPr/>
+            </a:pPr>
+            <a:r>
+              <a:rPr lang="ko-KR" altLang="en-US" dirty="0"/>
+              <a:t>맵 전체 크기는 </a:t>
+            </a:r>
+            <a:r>
+              <a:rPr lang="en-US" altLang="ko-KR" dirty="0"/>
+              <a:t>200m x 200m</a:t>
+            </a:r>
+            <a:r>
+              <a:rPr lang="ko-KR" altLang="en-US" dirty="0"/>
+              <a:t>로 </a:t>
+            </a:r>
+            <a:r>
+              <a:rPr lang="en-US" altLang="ko-KR" dirty="0"/>
+              <a:t>6</a:t>
+            </a:r>
+            <a:r>
+              <a:rPr lang="ko-KR" altLang="en-US" dirty="0"/>
+              <a:t>개의 다른 컨셉의 방들로 이루어져 있습니다</a:t>
+            </a:r>
+            <a:r>
+              <a:rPr lang="en-US" altLang="ko-KR" dirty="0"/>
+              <a:t>.</a:t>
+            </a:r>
+          </a:p>
+          <a:p>
+            <a:pPr marL="0" marR="0" lvl="0" indent="0" algn="l" defTabSz="914400" rtl="0" eaLnBrk="1" fontAlgn="auto" latinLnBrk="1" hangingPunct="1">
+              <a:lnSpc>
+                <a:spcPct val="100000"/>
+              </a:lnSpc>
+              <a:spcBef>
+                <a:spcPts val="0"/>
+              </a:spcBef>
+              <a:spcAft>
+                <a:spcPts val="0"/>
+              </a:spcAft>
+              <a:buClrTx/>
+              <a:buSzTx/>
+              <a:buFontTx/>
+              <a:buNone/>
+              <a:tabLst/>
+              <a:defRPr/>
+            </a:pPr>
+            <a:endParaRPr lang="en-US" altLang="ko-KR" dirty="0"/>
+          </a:p>
+          <a:p>
+            <a:pPr marL="0" marR="0" lvl="0" indent="0" algn="l" defTabSz="914400" rtl="0" eaLnBrk="1" fontAlgn="auto" latinLnBrk="1" hangingPunct="1">
+              <a:lnSpc>
+                <a:spcPct val="100000"/>
+              </a:lnSpc>
+              <a:spcBef>
+                <a:spcPts val="0"/>
+              </a:spcBef>
+              <a:spcAft>
+                <a:spcPts val="0"/>
+              </a:spcAft>
+              <a:buClrTx/>
+              <a:buSzTx/>
+              <a:buFontTx/>
+              <a:buNone/>
+              <a:tabLst/>
+              <a:defRPr/>
+            </a:pPr>
+            <a:r>
+              <a:rPr lang="ko-KR" altLang="en-US" dirty="0"/>
+              <a:t>각 방들은 문으로 연결되어 있으며 생존자만 사용 가능한 비밀통로도 존재합니다</a:t>
+            </a:r>
+            <a:r>
+              <a:rPr lang="en-US" altLang="ko-KR" dirty="0"/>
+              <a:t>.</a:t>
+            </a:r>
+          </a:p>
+          <a:p>
+            <a:endParaRPr lang="ko-KR" altLang="en-US" dirty="0"/>
+          </a:p>
+        </p:txBody>
+      </p:sp>
+      <p:sp>
+        <p:nvSpPr>
+          <p:cNvPr id="4" name="슬라이드 번호 개체 틀 3"/>
+          <p:cNvSpPr>
+            <a:spLocks noGrp="1"/>
+          </p:cNvSpPr>
+          <p:nvPr>
+            <p:ph type="sldNum" sz="quarter" idx="5"/>
+          </p:nvPr>
+        </p:nvSpPr>
+        <p:spPr/>
+        <p:txBody>
+          <a:bodyPr/>
+          <a:lstStyle/>
+          <a:p>
+            <a:fld id="{51DE243A-6A2C-40CE-8D32-631E67DFA5BC}" type="slidenum">
+              <a:rPr lang="ko-KR" altLang="en-US" smtClean="0"/>
+              <a:t>8</a:t>
+            </a:fld>
+            <a:endParaRPr lang="ko-KR" altLang="en-US"/>
+          </a:p>
+        </p:txBody>
+      </p:sp>
+    </p:spTree>
+    <p:extLst>
+      <p:ext uri="{BB962C8B-B14F-4D97-AF65-F5344CB8AC3E}">
+        <p14:creationId xmlns:p14="http://schemas.microsoft.com/office/powerpoint/2010/main" val="109275171"/>
+      </p:ext>
+    </p:extLst>
+  </p:cSld>
+  <p:clrMapOvr>
+    <a:masterClrMapping/>
+  </p:clrMapOvr>
+</p:notes>
+</file>
+
+<file path=ppt/notesSlides/notesSlide9.xml><?xml version="1.0" encoding="utf-8"?>
+<p:notes xmlns:a="http://schemas.openxmlformats.org/drawingml/2006/main" xmlns:r="http://schemas.openxmlformats.org/officeDocument/2006/relationships" xmlns:p="http://schemas.openxmlformats.org/presentationml/2006/main">
+  <p:cSld>
+    <p:spTree>
+      <p:nvGrpSpPr>
+        <p:cNvPr id="1" name=""/>
+        <p:cNvGrpSpPr/>
+        <p:nvPr/>
+      </p:nvGrpSpPr>
+      <p:grpSpPr>
+        <a:xfrm>
+          <a:off x="0" y="0"/>
+          <a:ext cx="0" cy="0"/>
+          <a:chOff x="0" y="0"/>
+          <a:chExt cx="0" cy="0"/>
+        </a:xfrm>
+      </p:grpSpPr>
+      <p:sp>
+        <p:nvSpPr>
+          <p:cNvPr id="2" name="슬라이드 이미지 개체 틀 1"/>
+          <p:cNvSpPr>
+            <a:spLocks noGrp="1" noRot="1" noChangeAspect="1"/>
+          </p:cNvSpPr>
+          <p:nvPr>
+            <p:ph type="sldImg"/>
+          </p:nvPr>
+        </p:nvSpPr>
+        <p:spPr/>
+      </p:sp>
+      <p:sp>
+        <p:nvSpPr>
+          <p:cNvPr id="3" name="슬라이드 노트 개체 틀 2"/>
+          <p:cNvSpPr>
+            <a:spLocks noGrp="1"/>
+          </p:cNvSpPr>
+          <p:nvPr>
+            <p:ph type="body" idx="1"/>
+          </p:nvPr>
+        </p:nvSpPr>
+        <p:spPr/>
+        <p:txBody>
+          <a:bodyPr/>
+          <a:lstStyle/>
+          <a:p>
+            <a:r>
+              <a:rPr lang="ko-KR" altLang="en-US" dirty="0"/>
+              <a:t>생존자와 술래 캐릭터는 오른쪽의 아기자기한 모델을 사용하고 </a:t>
+            </a:r>
+            <a:r>
+              <a:rPr lang="en-US" altLang="ko-KR" dirty="0"/>
+              <a:t>0.55x0.55x1m</a:t>
+            </a:r>
+            <a:r>
+              <a:rPr lang="ko-KR" altLang="en-US" dirty="0"/>
+              <a:t>의 크기를 가집니다</a:t>
+            </a:r>
+            <a:r>
+              <a:rPr lang="en-US" altLang="ko-KR" dirty="0"/>
+              <a:t>.</a:t>
+            </a:r>
+          </a:p>
+          <a:p>
+            <a:endParaRPr lang="en-US" altLang="ko-KR" dirty="0"/>
+          </a:p>
+          <a:p>
+            <a:r>
+              <a:rPr lang="ko-KR" altLang="en-US" dirty="0"/>
+              <a:t>생존자</a:t>
+            </a:r>
+            <a:r>
+              <a:rPr lang="en-US" altLang="ko-KR" dirty="0"/>
+              <a:t>, </a:t>
+            </a:r>
+            <a:r>
+              <a:rPr lang="ko-KR" altLang="en-US" dirty="0"/>
+              <a:t>술래로 나눠지며 생존자는 수리도구를 찾아 전력장치를 수리하여 탈출해야 하고</a:t>
+            </a:r>
+            <a:endParaRPr lang="en-US" altLang="ko-KR" dirty="0"/>
+          </a:p>
+          <a:p>
+            <a:r>
+              <a:rPr lang="ko-KR" altLang="en-US" dirty="0"/>
+              <a:t>생명칩이 없는 생존자는 제한적인 행동만 가능합니다</a:t>
+            </a:r>
+            <a:r>
+              <a:rPr lang="en-US" altLang="ko-KR" dirty="0"/>
+              <a:t>.</a:t>
+            </a:r>
+          </a:p>
+          <a:p>
+            <a:r>
+              <a:rPr lang="ko-KR" altLang="en-US" dirty="0"/>
+              <a:t>술래는 생존자가 탈출하지 못하게 방해하고 일정시간이 지나면 이동속도가 증가하게 됩니다</a:t>
+            </a:r>
+            <a:r>
+              <a:rPr lang="en-US" altLang="ko-KR" dirty="0"/>
+              <a:t>.</a:t>
+            </a:r>
+            <a:endParaRPr lang="ko-KR" altLang="en-US" dirty="0"/>
+          </a:p>
+        </p:txBody>
+      </p:sp>
+      <p:sp>
+        <p:nvSpPr>
+          <p:cNvPr id="4" name="슬라이드 번호 개체 틀 3"/>
+          <p:cNvSpPr>
+            <a:spLocks noGrp="1"/>
+          </p:cNvSpPr>
+          <p:nvPr>
+            <p:ph type="sldNum" sz="quarter" idx="5"/>
+          </p:nvPr>
+        </p:nvSpPr>
+        <p:spPr/>
+        <p:txBody>
+          <a:bodyPr/>
+          <a:lstStyle/>
+          <a:p>
+            <a:fld id="{51DE243A-6A2C-40CE-8D32-631E67DFA5BC}" type="slidenum">
+              <a:rPr lang="ko-KR" altLang="en-US" smtClean="0"/>
+              <a:t>9</a:t>
+            </a:fld>
+            <a:endParaRPr lang="ko-KR" altLang="en-US"/>
+          </a:p>
+        </p:txBody>
+      </p:sp>
+    </p:spTree>
+    <p:extLst>
+      <p:ext uri="{BB962C8B-B14F-4D97-AF65-F5344CB8AC3E}">
+        <p14:creationId xmlns:p14="http://schemas.microsoft.com/office/powerpoint/2010/main" val="678633368"/>
       </p:ext>
     </p:extLst>
   </p:cSld>
@@ -4781,7 +6361,7 @@
           <p:nvPr/>
         </p:nvPicPr>
         <p:blipFill>
-          <a:blip r:embed="rId2">
+          <a:blip r:embed="rId3">
             <a:extLst>
               <a:ext uri="{28A0092B-C50C-407E-A947-70E740481C1C}">
                 <a14:useLocalDpi xmlns:a14="http://schemas.microsoft.com/office/drawing/2010/main" val="0"/>
@@ -8328,7 +9908,7 @@
           <p:nvPr/>
         </p:nvPicPr>
         <p:blipFill>
-          <a:blip r:embed="rId2" cstate="print">
+          <a:blip r:embed="rId3" cstate="print">
             <a:extLst>
               <a:ext uri="{28A0092B-C50C-407E-A947-70E740481C1C}">
                 <a14:useLocalDpi xmlns:a14="http://schemas.microsoft.com/office/drawing/2010/main" val="0"/>
@@ -8372,7 +9952,7 @@
           <p:nvPr/>
         </p:nvPicPr>
         <p:blipFill>
-          <a:blip r:embed="rId3"/>
+          <a:blip r:embed="rId4"/>
           <a:stretch>
             <a:fillRect/>
           </a:stretch>
@@ -9253,7 +10833,7 @@
           <p:nvPr/>
         </p:nvPicPr>
         <p:blipFill>
-          <a:blip r:embed="rId2" cstate="print">
+          <a:blip r:embed="rId3" cstate="print">
             <a:extLst>
               <a:ext uri="{28A0092B-C50C-407E-A947-70E740481C1C}">
                 <a14:useLocalDpi xmlns:a14="http://schemas.microsoft.com/office/drawing/2010/main" val="0"/>
@@ -9303,7 +10883,7 @@
           <p:nvPr/>
         </p:nvPicPr>
         <p:blipFill>
-          <a:blip r:embed="rId3"/>
+          <a:blip r:embed="rId4"/>
           <a:stretch>
             <a:fillRect/>
           </a:stretch>
@@ -9336,7 +10916,7 @@
           <p:nvPr/>
         </p:nvPicPr>
         <p:blipFill>
-          <a:blip r:embed="rId4"/>
+          <a:blip r:embed="rId5"/>
           <a:stretch>
             <a:fillRect/>
           </a:stretch>
@@ -10379,7 +11959,7 @@
           <p:nvPr/>
         </p:nvPicPr>
         <p:blipFill>
-          <a:blip r:embed="rId2" cstate="print">
+          <a:blip r:embed="rId3" cstate="print">
             <a:extLst>
               <a:ext uri="{28A0092B-C50C-407E-A947-70E740481C1C}">
                 <a14:useLocalDpi xmlns:a14="http://schemas.microsoft.com/office/drawing/2010/main" val="0"/>
@@ -11341,7 +12921,7 @@
           <p:nvPr/>
         </p:nvPicPr>
         <p:blipFill>
-          <a:blip r:embed="rId2">
+          <a:blip r:embed="rId3">
             <a:extLst>
               <a:ext uri="{28A0092B-C50C-407E-A947-70E740481C1C}">
                 <a14:useLocalDpi xmlns:a14="http://schemas.microsoft.com/office/drawing/2010/main" val="0"/>
@@ -11903,7 +13483,7 @@
           <p:nvPr>
             <p:extLst>
               <p:ext uri="{D42A27DB-BD31-4B8C-83A1-F6EECF244321}">
-                <p14:modId xmlns:p14="http://schemas.microsoft.com/office/powerpoint/2010/main" val="1430318144"/>
+                <p14:modId xmlns:p14="http://schemas.microsoft.com/office/powerpoint/2010/main" val="2492688434"/>
               </p:ext>
             </p:extLst>
           </p:nvPr>
@@ -15710,7 +17290,7 @@
           <a:lstStyle/>
           <a:p>
             <a:r>
-              <a:rPr lang="en-US" altLang="ko-KR" sz="2400">
+              <a:rPr lang="en-US" altLang="ko-KR" sz="2400" dirty="0">
                 <a:solidFill>
                   <a:schemeClr val="tx1">
                     <a:lumMod val="75000"/>
@@ -15723,7 +17303,7 @@
               <a:t>01 </a:t>
             </a:r>
             <a:r>
-              <a:rPr lang="ko-KR" altLang="en-US" sz="2400">
+              <a:rPr lang="ko-KR" altLang="en-US" sz="2400" dirty="0">
                 <a:solidFill>
                   <a:schemeClr val="tx1">
                     <a:lumMod val="75000"/>
@@ -15735,16 +17315,6 @@
               </a:rPr>
               <a:t>개인별 준비 현황</a:t>
             </a:r>
-            <a:endParaRPr lang="ko-KR" altLang="en-US" sz="2400" dirty="0">
-              <a:solidFill>
-                <a:schemeClr val="tx1">
-                  <a:lumMod val="75000"/>
-                  <a:lumOff val="25000"/>
-                </a:schemeClr>
-              </a:solidFill>
-              <a:latin typeface="나눔스퀘어 Bold"/>
-              <a:ea typeface="나눔스퀘어" panose="020B0600000101010101"/>
-            </a:endParaRPr>
           </a:p>
         </p:txBody>
       </p:sp>
@@ -18763,7 +20333,7 @@
           <p:nvPr/>
         </p:nvPicPr>
         <p:blipFill>
-          <a:blip r:embed="rId2">
+          <a:blip r:embed="rId3">
             <a:extLst>
               <a:ext uri="{28A0092B-C50C-407E-A947-70E740481C1C}">
                 <a14:useLocalDpi xmlns:a14="http://schemas.microsoft.com/office/drawing/2010/main" val="0"/>
@@ -22344,7 +23914,7 @@
           <p:nvPr/>
         </p:nvPicPr>
         <p:blipFill rotWithShape="1">
-          <a:blip r:embed="rId2" cstate="print">
+          <a:blip r:embed="rId3" cstate="print">
             <a:extLst>
               <a:ext uri="{28A0092B-C50C-407E-A947-70E740481C1C}">
                 <a14:useLocalDpi xmlns:a14="http://schemas.microsoft.com/office/drawing/2010/main" val="0"/>

--- a/Graduation_Document/생존자인줄 알았던 내가 알고보니 술래_박동규_김우빈_황석주_1.pptx
+++ b/Graduation_Document/생존자인줄 알았던 내가 알고보니 술래_박동규_김우빈_황석주_1.pptx
@@ -234,7 +234,7 @@
           <a:p>
             <a:fld id="{C405262D-9A33-490D-AFB5-364B278FF2C3}" type="datetimeFigureOut">
               <a:rPr lang="ko-KR" altLang="en-US" smtClean="0"/>
-              <a:t>2022-12-24</a:t>
+              <a:t>2022-12-25</a:t>
             </a:fld>
             <a:endParaRPr lang="ko-KR" altLang="en-US"/>
           </a:p>
@@ -1637,6 +1637,543 @@
 </p:notes>
 </file>
 
+<file path=ppt/notesSlides/notesSlide18.xml><?xml version="1.0" encoding="utf-8"?>
+<p:notes xmlns:a="http://schemas.openxmlformats.org/drawingml/2006/main" xmlns:r="http://schemas.openxmlformats.org/officeDocument/2006/relationships" xmlns:p="http://schemas.openxmlformats.org/presentationml/2006/main">
+  <p:cSld>
+    <p:spTree>
+      <p:nvGrpSpPr>
+        <p:cNvPr id="1" name=""/>
+        <p:cNvGrpSpPr/>
+        <p:nvPr/>
+      </p:nvGrpSpPr>
+      <p:grpSpPr>
+        <a:xfrm>
+          <a:off x="0" y="0"/>
+          <a:ext cx="0" cy="0"/>
+          <a:chOff x="0" y="0"/>
+          <a:chExt cx="0" cy="0"/>
+        </a:xfrm>
+      </p:grpSpPr>
+      <p:sp>
+        <p:nvSpPr>
+          <p:cNvPr id="2" name="슬라이드 이미지 개체 틀 1"/>
+          <p:cNvSpPr>
+            <a:spLocks noGrp="1" noRot="1" noChangeAspect="1"/>
+          </p:cNvSpPr>
+          <p:nvPr>
+            <p:ph type="sldImg"/>
+          </p:nvPr>
+        </p:nvSpPr>
+        <p:spPr/>
+      </p:sp>
+      <p:sp>
+        <p:nvSpPr>
+          <p:cNvPr id="3" name="슬라이드 노트 개체 틀 2"/>
+          <p:cNvSpPr>
+            <a:spLocks noGrp="1"/>
+          </p:cNvSpPr>
+          <p:nvPr>
+            <p:ph type="body" idx="1"/>
+          </p:nvPr>
+        </p:nvSpPr>
+        <p:spPr/>
+        <p:txBody>
+          <a:bodyPr/>
+          <a:lstStyle/>
+          <a:p>
+            <a:r>
+              <a:rPr lang="ko-KR" altLang="en-US" dirty="0"/>
+              <a:t>예상 질문</a:t>
+            </a:r>
+            <a:endParaRPr lang="en-US" altLang="ko-KR" dirty="0"/>
+          </a:p>
+          <a:p>
+            <a:endParaRPr lang="en-US" altLang="ko-KR" dirty="0"/>
+          </a:p>
+          <a:p>
+            <a:r>
+              <a:rPr lang="en-US" altLang="ko-KR" dirty="0"/>
+              <a:t>Q. </a:t>
+            </a:r>
+            <a:r>
+              <a:rPr lang="ko-KR" altLang="en-US" dirty="0"/>
+              <a:t>굳이 </a:t>
+            </a:r>
+            <a:r>
+              <a:rPr lang="en-US" altLang="ko-KR" dirty="0" err="1"/>
+              <a:t>iocp</a:t>
+            </a:r>
+            <a:r>
+              <a:rPr lang="ko-KR" altLang="en-US" dirty="0"/>
+              <a:t>를 쓰려는 이유는 </a:t>
+            </a:r>
+            <a:r>
+              <a:rPr lang="ko-KR" altLang="en-US" dirty="0" err="1"/>
+              <a:t>뭐임</a:t>
+            </a:r>
+            <a:r>
+              <a:rPr lang="en-US" altLang="ko-KR" dirty="0"/>
+              <a:t>? </a:t>
+            </a:r>
+            <a:r>
+              <a:rPr lang="ko-KR" altLang="en-US" dirty="0"/>
+              <a:t>게임은 </a:t>
+            </a:r>
+            <a:r>
+              <a:rPr lang="en-US" altLang="ko-KR" dirty="0"/>
+              <a:t>6</a:t>
+            </a:r>
+            <a:r>
+              <a:rPr lang="ko-KR" altLang="en-US" dirty="0"/>
+              <a:t>명이 한다며</a:t>
+            </a:r>
+            <a:r>
+              <a:rPr lang="en-US" altLang="ko-KR" dirty="0"/>
+              <a:t>…</a:t>
+            </a:r>
+          </a:p>
+          <a:p>
+            <a:pPr marL="228600" indent="-228600">
+              <a:buAutoNum type="alphaUcPeriod"/>
+            </a:pPr>
+            <a:r>
+              <a:rPr lang="ko-KR" altLang="en-US" dirty="0"/>
+              <a:t>각 방마다 </a:t>
+            </a:r>
+            <a:r>
+              <a:rPr lang="en-US" altLang="ko-KR" dirty="0"/>
+              <a:t>6</a:t>
+            </a:r>
+            <a:r>
+              <a:rPr lang="ko-KR" altLang="en-US" dirty="0"/>
+              <a:t>인이 들어가 플레이를 하며</a:t>
+            </a:r>
+            <a:r>
+              <a:rPr lang="en-US" altLang="ko-KR" dirty="0"/>
+              <a:t>, </a:t>
+            </a:r>
+            <a:r>
+              <a:rPr lang="ko-KR" altLang="en-US" dirty="0"/>
+              <a:t>전체적으로는 </a:t>
+            </a:r>
+            <a:r>
+              <a:rPr lang="en-US" altLang="ko-KR" dirty="0"/>
+              <a:t>6</a:t>
+            </a:r>
+            <a:r>
+              <a:rPr lang="ko-KR" altLang="en-US" dirty="0"/>
+              <a:t>명이 아닌 그 이상의 플레이어가 </a:t>
+            </a:r>
+            <a:r>
+              <a:rPr lang="ko-KR" altLang="en-US" dirty="0" err="1"/>
+              <a:t>들어오는것을</a:t>
+            </a:r>
+            <a:r>
+              <a:rPr lang="ko-KR" altLang="en-US" dirty="0"/>
+              <a:t> 생각하였습니다</a:t>
+            </a:r>
+            <a:r>
+              <a:rPr lang="en-US" altLang="ko-KR" dirty="0"/>
+              <a:t>. </a:t>
+            </a:r>
+            <a:r>
+              <a:rPr lang="ko-KR" altLang="en-US" dirty="0"/>
+              <a:t>그래서 </a:t>
+            </a:r>
+            <a:r>
+              <a:rPr lang="en-US" altLang="ko-KR" dirty="0"/>
+              <a:t>IOCP</a:t>
+            </a:r>
+            <a:r>
+              <a:rPr lang="ko-KR" altLang="en-US" dirty="0"/>
+              <a:t>를 통해 효율적인 서버관리를 하고자 선택하게 되었습니다</a:t>
+            </a:r>
+            <a:r>
+              <a:rPr lang="en-US" altLang="ko-KR" dirty="0"/>
+              <a:t>.</a:t>
+            </a:r>
+          </a:p>
+          <a:p>
+            <a:pPr marL="228600" indent="-228600">
+              <a:buAutoNum type="alphaUcPeriod"/>
+            </a:pPr>
+            <a:r>
+              <a:rPr lang="en-US" altLang="ko-KR" dirty="0"/>
+              <a:t>+ </a:t>
+            </a:r>
+            <a:r>
+              <a:rPr lang="ko-KR" altLang="en-US" dirty="0"/>
+              <a:t>학교 </a:t>
+            </a:r>
+            <a:r>
+              <a:rPr lang="ko-KR" altLang="en-US" dirty="0" err="1"/>
+              <a:t>수업때</a:t>
+            </a:r>
+            <a:r>
+              <a:rPr lang="ko-KR" altLang="en-US" dirty="0"/>
+              <a:t> 배운 내용을 한번 사용해보고자 하는 목적도 있지만 이건 </a:t>
+            </a:r>
+            <a:r>
+              <a:rPr lang="ko-KR" altLang="en-US" dirty="0" err="1"/>
+              <a:t>치트키용</a:t>
+            </a:r>
+            <a:endParaRPr lang="en-US" altLang="ko-KR" dirty="0"/>
+          </a:p>
+          <a:p>
+            <a:pPr marL="228600" indent="-228600">
+              <a:buAutoNum type="alphaUcPeriod"/>
+            </a:pPr>
+            <a:endParaRPr lang="en-US" altLang="ko-KR" dirty="0"/>
+          </a:p>
+          <a:p>
+            <a:pPr marL="0" indent="0">
+              <a:buNone/>
+            </a:pPr>
+            <a:r>
+              <a:rPr lang="en-US" altLang="ko-KR" dirty="0"/>
+              <a:t>Q. </a:t>
+            </a:r>
+            <a:r>
+              <a:rPr lang="ko-KR" altLang="en-US" dirty="0"/>
+              <a:t>사망한 플레이어가 인게임에 큰 영향을 미친다고 하는데 정확하게 어떻게 영향을 미치는가</a:t>
+            </a:r>
+            <a:r>
+              <a:rPr lang="en-US" altLang="ko-KR" dirty="0"/>
+              <a:t>?</a:t>
+            </a:r>
+          </a:p>
+          <a:p>
+            <a:pPr marL="228600" indent="-228600">
+              <a:buAutoNum type="alphaUcPeriod"/>
+            </a:pPr>
+            <a:r>
+              <a:rPr lang="ko-KR" altLang="en-US" dirty="0"/>
+              <a:t>생명칩의 유무로 상호작용에 제약이 생깁니다</a:t>
+            </a:r>
+            <a:r>
+              <a:rPr lang="en-US" altLang="ko-KR" dirty="0"/>
+              <a:t>. </a:t>
+            </a:r>
+            <a:r>
+              <a:rPr lang="ko-KR" altLang="en-US" dirty="0"/>
+              <a:t>첫번째로 생명칩이 없으면 문을 자유롭게 열고</a:t>
+            </a:r>
+            <a:r>
+              <a:rPr lang="en-US" altLang="ko-KR" dirty="0"/>
+              <a:t>, </a:t>
+            </a:r>
+            <a:r>
+              <a:rPr lang="ko-KR" altLang="en-US" dirty="0"/>
+              <a:t>닫고</a:t>
+            </a:r>
+            <a:r>
+              <a:rPr lang="en-US" altLang="ko-KR" dirty="0"/>
+              <a:t>, </a:t>
+            </a:r>
+            <a:r>
+              <a:rPr lang="ko-KR" altLang="en-US" dirty="0" err="1"/>
+              <a:t>잠구고</a:t>
+            </a:r>
+            <a:r>
+              <a:rPr lang="en-US" altLang="ko-KR" dirty="0"/>
+              <a:t>, </a:t>
+            </a:r>
+            <a:r>
+              <a:rPr lang="ko-KR" altLang="en-US" dirty="0" err="1"/>
+              <a:t>풀수도</a:t>
+            </a:r>
+            <a:r>
+              <a:rPr lang="ko-KR" altLang="en-US" dirty="0"/>
+              <a:t> 없으며</a:t>
+            </a:r>
+            <a:r>
+              <a:rPr lang="en-US" altLang="ko-KR" dirty="0"/>
+              <a:t>, </a:t>
+            </a:r>
+            <a:r>
+              <a:rPr lang="ko-KR" altLang="en-US" dirty="0"/>
+              <a:t>전력장치 배전함 또한 열 수 없습니다</a:t>
+            </a:r>
+            <a:r>
+              <a:rPr lang="en-US" altLang="ko-KR" dirty="0"/>
+              <a:t>. </a:t>
+            </a:r>
+            <a:r>
+              <a:rPr lang="ko-KR" altLang="en-US" dirty="0"/>
+              <a:t>다만 문이 </a:t>
+            </a:r>
+            <a:r>
+              <a:rPr lang="ko-KR" altLang="en-US" dirty="0" err="1"/>
+              <a:t>열려있거나</a:t>
+            </a:r>
+            <a:r>
+              <a:rPr lang="en-US" altLang="ko-KR" dirty="0"/>
+              <a:t>, </a:t>
+            </a:r>
+            <a:r>
+              <a:rPr lang="ko-KR" altLang="en-US" dirty="0"/>
+              <a:t>배전함이 </a:t>
+            </a:r>
+            <a:r>
+              <a:rPr lang="ko-KR" altLang="en-US" dirty="0" err="1"/>
+              <a:t>열려있는</a:t>
+            </a:r>
+            <a:r>
+              <a:rPr lang="ko-KR" altLang="en-US" dirty="0"/>
+              <a:t> 경우</a:t>
+            </a:r>
+            <a:endParaRPr lang="en-US" altLang="ko-KR" dirty="0"/>
+          </a:p>
+          <a:p>
+            <a:pPr marL="0" indent="0">
+              <a:buNone/>
+            </a:pPr>
+            <a:r>
+              <a:rPr lang="ko-KR" altLang="en-US" dirty="0"/>
+              <a:t>자유롭게 이동</a:t>
+            </a:r>
+            <a:r>
+              <a:rPr lang="en-US" altLang="ko-KR" dirty="0"/>
+              <a:t>, </a:t>
+            </a:r>
+            <a:r>
+              <a:rPr lang="ko-KR" altLang="en-US" dirty="0"/>
+              <a:t>수리도구가 있다는 가정 하에 수리가 가능합니다</a:t>
+            </a:r>
+            <a:r>
+              <a:rPr lang="en-US" altLang="ko-KR" dirty="0"/>
+              <a:t>.</a:t>
+            </a:r>
+          </a:p>
+          <a:p>
+            <a:pPr marL="0" indent="0">
+              <a:buNone/>
+            </a:pPr>
+            <a:endParaRPr lang="en-US" altLang="ko-KR" dirty="0"/>
+          </a:p>
+          <a:p>
+            <a:pPr marL="0" indent="0">
+              <a:buNone/>
+            </a:pPr>
+            <a:r>
+              <a:rPr lang="en-US" altLang="ko-KR" dirty="0"/>
+              <a:t>Q. </a:t>
+            </a:r>
+            <a:r>
+              <a:rPr lang="ko-KR" altLang="en-US" dirty="0"/>
+              <a:t>미니게임이 있던데 정확하게 </a:t>
+            </a:r>
+            <a:r>
+              <a:rPr lang="ko-KR" altLang="en-US" dirty="0" err="1"/>
+              <a:t>어떤걸</a:t>
+            </a:r>
+            <a:r>
+              <a:rPr lang="ko-KR" altLang="en-US" dirty="0"/>
+              <a:t> 하겠다는 것인가</a:t>
+            </a:r>
+            <a:r>
+              <a:rPr lang="en-US" altLang="ko-KR" dirty="0"/>
+              <a:t>?</a:t>
+            </a:r>
+          </a:p>
+          <a:p>
+            <a:pPr marL="228600" indent="-228600">
+              <a:buAutoNum type="alphaUcPeriod"/>
+            </a:pPr>
+            <a:r>
+              <a:rPr lang="ko-KR" altLang="en-US" dirty="0"/>
+              <a:t>수리도구를 그냥 얻으면 재미도가 떨어지기도 하기에 술래와 생존자의 밸런스를 맞추기 위해 미니게임을 추가 하였으며</a:t>
+            </a:r>
+            <a:r>
+              <a:rPr lang="en-US" altLang="ko-KR" dirty="0"/>
+              <a:t>, </a:t>
+            </a:r>
+            <a:r>
+              <a:rPr lang="ko-KR" altLang="en-US" dirty="0"/>
+              <a:t>미니게임은 </a:t>
+            </a:r>
+            <a:r>
+              <a:rPr lang="ko-KR" altLang="en-US" dirty="0" err="1"/>
+              <a:t>다이얼돌리기</a:t>
+            </a:r>
+            <a:r>
+              <a:rPr lang="en-US" altLang="ko-KR" dirty="0"/>
+              <a:t>(</a:t>
+            </a:r>
+            <a:r>
+              <a:rPr lang="ko-KR" altLang="en-US" dirty="0"/>
+              <a:t>자물쇠 느낌</a:t>
+            </a:r>
+            <a:r>
+              <a:rPr lang="en-US" altLang="ko-KR" dirty="0"/>
+              <a:t>) + </a:t>
+            </a:r>
+            <a:r>
+              <a:rPr lang="ko-KR" altLang="en-US" dirty="0" err="1"/>
+              <a:t>순서외우기</a:t>
+            </a:r>
+            <a:r>
+              <a:rPr lang="ko-KR" altLang="en-US" dirty="0"/>
+              <a:t> 등으로 얻을 수 있게 구현 예정입니다</a:t>
+            </a:r>
+            <a:r>
+              <a:rPr lang="en-US" altLang="ko-KR" dirty="0"/>
+              <a:t>.</a:t>
+            </a:r>
+          </a:p>
+          <a:p>
+            <a:pPr marL="0" indent="0">
+              <a:buNone/>
+            </a:pPr>
+            <a:endParaRPr lang="en-US" altLang="ko-KR" dirty="0"/>
+          </a:p>
+          <a:p>
+            <a:pPr marL="0" indent="0">
+              <a:buNone/>
+            </a:pPr>
+            <a:r>
+              <a:rPr lang="en-US" altLang="ko-KR" dirty="0"/>
+              <a:t>Q. DB</a:t>
+            </a:r>
+            <a:r>
+              <a:rPr lang="ko-KR" altLang="en-US" dirty="0"/>
+              <a:t>에 </a:t>
+            </a:r>
+            <a:r>
+              <a:rPr lang="ko-KR" altLang="en-US" dirty="0" err="1"/>
+              <a:t>어떤걸</a:t>
+            </a:r>
+            <a:r>
+              <a:rPr lang="ko-KR" altLang="en-US" dirty="0"/>
+              <a:t> </a:t>
+            </a:r>
+            <a:r>
+              <a:rPr lang="ko-KR" altLang="en-US" dirty="0" err="1"/>
+              <a:t>저장할것인가</a:t>
+            </a:r>
+            <a:r>
+              <a:rPr lang="en-US" altLang="ko-KR" dirty="0"/>
+              <a:t>?</a:t>
+            </a:r>
+          </a:p>
+          <a:p>
+            <a:pPr marL="228600" indent="-228600">
+              <a:buAutoNum type="alphaUcPeriod"/>
+            </a:pPr>
+            <a:r>
+              <a:rPr lang="ko-KR" altLang="en-US" dirty="0"/>
+              <a:t>로그인에 필요한 계정정보</a:t>
+            </a:r>
+            <a:r>
+              <a:rPr lang="en-US" altLang="ko-KR" dirty="0"/>
+              <a:t>, </a:t>
+            </a:r>
+            <a:r>
+              <a:rPr lang="ko-KR" altLang="en-US" dirty="0"/>
+              <a:t>커스터마이징 기능을 대비한 데이터 저장을 하려고 합니다</a:t>
+            </a:r>
+            <a:r>
+              <a:rPr lang="en-US" altLang="ko-KR" dirty="0"/>
+              <a:t>.</a:t>
+            </a:r>
+          </a:p>
+          <a:p>
+            <a:pPr marL="0" indent="0">
+              <a:buNone/>
+            </a:pPr>
+            <a:endParaRPr lang="en-US" altLang="ko-KR" dirty="0"/>
+          </a:p>
+          <a:p>
+            <a:pPr marL="0" indent="0">
+              <a:buNone/>
+            </a:pPr>
+            <a:r>
+              <a:rPr lang="en-US" altLang="ko-KR" dirty="0"/>
+              <a:t>Q. SSAO</a:t>
+            </a:r>
+            <a:r>
+              <a:rPr lang="ko-KR" altLang="en-US" dirty="0"/>
+              <a:t>관련 질문 </a:t>
+            </a:r>
+            <a:r>
+              <a:rPr lang="en-US" altLang="ko-KR" dirty="0"/>
+              <a:t>or </a:t>
+            </a:r>
+            <a:r>
+              <a:rPr lang="ko-KR" altLang="en-US" dirty="0" err="1"/>
+              <a:t>다렉내용</a:t>
+            </a:r>
+            <a:r>
+              <a:rPr lang="ko-KR" altLang="en-US" dirty="0"/>
+              <a:t> 전부</a:t>
+            </a:r>
+            <a:endParaRPr lang="en-US" altLang="ko-KR" dirty="0"/>
+          </a:p>
+          <a:p>
+            <a:pPr marL="228600" indent="-228600">
+              <a:buAutoNum type="alphaUcPeriod"/>
+            </a:pPr>
+            <a:r>
+              <a:rPr lang="ko-KR" altLang="en-US" dirty="0"/>
+              <a:t>동규 </a:t>
+            </a:r>
+            <a:r>
+              <a:rPr lang="en-US" altLang="ko-KR" dirty="0"/>
+              <a:t>or </a:t>
+            </a:r>
+            <a:r>
+              <a:rPr lang="ko-KR" altLang="en-US" dirty="0"/>
+              <a:t>석주형이 답변 예정</a:t>
+            </a:r>
+            <a:r>
+              <a:rPr lang="en-US" altLang="ko-KR" dirty="0"/>
+              <a:t>!</a:t>
+            </a:r>
+          </a:p>
+          <a:p>
+            <a:pPr marL="228600" indent="-228600">
+              <a:buAutoNum type="alphaUcPeriod"/>
+            </a:pPr>
+            <a:endParaRPr lang="en-US" altLang="ko-KR" dirty="0"/>
+          </a:p>
+        </p:txBody>
+      </p:sp>
+      <p:sp>
+        <p:nvSpPr>
+          <p:cNvPr id="4" name="슬라이드 번호 개체 틀 3"/>
+          <p:cNvSpPr>
+            <a:spLocks noGrp="1"/>
+          </p:cNvSpPr>
+          <p:nvPr>
+            <p:ph type="sldNum" sz="quarter" idx="5"/>
+          </p:nvPr>
+        </p:nvSpPr>
+        <p:spPr/>
+        <p:txBody>
+          <a:bodyPr/>
+          <a:lstStyle/>
+          <a:p>
+            <a:fld id="{51DE243A-6A2C-40CE-8D32-631E67DFA5BC}" type="slidenum">
+              <a:rPr lang="ko-KR" altLang="en-US" smtClean="0"/>
+              <a:t>18</a:t>
+            </a:fld>
+            <a:endParaRPr lang="ko-KR" altLang="en-US"/>
+          </a:p>
+        </p:txBody>
+      </p:sp>
+    </p:spTree>
+    <p:extLst>
+      <p:ext uri="{BB962C8B-B14F-4D97-AF65-F5344CB8AC3E}">
+        <p14:creationId xmlns:p14="http://schemas.microsoft.com/office/powerpoint/2010/main" val="2930932344"/>
+      </p:ext>
+    </p:extLst>
+  </p:cSld>
+  <p:clrMapOvr>
+    <a:masterClrMapping/>
+  </p:clrMapOvr>
+</p:notes>
+</file>
+
 <file path=ppt/notesSlides/notesSlide2.xml><?xml version="1.0" encoding="utf-8"?>
 <p:notes xmlns:a="http://schemas.openxmlformats.org/drawingml/2006/main" xmlns:r="http://schemas.openxmlformats.org/officeDocument/2006/relationships" xmlns:p="http://schemas.openxmlformats.org/presentationml/2006/main">
   <p:cSld>
@@ -2942,7 +3479,7 @@
           <a:p>
             <a:fld id="{99B5A1BB-01A0-4E13-AB60-2010C482C94A}" type="datetime1">
               <a:rPr lang="ko-KR" altLang="en-US" smtClean="0"/>
-              <a:t>2022-12-24</a:t>
+              <a:t>2022-12-25</a:t>
             </a:fld>
             <a:endParaRPr lang="ko-KR" altLang="en-US"/>
           </a:p>
@@ -3122,7 +3659,7 @@
           <a:p>
             <a:fld id="{3626A138-43F2-4459-87AF-C7DC2AFC11E6}" type="datetime1">
               <a:rPr lang="ko-KR" altLang="en-US" smtClean="0"/>
-              <a:t>2022-12-24</a:t>
+              <a:t>2022-12-25</a:t>
             </a:fld>
             <a:endParaRPr lang="ko-KR" altLang="en-US"/>
           </a:p>
@@ -3312,7 +3849,7 @@
           <a:p>
             <a:fld id="{020A87C7-16FD-4042-AA89-3405290F2952}" type="datetime1">
               <a:rPr lang="ko-KR" altLang="en-US" smtClean="0"/>
-              <a:t>2022-12-24</a:t>
+              <a:t>2022-12-25</a:t>
             </a:fld>
             <a:endParaRPr lang="ko-KR" altLang="en-US"/>
           </a:p>
@@ -3492,7 +4029,7 @@
           <a:p>
             <a:fld id="{22BDC9FE-EE5C-4EE2-A735-5991D188CC45}" type="datetime1">
               <a:rPr lang="ko-KR" altLang="en-US" smtClean="0"/>
-              <a:t>2022-12-24</a:t>
+              <a:t>2022-12-25</a:t>
             </a:fld>
             <a:endParaRPr lang="ko-KR" altLang="en-US"/>
           </a:p>
@@ -3749,7 +4286,7 @@
           <a:p>
             <a:fld id="{47020049-8D63-4421-A943-35CFDFC29001}" type="datetime1">
               <a:rPr lang="ko-KR" altLang="en-US" smtClean="0"/>
-              <a:t>2022-12-24</a:t>
+              <a:t>2022-12-25</a:t>
             </a:fld>
             <a:endParaRPr lang="ko-KR" altLang="en-US"/>
           </a:p>
@@ -3990,7 +4527,7 @@
           <a:p>
             <a:fld id="{B2F2C417-FA3B-47DB-8CB2-8AF2B1819A1F}" type="datetime1">
               <a:rPr lang="ko-KR" altLang="en-US" smtClean="0"/>
-              <a:t>2022-12-24</a:t>
+              <a:t>2022-12-25</a:t>
             </a:fld>
             <a:endParaRPr lang="ko-KR" altLang="en-US"/>
           </a:p>
@@ -4366,7 +4903,7 @@
           <a:p>
             <a:fld id="{89581AA9-EAC1-4AA1-A928-03B2B66DC095}" type="datetime1">
               <a:rPr lang="ko-KR" altLang="en-US" smtClean="0"/>
-              <a:t>2022-12-24</a:t>
+              <a:t>2022-12-25</a:t>
             </a:fld>
             <a:endParaRPr lang="ko-KR" altLang="en-US"/>
           </a:p>
@@ -4495,7 +5032,7 @@
           <a:p>
             <a:fld id="{B3DF8867-D19B-4012-B99D-21AE89F20BDE}" type="datetime1">
               <a:rPr lang="ko-KR" altLang="en-US" smtClean="0"/>
-              <a:t>2022-12-24</a:t>
+              <a:t>2022-12-25</a:t>
             </a:fld>
             <a:endParaRPr lang="ko-KR" altLang="en-US"/>
           </a:p>
@@ -4602,7 +5139,7 @@
           <a:p>
             <a:fld id="{429D6B8F-C401-418C-B4AF-5BA2889D52D8}" type="datetime1">
               <a:rPr lang="ko-KR" altLang="en-US" smtClean="0"/>
-              <a:t>2022-12-24</a:t>
+              <a:t>2022-12-25</a:t>
             </a:fld>
             <a:endParaRPr lang="ko-KR" altLang="en-US"/>
           </a:p>
@@ -4889,7 +5426,7 @@
           <a:p>
             <a:fld id="{917D37D1-B9DE-4AE8-A483-453A3E03C152}" type="datetime1">
               <a:rPr lang="ko-KR" altLang="en-US" smtClean="0"/>
-              <a:t>2022-12-24</a:t>
+              <a:t>2022-12-25</a:t>
             </a:fld>
             <a:endParaRPr lang="ko-KR" altLang="en-US"/>
           </a:p>
@@ -5153,7 +5690,7 @@
           <a:p>
             <a:fld id="{9F8E9D1C-8873-4006-A4C2-C33A2E30CA49}" type="datetime1">
               <a:rPr lang="ko-KR" altLang="en-US" smtClean="0"/>
-              <a:t>2022-12-24</a:t>
+              <a:t>2022-12-25</a:t>
             </a:fld>
             <a:endParaRPr lang="ko-KR" altLang="en-US"/>
           </a:p>
@@ -5376,7 +5913,7 @@
           <a:p>
             <a:fld id="{B8CDD5A3-E935-400C-8A47-51830BB4751B}" type="datetime1">
               <a:rPr lang="ko-KR" altLang="en-US" smtClean="0"/>
-              <a:t>2022-12-24</a:t>
+              <a:t>2022-12-25</a:t>
             </a:fld>
             <a:endParaRPr lang="ko-KR" altLang="en-US"/>
           </a:p>

--- a/Graduation_Document/생존자인줄 알았던 내가 알고보니 술래_박동규_김우빈_황석주_1.pptx
+++ b/Graduation_Document/생존자인줄 알았던 내가 알고보니 술래_박동규_김우빈_황석주_1.pptx
@@ -1093,6 +1093,9 @@
             </a:r>
           </a:p>
           <a:p>
+            <a:endParaRPr lang="en-US" altLang="ko-KR" dirty="0"/>
+          </a:p>
+          <a:p>
             <a:r>
               <a:rPr lang="ko-KR" altLang="en-US" dirty="0"/>
               <a:t>각 방에 숨겨진 전력장치 </a:t>
@@ -1111,6 +1114,9 @@
             </a:r>
           </a:p>
           <a:p>
+            <a:endParaRPr lang="en-US" altLang="ko-KR" dirty="0"/>
+          </a:p>
+          <a:p>
             <a:r>
               <a:rPr lang="ko-KR" altLang="en-US" dirty="0"/>
               <a:t>전력장치를 수리하기 위해 </a:t>
@@ -1122,6 +1128,19 @@
             <a:r>
               <a:rPr lang="ko-KR" altLang="en-US" dirty="0"/>
               <a:t>종류의 수리도구를 찾아 미니게임을 통해 습득해야 하며 비밀통로를 통해 방을 오갈 수 있습니다</a:t>
+            </a:r>
+            <a:r>
+              <a:rPr lang="en-US" altLang="ko-KR" dirty="0"/>
+              <a:t>.</a:t>
+            </a:r>
+          </a:p>
+          <a:p>
+            <a:endParaRPr lang="en-US" altLang="ko-KR" dirty="0"/>
+          </a:p>
+          <a:p>
+            <a:r>
+              <a:rPr lang="ko-KR" altLang="en-US" dirty="0"/>
+              <a:t>다만 비밀통로는 한번 사용 할 경우 해당 통로를 다시 사용할 때 까지 대기시간이 필요합니다</a:t>
             </a:r>
             <a:r>
               <a:rPr lang="en-US" altLang="ko-KR" dirty="0"/>
@@ -1213,6 +1232,40 @@
           <a:p>
             <a:r>
               <a:rPr lang="ko-KR" altLang="en-US" dirty="0"/>
+              <a:t>다음은 술래가 사용하는 오브젝트</a:t>
+            </a:r>
+            <a:r>
+              <a:rPr lang="en-US" altLang="ko-KR" dirty="0"/>
+              <a:t>, </a:t>
+            </a:r>
+            <a:r>
+              <a:rPr lang="ko-KR" altLang="en-US" dirty="0" err="1"/>
+              <a:t>고유스킬입니다</a:t>
+            </a:r>
+            <a:r>
+              <a:rPr lang="en-US" altLang="ko-KR" dirty="0"/>
+              <a:t>.</a:t>
+            </a:r>
+          </a:p>
+          <a:p>
+            <a:endParaRPr lang="en-US" altLang="ko-KR" dirty="0"/>
+          </a:p>
+          <a:p>
+            <a:r>
+              <a:rPr lang="ko-KR" altLang="en-US" dirty="0"/>
+              <a:t>게임이 시작 된 후 술래가 결정되면 술래는 복도방에 위치한 제단을 활성화해야 생존자들을 추격할 수 있습니다</a:t>
+            </a:r>
+            <a:r>
+              <a:rPr lang="en-US" altLang="ko-KR" dirty="0"/>
+              <a:t>.</a:t>
+            </a:r>
+          </a:p>
+          <a:p>
+            <a:endParaRPr lang="en-US" altLang="ko-KR" dirty="0"/>
+          </a:p>
+          <a:p>
+            <a:r>
+              <a:rPr lang="ko-KR" altLang="en-US" dirty="0"/>
               <a:t>술래는 제단을 이용해서 생존자에게 빼앗은 생명칩을 보관하고 </a:t>
             </a:r>
             <a:r>
@@ -1233,12 +1286,37 @@
           </a:p>
           <a:p>
             <a:r>
+              <a:rPr lang="ko-KR" altLang="en-US" dirty="0"/>
+              <a:t>그리고 술래는 </a:t>
+            </a:r>
+            <a:r>
               <a:rPr lang="en-US" altLang="ko-KR" dirty="0"/>
               <a:t>4</a:t>
             </a:r>
             <a:r>
               <a:rPr lang="ko-KR" altLang="en-US" dirty="0"/>
-              <a:t>가지의 스킬이 존재하여 생존자를 방해하고 생명칩을 빼앗는 데에 도움을 줄 수 있습니다</a:t>
+              <a:t>가지의 스킬이 존재하며 생존자를 방해하고 생명칩을 빼앗는 데에 도움을 줄 수 있습니다</a:t>
+            </a:r>
+            <a:r>
+              <a:rPr lang="en-US" altLang="ko-KR" dirty="0"/>
+              <a:t>.</a:t>
+            </a:r>
+          </a:p>
+          <a:p>
+            <a:endParaRPr lang="en-US" altLang="ko-KR" dirty="0"/>
+          </a:p>
+          <a:p>
+            <a:r>
+              <a:rPr lang="ko-KR" altLang="en-US" dirty="0"/>
+              <a:t>스킬은 시간이 지남에 따라 자동으로 개방되며 </a:t>
+            </a:r>
+            <a:r>
+              <a:rPr lang="en-US" altLang="ko-KR" dirty="0"/>
+              <a:t>4</a:t>
+            </a:r>
+            <a:r>
+              <a:rPr lang="ko-KR" altLang="en-US" dirty="0"/>
+              <a:t>가지 스킬을 게임 한판에 한번씩만 사용 가능합니다</a:t>
             </a:r>
             <a:r>
               <a:rPr lang="en-US" altLang="ko-KR" dirty="0"/>
@@ -11575,8 +11653,8 @@
         </p:nvSpPr>
         <p:spPr>
           <a:xfrm>
-            <a:off x="329766" y="272634"/>
-            <a:ext cx="4657230" cy="461665"/>
+            <a:off x="329766" y="229091"/>
+            <a:ext cx="6970920" cy="461665"/>
           </a:xfrm>
           <a:prstGeom prst="rect">
             <a:avLst/>
@@ -11613,7 +11691,59 @@
                 <a:latin typeface="나눔스퀘어 Bold"/>
                 <a:ea typeface="나눔스퀘어" panose="020B0600000101010101"/>
               </a:rPr>
-              <a:t>게임 컨셉</a:t>
+              <a:t>게임 컨셉 </a:t>
+            </a:r>
+            <a:r>
+              <a:rPr lang="en-US" altLang="ko-KR" sz="2400" dirty="0">
+                <a:solidFill>
+                  <a:schemeClr val="tx1">
+                    <a:lumMod val="75000"/>
+                    <a:lumOff val="25000"/>
+                  </a:schemeClr>
+                </a:solidFill>
+                <a:latin typeface="나눔스퀘어 Bold"/>
+                <a:ea typeface="나눔스퀘어" panose="020B0600000101010101"/>
+              </a:rPr>
+              <a:t>: </a:t>
+            </a:r>
+            <a:r>
+              <a:rPr lang="ko-KR" altLang="en-US" sz="2400" dirty="0">
+                <a:solidFill>
+                  <a:schemeClr val="tx1">
+                    <a:lumMod val="75000"/>
+                    <a:lumOff val="25000"/>
+                  </a:schemeClr>
+                </a:solidFill>
+                <a:latin typeface="나눔스퀘어 Bold"/>
+                <a:ea typeface="나눔스퀘어" panose="020B0600000101010101"/>
+              </a:rPr>
+              <a:t>술래가 사용하는 오브젝트</a:t>
+            </a:r>
+            <a:r>
+              <a:rPr lang="en-US" altLang="ko-KR" sz="2400" dirty="0">
+                <a:solidFill>
+                  <a:schemeClr val="tx1">
+                    <a:lumMod val="75000"/>
+                    <a:lumOff val="25000"/>
+                  </a:schemeClr>
+                </a:solidFill>
+                <a:latin typeface="나눔스퀘어 Bold"/>
+                <a:ea typeface="나눔스퀘어" panose="020B0600000101010101"/>
+              </a:rPr>
+              <a:t>, </a:t>
+            </a:r>
+            <a:r>
+              <a:rPr lang="ko-KR" altLang="en-US" sz="2400" dirty="0">
+                <a:solidFill>
+                  <a:schemeClr val="tx1">
+                    <a:lumMod val="75000"/>
+                    <a:lumOff val="25000"/>
+                  </a:schemeClr>
+                </a:solidFill>
+                <a:latin typeface="나눔스퀘어 Bold"/>
+                <a:ea typeface="나눔스퀘어" panose="020B0600000101010101"/>
+              </a:rPr>
+              <a:t>스킬</a:t>
             </a:r>
           </a:p>
         </p:txBody>
@@ -11684,7 +11814,7 @@
         </p:nvSpPr>
         <p:spPr>
           <a:xfrm>
-            <a:off x="375485" y="611188"/>
+            <a:off x="375485" y="654730"/>
             <a:ext cx="4657230" cy="246221"/>
           </a:xfrm>
           <a:prstGeom prst="rect">

--- a/Graduation_Document/생존자인줄 알았던 내가 알고보니 술래_박동규_김우빈_황석주_1.pptx
+++ b/Graduation_Document/생존자인줄 알았던 내가 알고보니 술래_박동규_김우빈_황석주_1.pptx
@@ -562,6 +562,35 @@
               <a:t>.</a:t>
             </a:r>
           </a:p>
+          <a:p>
+            <a:endParaRPr lang="en-US" altLang="ko-KR" dirty="0"/>
+          </a:p>
+          <a:p>
+            <a:r>
+              <a:rPr lang="ko-KR" altLang="en-US" dirty="0"/>
+              <a:t>저는 발표를 </a:t>
+            </a:r>
+            <a:r>
+              <a:rPr lang="ko-KR" altLang="en-US" dirty="0" err="1"/>
+              <a:t>맞게된</a:t>
+            </a:r>
+            <a:r>
+              <a:rPr lang="ko-KR" altLang="en-US" dirty="0"/>
+              <a:t> </a:t>
+            </a:r>
+            <a:r>
+              <a:rPr lang="ko-KR" altLang="en-US" dirty="0" err="1"/>
+              <a:t>황석주</a:t>
+            </a:r>
+            <a:r>
+              <a:rPr lang="ko-KR" altLang="en-US" dirty="0"/>
+              <a:t> 입니다</a:t>
+            </a:r>
+            <a:r>
+              <a:rPr lang="en-US" altLang="ko-KR" dirty="0"/>
+              <a:t>.</a:t>
+            </a:r>
+          </a:p>
         </p:txBody>
       </p:sp>
       <p:sp>
@@ -814,7 +843,35 @@
             </a:r>
             <a:r>
               <a:rPr lang="ko-KR" altLang="en-US" dirty="0"/>
-              <a:t>분이 지나면 술래가 결정되고 역할에 따라서 게임을 진행하게 됩니다</a:t>
+              <a:t>분</a:t>
+            </a:r>
+            <a:r>
+              <a:rPr lang="en-US" altLang="ko-KR" dirty="0"/>
+              <a:t>(</a:t>
+            </a:r>
+            <a:r>
+              <a:rPr lang="ko-KR" altLang="en-US" dirty="0" err="1"/>
+              <a:t>인게임</a:t>
+            </a:r>
+            <a:r>
+              <a:rPr lang="ko-KR" altLang="en-US" dirty="0"/>
+              <a:t> 내 시간으로는 </a:t>
+            </a:r>
+            <a:r>
+              <a:rPr lang="en-US" altLang="ko-KR" dirty="0"/>
+              <a:t>1</a:t>
+            </a:r>
+            <a:r>
+              <a:rPr lang="ko-KR" altLang="en-US" dirty="0"/>
+              <a:t>시간</a:t>
+            </a:r>
+            <a:r>
+              <a:rPr lang="en-US" altLang="ko-KR" dirty="0"/>
+              <a:t>)</a:t>
+            </a:r>
+            <a:r>
+              <a:rPr lang="ko-KR" altLang="en-US" dirty="0"/>
+              <a:t>이 지나면 술래가 결정되고 역할에 따라서 게임을 진행하게 됩니다</a:t>
             </a:r>
             <a:r>
               <a:rPr lang="en-US" altLang="ko-KR" dirty="0"/>
@@ -1501,9 +1558,35 @@
           <a:lstStyle/>
           <a:p>
             <a:r>
+              <a:rPr lang="en-US" altLang="ko-KR" dirty="0"/>
+              <a:t>Who’s</a:t>
+            </a:r>
+            <a:r>
               <a:rPr lang="ko-KR" altLang="en-US" dirty="0"/>
-              <a:t>유사한 게임인 </a:t>
-            </a:r>
+              <a:t> </a:t>
+            </a:r>
+            <a:r>
+              <a:rPr lang="en-US" altLang="ko-KR" dirty="0"/>
+              <a:t>the Tagger?</a:t>
+            </a:r>
+            <a:r>
+              <a:rPr lang="ko-KR" altLang="en-US" dirty="0"/>
+              <a:t>의 유사게임은 </a:t>
+            </a:r>
+            <a:r>
+              <a:rPr lang="en-US" altLang="ko-KR" dirty="0"/>
+              <a:t>Dead By Daylight</a:t>
+            </a:r>
+            <a:r>
+              <a:rPr lang="ko-KR" altLang="en-US" dirty="0"/>
+              <a:t> 이며</a:t>
+            </a:r>
+            <a:endParaRPr lang="en-US" altLang="ko-KR" dirty="0"/>
+          </a:p>
+          <a:p>
+            <a:endParaRPr lang="en-US" altLang="ko-KR" dirty="0"/>
+          </a:p>
+          <a:p>
             <a:r>
               <a:rPr lang="ko-KR" altLang="en-US" dirty="0" err="1"/>
               <a:t>데드</a:t>
@@ -1523,6 +1606,9 @@
             <a:endParaRPr lang="en-US" altLang="ko-KR" dirty="0"/>
           </a:p>
           <a:p>
+            <a:endParaRPr lang="en-US" altLang="ko-KR" dirty="0"/>
+          </a:p>
+          <a:p>
             <a:r>
               <a:rPr lang="ko-KR" altLang="en-US" dirty="0"/>
               <a:t>사망한 플레이어가 게임에 큰 영향을 미칠 수 있고</a:t>
@@ -1533,6 +1619,9 @@
             </a:r>
           </a:p>
           <a:p>
+            <a:endParaRPr lang="en-US" altLang="ko-KR" dirty="0"/>
+          </a:p>
+          <a:p>
             <a:r>
               <a:rPr lang="ko-KR" altLang="en-US" dirty="0" err="1"/>
               <a:t>생존자들간의</a:t>
@@ -1545,6 +1634,9 @@
               <a:rPr lang="en-US" altLang="ko-KR" dirty="0"/>
               <a:t>,</a:t>
             </a:r>
+          </a:p>
+          <a:p>
+            <a:endParaRPr lang="en-US" altLang="ko-KR" dirty="0"/>
           </a:p>
           <a:p>
             <a:r>
@@ -2644,6 +2736,10 @@
           <a:lstStyle/>
           <a:p>
             <a:r>
+              <a:rPr lang="en-US" altLang="ko-KR" dirty="0"/>
+              <a:t>&lt;&lt;</a:t>
+            </a:r>
+            <a:r>
               <a:rPr lang="ko-KR" altLang="en-US" dirty="0"/>
               <a:t>연구목적</a:t>
             </a:r>
@@ -2703,7 +2799,10 @@
               <a:rPr lang="ko-KR" altLang="en-US" dirty="0"/>
               <a:t>서버를 이용한 멀티플레이</a:t>
             </a:r>
-            <a:endParaRPr lang="en-US" altLang="ko-KR" dirty="0"/>
+            <a:r>
+              <a:rPr lang="en-US" altLang="ko-KR" dirty="0"/>
+              <a:t>&gt;&gt;</a:t>
+            </a:r>
           </a:p>
           <a:p>
             <a:endParaRPr lang="en-US" altLang="ko-KR" dirty="0"/>
@@ -11462,7 +11561,7 @@
         </p:blipFill>
         <p:spPr bwMode="auto">
           <a:xfrm>
-            <a:off x="2748401" y="1370454"/>
+            <a:off x="2748401" y="1380502"/>
             <a:ext cx="2295066" cy="1160348"/>
           </a:xfrm>
           <a:prstGeom prst="rect">

--- a/Graduation_Document/생존자인줄 알았던 내가 알고보니 술래_박동규_김우빈_황석주_1.pptx
+++ b/Graduation_Document/생존자인줄 알았던 내가 알고보니 술래_박동규_김우빈_황석주_1.pptx
@@ -568,11 +568,11 @@
           <a:p>
             <a:r>
               <a:rPr lang="ko-KR" altLang="en-US" dirty="0"/>
-              <a:t>저는 발표를 </a:t>
-            </a:r>
-            <a:r>
-              <a:rPr lang="ko-KR" altLang="en-US" dirty="0" err="1"/>
-              <a:t>맞게된</a:t>
+              <a:t>저는 발표를 맡</a:t>
+            </a:r>
+            <a:r>
+              <a:rPr lang="ko-KR" altLang="en-US"/>
+              <a:t>게된</a:t>
             </a:r>
             <a:r>
               <a:rPr lang="ko-KR" altLang="en-US" dirty="0"/>

--- a/Graduation_Document/생존자인줄 알았던 내가 알고보니 술래_박동규_김우빈_황석주_1.pptx
+++ b/Graduation_Document/생존자인줄 알았던 내가 알고보니 술래_박동규_김우빈_황석주_1.pptx
@@ -568,11 +568,11 @@
           <a:p>
             <a:r>
               <a:rPr lang="ko-KR" altLang="en-US" dirty="0"/>
-              <a:t>저는 발표를 맡</a:t>
-            </a:r>
-            <a:r>
-              <a:rPr lang="ko-KR" altLang="en-US"/>
-              <a:t>게된</a:t>
+              <a:t>저는 발표를 </a:t>
+            </a:r>
+            <a:r>
+              <a:rPr lang="ko-KR" altLang="en-US" dirty="0" err="1"/>
+              <a:t>맡게된</a:t>
             </a:r>
             <a:r>
               <a:rPr lang="ko-KR" altLang="en-US" dirty="0"/>
@@ -833,6 +833,9 @@
             </a:r>
           </a:p>
           <a:p>
+            <a:endParaRPr lang="en-US" altLang="ko-KR" dirty="0"/>
+          </a:p>
+          <a:p>
             <a:r>
               <a:rPr lang="ko-KR" altLang="en-US" dirty="0"/>
               <a:t>게임 시작 후 </a:t>
@@ -877,6 +880,9 @@
               <a:rPr lang="en-US" altLang="ko-KR" dirty="0"/>
               <a:t>.</a:t>
             </a:r>
+          </a:p>
+          <a:p>
+            <a:endParaRPr lang="en-US" altLang="ko-KR" dirty="0"/>
           </a:p>
           <a:p>
             <a:r>
@@ -1176,7 +1182,7 @@
           <a:p>
             <a:r>
               <a:rPr lang="ko-KR" altLang="en-US" dirty="0"/>
-              <a:t>전력장치를 수리하기 위해 </a:t>
+              <a:t>전력장치를 수리하기 위해서는 </a:t>
             </a:r>
             <a:r>
               <a:rPr lang="en-US" altLang="ko-KR" dirty="0"/>
@@ -1184,7 +1190,20 @@
             </a:r>
             <a:r>
               <a:rPr lang="ko-KR" altLang="en-US" dirty="0"/>
-              <a:t>종류의 수리도구를 찾아 미니게임을 통해 습득해야 하며 비밀통로를 통해 방을 오갈 수 있습니다</a:t>
+              <a:t>종류의 수리도구를 찾아야 하며 수리도구는 미니게임을 통해 습득 가능합니다</a:t>
+            </a:r>
+            <a:r>
+              <a:rPr lang="en-US" altLang="ko-KR" dirty="0"/>
+              <a:t>.</a:t>
+            </a:r>
+          </a:p>
+          <a:p>
+            <a:endParaRPr lang="en-US" altLang="ko-KR" dirty="0"/>
+          </a:p>
+          <a:p>
+            <a:r>
+              <a:rPr lang="ko-KR" altLang="en-US" dirty="0"/>
+              <a:t>그리고 비밀통로를 통해 방을 오갈 수 있습니다</a:t>
             </a:r>
             <a:r>
               <a:rPr lang="en-US" altLang="ko-KR" dirty="0"/>
@@ -1465,7 +1484,7 @@
           <a:p>
             <a:r>
               <a:rPr lang="ko-KR" altLang="en-US" dirty="0"/>
-              <a:t>기술적 요소 및 중점 연구 분야입니다</a:t>
+              <a:t>기술적 요소 및 중점 연구 분야는 다음과 같습니다</a:t>
             </a:r>
             <a:r>
               <a:rPr lang="en-US" altLang="ko-KR" dirty="0"/>
@@ -1741,13 +1760,22 @@
             </a:r>
           </a:p>
           <a:p>
+            <a:endParaRPr lang="en-US" altLang="ko-KR" dirty="0"/>
+          </a:p>
+          <a:p>
             <a:r>
               <a:rPr lang="ko-KR" altLang="en-US" dirty="0"/>
               <a:t>중간 발표에는 서버와 데이터베이스 연동을 하고</a:t>
             </a:r>
             <a:r>
               <a:rPr lang="en-US" altLang="ko-KR" dirty="0"/>
-              <a:t>,  </a:t>
+              <a:t>, </a:t>
+            </a:r>
+          </a:p>
+          <a:p>
+            <a:r>
+              <a:rPr lang="en-US" altLang="ko-KR" dirty="0"/>
+              <a:t> </a:t>
             </a:r>
           </a:p>
           <a:p>
@@ -3341,7 +3369,7 @@
             </a:pPr>
             <a:r>
               <a:rPr lang="ko-KR" altLang="en-US" dirty="0"/>
-              <a:t>각 방들은 문으로 연결되어 있으며 생존자만 사용 가능한 비밀통로도 존재합니다</a:t>
+              <a:t>각방의 컨셉은 다음과 같습니다</a:t>
             </a:r>
             <a:r>
               <a:rPr lang="en-US" altLang="ko-KR" dirty="0"/>
@@ -3349,7 +3377,54 @@
             </a:r>
           </a:p>
           <a:p>
-            <a:endParaRPr lang="ko-KR" altLang="en-US" dirty="0"/>
+            <a:pPr marL="0" marR="0" lvl="0" indent="0" algn="l" defTabSz="914400" rtl="0" eaLnBrk="1" fontAlgn="auto" latinLnBrk="1" hangingPunct="1">
+              <a:lnSpc>
+                <a:spcPct val="100000"/>
+              </a:lnSpc>
+              <a:spcBef>
+                <a:spcPts val="0"/>
+              </a:spcBef>
+              <a:spcAft>
+                <a:spcPts val="0"/>
+              </a:spcAft>
+              <a:buClrTx/>
+              <a:buSzTx/>
+              <a:buFontTx/>
+              <a:buNone/>
+              <a:tabLst/>
+              <a:defRPr/>
+            </a:pPr>
+            <a:endParaRPr lang="en-US" altLang="ko-KR" dirty="0"/>
+          </a:p>
+          <a:p>
+            <a:pPr marL="0" marR="0" lvl="0" indent="0" algn="l" defTabSz="914400" rtl="0" eaLnBrk="1" fontAlgn="auto" latinLnBrk="1" hangingPunct="1">
+              <a:lnSpc>
+                <a:spcPct val="100000"/>
+              </a:lnSpc>
+              <a:spcBef>
+                <a:spcPts val="0"/>
+              </a:spcBef>
+              <a:spcAft>
+                <a:spcPts val="0"/>
+              </a:spcAft>
+              <a:buClrTx/>
+              <a:buSzTx/>
+              <a:buFontTx/>
+              <a:buNone/>
+              <a:tabLst/>
+              <a:defRPr/>
+            </a:pPr>
+            <a:r>
+              <a:rPr lang="ko-KR" altLang="en-US" dirty="0"/>
+              <a:t>각 방들은 문으로 연결되어 있으며 생존자만 사용 가능한 비밀통로도 존재합니다</a:t>
+            </a:r>
+            <a:r>
+              <a:rPr lang="en-US" altLang="ko-KR" dirty="0"/>
+              <a:t>.</a:t>
+            </a:r>
+          </a:p>
+          <a:p>
+            <a:endParaRPr lang="en-US" altLang="ko-KR" dirty="0"/>
           </a:p>
         </p:txBody>
       </p:sp>

--- a/Graduation_Document/생존자인줄 알았던 내가 알고보니 술래_박동규_김우빈_황석주_1.pptx
+++ b/Graduation_Document/생존자인줄 알았던 내가 알고보니 술래_박동규_김우빈_황석주_1.pptx
@@ -2334,6 +2334,55 @@
             </a:pPr>
             <a:endParaRPr lang="en-US" altLang="ko-KR" dirty="0"/>
           </a:p>
+          <a:p>
+            <a:pPr marL="0" indent="0">
+              <a:buNone/>
+            </a:pPr>
+            <a:r>
+              <a:rPr lang="en-US" altLang="ko-KR" dirty="0"/>
+              <a:t>Q. </a:t>
+            </a:r>
+            <a:r>
+              <a:rPr lang="ko-KR" altLang="en-US" dirty="0"/>
+              <a:t>술래와 생존자는 어떻게 구분되는가</a:t>
+            </a:r>
+            <a:r>
+              <a:rPr lang="en-US" altLang="ko-KR" dirty="0"/>
+              <a:t>?</a:t>
+            </a:r>
+          </a:p>
+          <a:p>
+            <a:pPr marL="0" indent="0">
+              <a:buNone/>
+            </a:pPr>
+            <a:r>
+              <a:rPr lang="en-US" altLang="ko-KR" dirty="0"/>
+              <a:t>A. </a:t>
+            </a:r>
+            <a:r>
+              <a:rPr lang="ko-KR" altLang="en-US" dirty="0"/>
+              <a:t>심장박동 소리 등을 통해서 주변에 술래가 있는지 파악할 수 있고</a:t>
+            </a:r>
+            <a:r>
+              <a:rPr lang="en-US" altLang="ko-KR" dirty="0"/>
+              <a:t>, </a:t>
+            </a:r>
+            <a:r>
+              <a:rPr lang="ko-KR" altLang="en-US" dirty="0"/>
+              <a:t>봤을 때는 빨간색으로 윤곽석이 나타나는 식으로 구분할 수 있습니다</a:t>
+            </a:r>
+            <a:r>
+              <a:rPr lang="en-US" altLang="ko-KR"/>
+              <a:t>. </a:t>
+            </a:r>
+            <a:endParaRPr lang="en-US" altLang="ko-KR" dirty="0"/>
+          </a:p>
+          <a:p>
+            <a:pPr marL="228600" indent="-228600">
+              <a:buAutoNum type="alphaUcPeriod"/>
+            </a:pPr>
+            <a:endParaRPr lang="en-US" altLang="ko-KR" dirty="0"/>
+          </a:p>
         </p:txBody>
       </p:sp>
       <p:sp>
@@ -3547,6 +3596,14 @@
             <a:r>
               <a:rPr lang="ko-KR" altLang="en-US" dirty="0"/>
               <a:t>생명칩이 없는 생존자는 제한적인 행동만 가능합니다</a:t>
+            </a:r>
+            <a:r>
+              <a:rPr lang="en-US" altLang="ko-KR" dirty="0"/>
+              <a:t>. </a:t>
+            </a:r>
+            <a:r>
+              <a:rPr lang="ko-KR" altLang="en-US" dirty="0"/>
+              <a:t>생명칩의 경우는 뒤에서 자세히 설명하겠습니다</a:t>
             </a:r>
             <a:r>
               <a:rPr lang="en-US" altLang="ko-KR" dirty="0"/>
@@ -21931,7 +21988,7 @@
         <p:spPr>
           <a:xfrm>
             <a:off x="4191921" y="3253911"/>
-            <a:ext cx="4346062" cy="369332"/>
+            <a:ext cx="3900427" cy="369332"/>
           </a:xfrm>
           <a:prstGeom prst="rect">
             <a:avLst/>
@@ -22051,30 +22108,6 @@
                 <a:ea typeface="나눔스퀘어 ExtraBold" panose="020B0600000101010101"/>
               </a:rPr>
               <a:t>생명칩</a:t>
-            </a:r>
-            <a:r>
-              <a:rPr lang="en-US" altLang="ko-KR" b="1" dirty="0">
-                <a:solidFill>
-                  <a:schemeClr val="accent1">
-                    <a:lumMod val="50000"/>
-                  </a:schemeClr>
-                </a:solidFill>
-                <a:latin typeface="나눔스퀘어 ExtraBold" panose="020B0600000101010101" pitchFamily="50" charset="-127"/>
-                <a:ea typeface="나눔스퀘어 ExtraBold" panose="020B0600000101010101"/>
-              </a:rPr>
-              <a:t> 1</a:t>
-            </a:r>
-            <a:r>
-              <a:rPr lang="ko-KR" altLang="en-US" b="1" dirty="0">
-                <a:solidFill>
-                  <a:schemeClr val="accent1">
-                    <a:lumMod val="50000"/>
-                  </a:schemeClr>
-                </a:solidFill>
-                <a:latin typeface="나눔스퀘어 ExtraBold" panose="020B0600000101010101" pitchFamily="50" charset="-127"/>
-                <a:ea typeface="나눔스퀘어 ExtraBold" panose="020B0600000101010101"/>
-              </a:rPr>
-              <a:t>개</a:t>
             </a:r>
             <a:endParaRPr lang="ko-KR" altLang="en-US" b="1" dirty="0">
               <a:solidFill>

--- a/Graduation_Document/생존자인줄 알았던 내가 알고보니 술래_박동규_김우빈_황석주_1.pptx
+++ b/Graduation_Document/생존자인줄 알았던 내가 알고보니 술래_박동규_김우빈_황석주_1.pptx
@@ -691,6 +691,9 @@
             </a:r>
           </a:p>
           <a:p>
+            <a:endParaRPr lang="en-US" altLang="ko-KR" dirty="0"/>
+          </a:p>
+          <a:p>
             <a:r>
               <a:rPr lang="ko-KR" altLang="en-US" dirty="0"/>
               <a:t>점프</a:t>
@@ -850,7 +853,7 @@
             </a:r>
             <a:r>
               <a:rPr lang="en-US" altLang="ko-KR" dirty="0"/>
-              <a:t>(</a:t>
+              <a:t> </a:t>
             </a:r>
             <a:r>
               <a:rPr lang="ko-KR" altLang="en-US" dirty="0" err="1"/>
@@ -866,15 +869,7 @@
             </a:r>
             <a:r>
               <a:rPr lang="ko-KR" altLang="en-US" dirty="0"/>
-              <a:t>시간</a:t>
-            </a:r>
-            <a:r>
-              <a:rPr lang="en-US" altLang="ko-KR" dirty="0"/>
-              <a:t>)</a:t>
-            </a:r>
-            <a:r>
-              <a:rPr lang="ko-KR" altLang="en-US" dirty="0"/>
-              <a:t>이 지나면 술래가 결정되고 역할에 따라서 게임을 진행하게 됩니다</a:t>
+              <a:t>시간이 지나면 술래가 결정되고 역할에 따라서 게임을 진행하게 됩니다</a:t>
             </a:r>
             <a:r>
               <a:rPr lang="en-US" altLang="ko-KR" dirty="0"/>
@@ -995,6 +990,9 @@
             </a:r>
           </a:p>
           <a:p>
+            <a:endParaRPr lang="en-US" altLang="ko-KR" dirty="0"/>
+          </a:p>
+          <a:p>
             <a:r>
               <a:rPr lang="ko-KR" altLang="en-US" dirty="0"/>
               <a:t>도어는 잠글 수 있는데</a:t>
@@ -1023,6 +1021,9 @@
             <a:endParaRPr lang="en-US" altLang="ko-KR" dirty="0"/>
           </a:p>
           <a:p>
+            <a:endParaRPr lang="en-US" altLang="ko-KR" dirty="0"/>
+          </a:p>
+          <a:p>
             <a:r>
               <a:rPr lang="ko-KR" altLang="en-US" dirty="0"/>
               <a:t>생존자는 생명칩을 빼앗기면 행동에 제약이 생기지만 </a:t>
@@ -1033,7 +1034,7 @@
             </a:r>
             <a:r>
               <a:rPr lang="ko-KR" altLang="en-US" dirty="0"/>
-              <a:t> 숨겨져 있는 생명칩을 찾거나 다른 생존자에게 받아 활동할 수 있습니다</a:t>
+              <a:t> 숨겨져 있는 생명칩을 찾거나 다른 생존자에게 받아서 다시 활동할 수 있습니다</a:t>
             </a:r>
             <a:r>
               <a:rPr lang="en-US" altLang="ko-KR" dirty="0"/>
@@ -2372,10 +2373,9 @@
               <a:t>봤을 때는 빨간색으로 윤곽석이 나타나는 식으로 구분할 수 있습니다</a:t>
             </a:r>
             <a:r>
-              <a:rPr lang="en-US" altLang="ko-KR"/>
+              <a:rPr lang="en-US" altLang="ko-KR" dirty="0"/>
               <a:t>. </a:t>
             </a:r>
-            <a:endParaRPr lang="en-US" altLang="ko-KR" dirty="0"/>
           </a:p>
           <a:p>
             <a:pPr marL="228600" indent="-228600">
@@ -2613,6 +2613,9 @@
             <a:endParaRPr lang="en-US" altLang="ko-KR" dirty="0"/>
           </a:p>
           <a:p>
+            <a:endParaRPr lang="en-US" altLang="ko-KR" dirty="0"/>
+          </a:p>
+          <a:p>
             <a:r>
               <a:rPr lang="ko-KR" altLang="en-US" dirty="0"/>
               <a:t>서버를 맡은 </a:t>
@@ -3246,7 +3249,7 @@
             </a:r>
             <a:r>
               <a:rPr lang="ko-KR" altLang="en-US" dirty="0"/>
-              <a:t>게임 규모는 이렇습니다</a:t>
+              <a:t>게임 규모는 다음과 같습니다</a:t>
             </a:r>
             <a:r>
               <a:rPr lang="en-US" altLang="ko-KR" dirty="0"/>
@@ -3593,6 +3596,9 @@
             <a:endParaRPr lang="en-US" altLang="ko-KR" dirty="0"/>
           </a:p>
           <a:p>
+            <a:endParaRPr lang="en-US" altLang="ko-KR" dirty="0"/>
+          </a:p>
+          <a:p>
             <a:r>
               <a:rPr lang="ko-KR" altLang="en-US" dirty="0"/>
               <a:t>생명칩이 없는 생존자는 제한적인 행동만 가능합니다</a:t>
@@ -3609,6 +3615,9 @@
               <a:rPr lang="en-US" altLang="ko-KR" dirty="0"/>
               <a:t>.</a:t>
             </a:r>
+          </a:p>
+          <a:p>
+            <a:endParaRPr lang="en-US" altLang="ko-KR" dirty="0"/>
           </a:p>
           <a:p>
             <a:r>
@@ -13106,7 +13115,7 @@
           <p:nvPr>
             <p:extLst>
               <p:ext uri="{D42A27DB-BD31-4B8C-83A1-F6EECF244321}">
-                <p14:modId xmlns:p14="http://schemas.microsoft.com/office/powerpoint/2010/main" val="3344063332"/>
+                <p14:modId xmlns:p14="http://schemas.microsoft.com/office/powerpoint/2010/main" val="1544575436"/>
               </p:ext>
             </p:extLst>
           </p:nvPr>
@@ -13203,10 +13212,6 @@
                   <a:txBody>
                     <a:bodyPr/>
                     <a:lstStyle/>
-                    <a:p>
-                      <a:pPr algn="ctr" latinLnBrk="1"/>
-                      <a:endParaRPr lang="en-US" altLang="ko-KR" b="1" dirty="0"/>
-                    </a:p>
                     <a:p>
                       <a:pPr algn="ctr" latinLnBrk="1"/>
                       <a:r>
@@ -13371,7 +13376,7 @@
                       </a:endParaRPr>
                     </a:p>
                   </a:txBody>
-                  <a:tcPr/>
+                  <a:tcPr anchor="ctr"/>
                 </a:tc>
                 <a:extLst>
                   <a:ext uri="{0D108BD9-81ED-4DB2-BD59-A6C34878D82A}">
@@ -13402,13 +13407,6 @@
                   <a:txBody>
                     <a:bodyPr/>
                     <a:lstStyle/>
-                    <a:p>
-                      <a:pPr algn="ctr"/>
-                      <a:endParaRPr lang="en-US" altLang="ko-KR" sz="1800" b="1" i="0" dirty="0">
-                        <a:effectLst/>
-                        <a:latin typeface="Whitney"/>
-                      </a:endParaRPr>
-                    </a:p>
                     <a:p>
                       <a:pPr algn="ctr"/>
                       <a:r>
@@ -13466,7 +13464,7 @@
                       </a:endParaRPr>
                     </a:p>
                   </a:txBody>
-                  <a:tcPr/>
+                  <a:tcPr anchor="ctr"/>
                 </a:tc>
                 <a:extLst>
                   <a:ext uri="{0D108BD9-81ED-4DB2-BD59-A6C34878D82A}">
@@ -13499,10 +13497,6 @@
                     <a:lstStyle/>
                     <a:p>
                       <a:pPr algn="ctr" latinLnBrk="1"/>
-                      <a:endParaRPr lang="en-US" altLang="ko-KR" b="1" dirty="0"/>
-                    </a:p>
-                    <a:p>
-                      <a:pPr algn="ctr" latinLnBrk="1"/>
                       <a:r>
                         <a:rPr lang="en-US" altLang="ko-KR" b="1" dirty="0"/>
                         <a:t>IOCP</a:t>
@@ -13526,7 +13520,7 @@
                       <a:endParaRPr lang="en-US" altLang="ko-KR" dirty="0"/>
                     </a:p>
                   </a:txBody>
-                  <a:tcPr/>
+                  <a:tcPr anchor="ctr"/>
                 </a:tc>
                 <a:extLst>
                   <a:ext uri="{0D108BD9-81ED-4DB2-BD59-A6C34878D82A}">
@@ -18283,7 +18277,7 @@
           <p:nvPr>
             <p:extLst>
               <p:ext uri="{D42A27DB-BD31-4B8C-83A1-F6EECF244321}">
-                <p14:modId xmlns:p14="http://schemas.microsoft.com/office/powerpoint/2010/main" val="1726961249"/>
+                <p14:modId xmlns:p14="http://schemas.microsoft.com/office/powerpoint/2010/main" val="4078490935"/>
               </p:ext>
             </p:extLst>
           </p:nvPr>
@@ -18380,24 +18374,15 @@
                     <a:lstStyle/>
                     <a:p>
                       <a:pPr algn="ctr" latinLnBrk="1"/>
-                      <a:endParaRPr lang="en-US" altLang="ko-KR">
-                        <a:ea typeface="나눔스퀘어 Bold" panose="020B0600000101010101"/>
-                      </a:endParaRPr>
-                    </a:p>
-                    <a:p>
-                      <a:pPr algn="ctr" latinLnBrk="1"/>
                       <a:r>
-                        <a:rPr lang="ko-KR" altLang="en-US">
+                        <a:rPr lang="ko-KR" altLang="en-US" dirty="0">
                           <a:ea typeface="나눔스퀘어 Bold" panose="020B0600000101010101"/>
                         </a:rPr>
                         <a:t>박 동 규</a:t>
                       </a:r>
-                      <a:endParaRPr lang="ko-KR" altLang="en-US" dirty="0">
-                        <a:ea typeface="나눔스퀘어 Bold" panose="020B0600000101010101"/>
-                      </a:endParaRPr>
                     </a:p>
                   </a:txBody>
-                  <a:tcPr/>
+                  <a:tcPr anchor="ctr"/>
                 </a:tc>
                 <a:tc>
                   <a:txBody>
@@ -18405,14 +18390,8 @@
                     <a:lstStyle/>
                     <a:p>
                       <a:pPr algn="ctr" latinLnBrk="1"/>
-                      <a:endParaRPr lang="en-US" altLang="ko-KR">
-                        <a:ea typeface="나눔스퀘어 Bold" panose="020B0600000101010101"/>
-                      </a:endParaRPr>
-                    </a:p>
-                    <a:p>
-                      <a:pPr algn="ctr" latinLnBrk="1"/>
                       <a:r>
-                        <a:rPr lang="ko-KR" altLang="en-US">
+                        <a:rPr lang="ko-KR" altLang="en-US" dirty="0">
                           <a:solidFill>
                             <a:srgbClr val="0070C0"/>
                           </a:solidFill>
@@ -18420,321 +18399,9 @@
                         </a:rPr>
                         <a:t>클라이언트</a:t>
                       </a:r>
-                      <a:endParaRPr lang="ko-KR" altLang="en-US" dirty="0">
-                        <a:solidFill>
-                          <a:srgbClr val="0070C0"/>
-                        </a:solidFill>
-                        <a:ea typeface="나눔스퀘어 Bold" panose="020B0600000101010101"/>
-                      </a:endParaRPr>
                     </a:p>
                   </a:txBody>
-                  <a:tcPr/>
-                </a:tc>
-                <a:tc>
-                  <a:txBody>
-                    <a:bodyPr/>
-                    <a:lstStyle/>
-                    <a:p>
-                      <a:pPr marL="285750" indent="-285750" latinLnBrk="1">
-                        <a:buFontTx/>
-                        <a:buChar char="-"/>
-                      </a:pPr>
-                      <a:r>
-                        <a:rPr lang="en-US" altLang="ko-KR"/>
-                        <a:t>C, C++</a:t>
-                      </a:r>
-                      <a:r>
-                        <a:rPr lang="ko-KR" altLang="en-US"/>
-                        <a:t>프로그래밍</a:t>
-                      </a:r>
-                      <a:r>
-                        <a:rPr lang="en-US" altLang="ko-KR"/>
-                        <a:t>, STL, </a:t>
-                      </a:r>
-                      <a:r>
-                        <a:rPr lang="ko-KR" altLang="en-US"/>
-                        <a:t>컴퓨터 그래픽스</a:t>
-                      </a:r>
-                      <a:r>
-                        <a:rPr lang="en-US" altLang="ko-KR"/>
-                        <a:t>, </a:t>
-                      </a:r>
-                      <a:r>
-                        <a:rPr lang="ko-KR" altLang="en-US"/>
-                        <a:t>게임수학</a:t>
-                      </a:r>
-                      <a:endParaRPr lang="en-US" altLang="ko-KR"/>
-                    </a:p>
-                    <a:p>
-                      <a:pPr marL="285750" indent="-285750" latinLnBrk="1">
-                        <a:buFontTx/>
-                        <a:buChar char="-"/>
-                      </a:pPr>
-                      <a:r>
-                        <a:rPr lang="en-US" altLang="ko-KR">
-                          <a:highlight>
-                            <a:srgbClr val="FFFF00"/>
-                          </a:highlight>
-                        </a:rPr>
-                        <a:t>3D</a:t>
-                      </a:r>
-                      <a:r>
-                        <a:rPr lang="ko-KR" altLang="en-US">
-                          <a:highlight>
-                            <a:srgbClr val="FFFF00"/>
-                          </a:highlight>
-                        </a:rPr>
-                        <a:t>게임프로그래밍</a:t>
-                      </a:r>
-                      <a:r>
-                        <a:rPr lang="en-US" altLang="ko-KR">
-                          <a:highlight>
-                            <a:srgbClr val="FFFF00"/>
-                          </a:highlight>
-                        </a:rPr>
-                        <a:t>1, 2</a:t>
-                      </a:r>
-                      <a:r>
-                        <a:rPr lang="en-US" altLang="ko-KR"/>
-                        <a:t>, </a:t>
-                      </a:r>
-                      <a:r>
-                        <a:rPr lang="ko-KR" altLang="en-US"/>
-                        <a:t>인공지능</a:t>
-                      </a:r>
-                      <a:endParaRPr lang="en-US" altLang="ko-KR"/>
-                    </a:p>
-                    <a:p>
-                      <a:pPr marL="285750" indent="-285750" latinLnBrk="1">
-                        <a:buFontTx/>
-                        <a:buChar char="-"/>
-                      </a:pPr>
-                      <a:r>
-                        <a:rPr lang="ko-KR" altLang="en-US"/>
-                        <a:t>네트워크 게임 프로그래밍</a:t>
-                      </a:r>
-                      <a:endParaRPr lang="ko-KR" altLang="en-US" dirty="0"/>
-                    </a:p>
-                  </a:txBody>
-                  <a:tcPr/>
-                </a:tc>
-                <a:extLst>
-                  <a:ext uri="{0D108BD9-81ED-4DB2-BD59-A6C34878D82A}">
-                    <a16:rowId xmlns:a16="http://schemas.microsoft.com/office/drawing/2014/main" val="474057616"/>
-                  </a:ext>
-                </a:extLst>
-              </a:tr>
-              <a:tr h="1015838">
-                <a:tc>
-                  <a:txBody>
-                    <a:bodyPr/>
-                    <a:lstStyle/>
-                    <a:p>
-                      <a:pPr algn="ctr" latinLnBrk="1"/>
-                      <a:endParaRPr lang="en-US" altLang="ko-KR">
-                        <a:ea typeface="나눔스퀘어 Bold" panose="020B0600000101010101"/>
-                      </a:endParaRPr>
-                    </a:p>
-                    <a:p>
-                      <a:pPr algn="ctr" latinLnBrk="1"/>
-                      <a:r>
-                        <a:rPr lang="ko-KR" altLang="en-US">
-                          <a:ea typeface="나눔스퀘어 Bold" panose="020B0600000101010101"/>
-                        </a:rPr>
-                        <a:t>김 우 빈</a:t>
-                      </a:r>
-                      <a:endParaRPr lang="ko-KR" altLang="en-US" dirty="0">
-                        <a:ea typeface="나눔스퀘어 Bold" panose="020B0600000101010101"/>
-                      </a:endParaRPr>
-                    </a:p>
-                  </a:txBody>
-                  <a:tcPr/>
-                </a:tc>
-                <a:tc>
-                  <a:txBody>
-                    <a:bodyPr/>
-                    <a:lstStyle/>
-                    <a:p>
-                      <a:pPr algn="ctr" latinLnBrk="1"/>
-                      <a:endParaRPr lang="en-US" altLang="ko-KR" dirty="0">
-                        <a:ea typeface="나눔스퀘어 Bold" panose="020B0600000101010101"/>
-                      </a:endParaRPr>
-                    </a:p>
-                    <a:p>
-                      <a:pPr algn="ctr" latinLnBrk="1"/>
-                      <a:r>
-                        <a:rPr lang="ko-KR" altLang="en-US" dirty="0">
-                          <a:solidFill>
-                            <a:srgbClr val="FF0000"/>
-                          </a:solidFill>
-                          <a:ea typeface="나눔스퀘어 Bold" panose="020B0600000101010101"/>
-                        </a:rPr>
-                        <a:t>서버</a:t>
-                      </a:r>
-                    </a:p>
-                  </a:txBody>
-                  <a:tcPr/>
-                </a:tc>
-                <a:tc>
-                  <a:txBody>
-                    <a:bodyPr/>
-                    <a:lstStyle/>
-                    <a:p>
-                      <a:pPr marL="285750" indent="-285750" latinLnBrk="1">
-                        <a:buFontTx/>
-                        <a:buChar char="-"/>
-                      </a:pPr>
-                      <a:r>
-                        <a:rPr lang="en-US" altLang="ko-KR"/>
-                        <a:t>C, C++</a:t>
-                      </a:r>
-                      <a:r>
-                        <a:rPr lang="ko-KR" altLang="en-US"/>
-                        <a:t>프로그래밍</a:t>
-                      </a:r>
-                      <a:r>
-                        <a:rPr lang="en-US" altLang="ko-KR"/>
-                        <a:t>, STL, </a:t>
-                      </a:r>
-                      <a:r>
-                        <a:rPr lang="ko-KR" altLang="en-US"/>
-                        <a:t>컴퓨터 그래픽스</a:t>
-                      </a:r>
-                      <a:r>
-                        <a:rPr lang="en-US" altLang="ko-KR"/>
-                        <a:t>, </a:t>
-                      </a:r>
-                      <a:r>
-                        <a:rPr lang="ko-KR" altLang="en-US"/>
-                        <a:t>게임수학</a:t>
-                      </a:r>
-                      <a:endParaRPr lang="en-US" altLang="ko-KR"/>
-                    </a:p>
-                    <a:p>
-                      <a:pPr marL="285750" indent="-285750" latinLnBrk="1">
-                        <a:buFontTx/>
-                        <a:buChar char="-"/>
-                      </a:pPr>
-                      <a:r>
-                        <a:rPr lang="en-US" altLang="ko-KR"/>
-                        <a:t>3D</a:t>
-                      </a:r>
-                      <a:r>
-                        <a:rPr lang="ko-KR" altLang="en-US"/>
-                        <a:t>게임프로그래밍</a:t>
-                      </a:r>
-                      <a:r>
-                        <a:rPr lang="en-US" altLang="ko-KR"/>
-                        <a:t>1, </a:t>
-                      </a:r>
-                      <a:r>
-                        <a:rPr lang="ko-KR" altLang="en-US"/>
-                        <a:t>인공지능</a:t>
-                      </a:r>
-                      <a:endParaRPr lang="en-US" altLang="ko-KR"/>
-                    </a:p>
-                    <a:p>
-                      <a:pPr marL="285750" indent="-285750" latinLnBrk="1">
-                        <a:buFontTx/>
-                        <a:buChar char="-"/>
-                      </a:pPr>
-                      <a:r>
-                        <a:rPr lang="ko-KR" altLang="en-US">
-                          <a:highlight>
-                            <a:srgbClr val="FFFF00"/>
-                          </a:highlight>
-                        </a:rPr>
-                        <a:t>네트워크 게임 프로그래밍</a:t>
-                      </a:r>
-                      <a:r>
-                        <a:rPr lang="en-US" altLang="ko-KR">
-                          <a:highlight>
-                            <a:srgbClr val="FFFF00"/>
-                          </a:highlight>
-                          <a:ea typeface="나눔스퀘어 Bold" panose="020B0600000101010101"/>
-                        </a:rPr>
-                        <a:t>,</a:t>
-                      </a:r>
-                      <a:r>
-                        <a:rPr lang="ko-KR" altLang="en-US">
-                          <a:highlight>
-                            <a:srgbClr val="FFFF00"/>
-                          </a:highlight>
-                          <a:ea typeface="나눔스퀘어 Bold" panose="020B0600000101010101"/>
-                        </a:rPr>
-                        <a:t> 게임서버프로그래밍</a:t>
-                      </a:r>
-                      <a:endParaRPr lang="ko-KR" altLang="en-US" dirty="0">
-                        <a:highlight>
-                          <a:srgbClr val="FFFF00"/>
-                        </a:highlight>
-                      </a:endParaRPr>
-                    </a:p>
-                  </a:txBody>
-                  <a:tcPr/>
-                </a:tc>
-                <a:extLst>
-                  <a:ext uri="{0D108BD9-81ED-4DB2-BD59-A6C34878D82A}">
-                    <a16:rowId xmlns:a16="http://schemas.microsoft.com/office/drawing/2014/main" val="2510673623"/>
-                  </a:ext>
-                </a:extLst>
-              </a:tr>
-              <a:tr h="1015838">
-                <a:tc>
-                  <a:txBody>
-                    <a:bodyPr/>
-                    <a:lstStyle/>
-                    <a:p>
-                      <a:pPr latinLnBrk="1"/>
-                      <a:endParaRPr lang="en-US" altLang="ko-KR">
-                        <a:ea typeface="나눔스퀘어 Bold" panose="020B0600000101010101"/>
-                      </a:endParaRPr>
-                    </a:p>
-                    <a:p>
-                      <a:pPr algn="ctr" latinLnBrk="1"/>
-                      <a:r>
-                        <a:rPr lang="ko-KR" altLang="en-US">
-                          <a:ea typeface="나눔스퀘어 Bold" panose="020B0600000101010101"/>
-                        </a:rPr>
-                        <a:t>황 석 주</a:t>
-                      </a:r>
-                      <a:endParaRPr lang="ko-KR" altLang="en-US" dirty="0">
-                        <a:ea typeface="나눔스퀘어 Bold" panose="020B0600000101010101"/>
-                      </a:endParaRPr>
-                    </a:p>
-                  </a:txBody>
-                  <a:tcPr/>
-                </a:tc>
-                <a:tc>
-                  <a:txBody>
-                    <a:bodyPr/>
-                    <a:lstStyle/>
-                    <a:p>
-                      <a:pPr algn="ctr" latinLnBrk="1"/>
-                      <a:endParaRPr lang="en-US" altLang="ko-KR">
-                        <a:ea typeface="나눔스퀘어 Bold" panose="020B0600000101010101"/>
-                      </a:endParaRPr>
-                    </a:p>
-                    <a:p>
-                      <a:pPr algn="ctr" latinLnBrk="1"/>
-                      <a:r>
-                        <a:rPr lang="ko-KR" altLang="en-US">
-                          <a:solidFill>
-                            <a:srgbClr val="0070C0"/>
-                          </a:solidFill>
-                          <a:ea typeface="나눔스퀘어 Bold" panose="020B0600000101010101"/>
-                        </a:rPr>
-                        <a:t>클라이언트</a:t>
-                      </a:r>
-                      <a:endParaRPr lang="ko-KR" altLang="en-US" dirty="0">
-                        <a:solidFill>
-                          <a:srgbClr val="0070C0"/>
-                        </a:solidFill>
-                        <a:ea typeface="나눔스퀘어 Bold" panose="020B0600000101010101"/>
-                      </a:endParaRPr>
-                    </a:p>
-                  </a:txBody>
-                  <a:tcPr/>
+                  <a:tcPr anchor="ctr"/>
                 </a:tc>
                 <a:tc>
                   <a:txBody>
@@ -18821,7 +18488,276 @@
                       </a:r>
                     </a:p>
                   </a:txBody>
-                  <a:tcPr/>
+                  <a:tcPr anchor="ctr"/>
+                </a:tc>
+                <a:extLst>
+                  <a:ext uri="{0D108BD9-81ED-4DB2-BD59-A6C34878D82A}">
+                    <a16:rowId xmlns:a16="http://schemas.microsoft.com/office/drawing/2014/main" val="474057616"/>
+                  </a:ext>
+                </a:extLst>
+              </a:tr>
+              <a:tr h="1015838">
+                <a:tc>
+                  <a:txBody>
+                    <a:bodyPr/>
+                    <a:lstStyle/>
+                    <a:p>
+                      <a:pPr algn="ctr" latinLnBrk="1"/>
+                      <a:r>
+                        <a:rPr lang="ko-KR" altLang="en-US" dirty="0">
+                          <a:ea typeface="나눔스퀘어 Bold" panose="020B0600000101010101"/>
+                        </a:rPr>
+                        <a:t>김 우 빈</a:t>
+                      </a:r>
+                    </a:p>
+                  </a:txBody>
+                  <a:tcPr anchor="ctr"/>
+                </a:tc>
+                <a:tc>
+                  <a:txBody>
+                    <a:bodyPr/>
+                    <a:lstStyle/>
+                    <a:p>
+                      <a:pPr algn="ctr" latinLnBrk="1"/>
+                      <a:r>
+                        <a:rPr lang="ko-KR" altLang="en-US" dirty="0">
+                          <a:solidFill>
+                            <a:srgbClr val="FF0000"/>
+                          </a:solidFill>
+                          <a:ea typeface="나눔스퀘어 Bold" panose="020B0600000101010101"/>
+                        </a:rPr>
+                        <a:t>서버</a:t>
+                      </a:r>
+                    </a:p>
+                  </a:txBody>
+                  <a:tcPr anchor="ctr"/>
+                </a:tc>
+                <a:tc>
+                  <a:txBody>
+                    <a:bodyPr/>
+                    <a:lstStyle/>
+                    <a:p>
+                      <a:pPr marL="285750" indent="-285750" latinLnBrk="1">
+                        <a:buFontTx/>
+                        <a:buChar char="-"/>
+                      </a:pPr>
+                      <a:r>
+                        <a:rPr lang="en-US" altLang="ko-KR" dirty="0"/>
+                        <a:t>C, C++</a:t>
+                      </a:r>
+                      <a:r>
+                        <a:rPr lang="ko-KR" altLang="en-US" dirty="0"/>
+                        <a:t>프로그래밍</a:t>
+                      </a:r>
+                      <a:r>
+                        <a:rPr lang="en-US" altLang="ko-KR" dirty="0"/>
+                        <a:t>, STL, </a:t>
+                      </a:r>
+                      <a:r>
+                        <a:rPr lang="ko-KR" altLang="en-US" dirty="0"/>
+                        <a:t>컴퓨터 그래픽스</a:t>
+                      </a:r>
+                      <a:r>
+                        <a:rPr lang="en-US" altLang="ko-KR" dirty="0"/>
+                        <a:t>, </a:t>
+                      </a:r>
+                      <a:r>
+                        <a:rPr lang="ko-KR" altLang="en-US" dirty="0"/>
+                        <a:t>게임수학</a:t>
+                      </a:r>
+                      <a:endParaRPr lang="en-US" altLang="ko-KR" dirty="0"/>
+                    </a:p>
+                    <a:p>
+                      <a:pPr marL="285750" indent="-285750" latinLnBrk="1">
+                        <a:buFontTx/>
+                        <a:buChar char="-"/>
+                      </a:pPr>
+                      <a:r>
+                        <a:rPr lang="en-US" altLang="ko-KR" dirty="0"/>
+                        <a:t>3D</a:t>
+                      </a:r>
+                      <a:r>
+                        <a:rPr lang="ko-KR" altLang="en-US" dirty="0"/>
+                        <a:t>게임프로그래밍</a:t>
+                      </a:r>
+                      <a:r>
+                        <a:rPr lang="en-US" altLang="ko-KR" dirty="0"/>
+                        <a:t>1, </a:t>
+                      </a:r>
+                      <a:r>
+                        <a:rPr lang="ko-KR" altLang="en-US" dirty="0"/>
+                        <a:t>인공지능</a:t>
+                      </a:r>
+                      <a:endParaRPr lang="en-US" altLang="ko-KR" dirty="0"/>
+                    </a:p>
+                    <a:p>
+                      <a:pPr marL="285750" indent="-285750" latinLnBrk="1">
+                        <a:buFontTx/>
+                        <a:buChar char="-"/>
+                      </a:pPr>
+                      <a:r>
+                        <a:rPr lang="ko-KR" altLang="en-US" dirty="0">
+                          <a:highlight>
+                            <a:srgbClr val="FFFF00"/>
+                          </a:highlight>
+                        </a:rPr>
+                        <a:t>네트워크 게임 프로그래밍</a:t>
+                      </a:r>
+                      <a:r>
+                        <a:rPr lang="en-US" altLang="ko-KR" dirty="0">
+                          <a:highlight>
+                            <a:srgbClr val="FFFF00"/>
+                          </a:highlight>
+                          <a:ea typeface="나눔스퀘어 Bold" panose="020B0600000101010101"/>
+                        </a:rPr>
+                        <a:t>,</a:t>
+                      </a:r>
+                      <a:r>
+                        <a:rPr lang="ko-KR" altLang="en-US" dirty="0">
+                          <a:highlight>
+                            <a:srgbClr val="FFFF00"/>
+                          </a:highlight>
+                          <a:ea typeface="나눔스퀘어 Bold" panose="020B0600000101010101"/>
+                        </a:rPr>
+                        <a:t> 게임서버프로그래밍</a:t>
+                      </a:r>
+                      <a:endParaRPr lang="ko-KR" altLang="en-US" dirty="0">
+                        <a:highlight>
+                          <a:srgbClr val="FFFF00"/>
+                        </a:highlight>
+                      </a:endParaRPr>
+                    </a:p>
+                  </a:txBody>
+                  <a:tcPr anchor="ctr"/>
+                </a:tc>
+                <a:extLst>
+                  <a:ext uri="{0D108BD9-81ED-4DB2-BD59-A6C34878D82A}">
+                    <a16:rowId xmlns:a16="http://schemas.microsoft.com/office/drawing/2014/main" val="2510673623"/>
+                  </a:ext>
+                </a:extLst>
+              </a:tr>
+              <a:tr h="1015838">
+                <a:tc>
+                  <a:txBody>
+                    <a:bodyPr/>
+                    <a:lstStyle/>
+                    <a:p>
+                      <a:pPr algn="ctr" latinLnBrk="1"/>
+                      <a:r>
+                        <a:rPr lang="ko-KR" altLang="en-US" dirty="0">
+                          <a:ea typeface="나눔스퀘어 Bold" panose="020B0600000101010101"/>
+                        </a:rPr>
+                        <a:t>황 석 주</a:t>
+                      </a:r>
+                    </a:p>
+                  </a:txBody>
+                  <a:tcPr anchor="ctr"/>
+                </a:tc>
+                <a:tc>
+                  <a:txBody>
+                    <a:bodyPr/>
+                    <a:lstStyle/>
+                    <a:p>
+                      <a:pPr algn="ctr" latinLnBrk="1"/>
+                      <a:r>
+                        <a:rPr lang="ko-KR" altLang="en-US" dirty="0">
+                          <a:solidFill>
+                            <a:srgbClr val="0070C0"/>
+                          </a:solidFill>
+                          <a:ea typeface="나눔스퀘어 Bold" panose="020B0600000101010101"/>
+                        </a:rPr>
+                        <a:t>클라이언트</a:t>
+                      </a:r>
+                    </a:p>
+                  </a:txBody>
+                  <a:tcPr anchor="ctr"/>
+                </a:tc>
+                <a:tc>
+                  <a:txBody>
+                    <a:bodyPr/>
+                    <a:lstStyle/>
+                    <a:p>
+                      <a:pPr marL="285750" indent="-285750" latinLnBrk="1">
+                        <a:buFontTx/>
+                        <a:buChar char="-"/>
+                      </a:pPr>
+                      <a:r>
+                        <a:rPr lang="en-US" altLang="ko-KR" dirty="0"/>
+                        <a:t>C, C++</a:t>
+                      </a:r>
+                      <a:r>
+                        <a:rPr lang="ko-KR" altLang="en-US" dirty="0"/>
+                        <a:t>프로그래밍</a:t>
+                      </a:r>
+                      <a:r>
+                        <a:rPr lang="en-US" altLang="ko-KR" dirty="0"/>
+                        <a:t>, STL, </a:t>
+                      </a:r>
+                      <a:r>
+                        <a:rPr lang="ko-KR" altLang="en-US" dirty="0"/>
+                        <a:t>컴퓨터 그래픽스</a:t>
+                      </a:r>
+                      <a:r>
+                        <a:rPr lang="en-US" altLang="ko-KR" dirty="0"/>
+                        <a:t>, </a:t>
+                      </a:r>
+                      <a:r>
+                        <a:rPr lang="ko-KR" altLang="en-US" dirty="0"/>
+                        <a:t>게임수학</a:t>
+                      </a:r>
+                      <a:endParaRPr lang="en-US" altLang="ko-KR" dirty="0"/>
+                    </a:p>
+                    <a:p>
+                      <a:pPr marL="285750" indent="-285750" latinLnBrk="1">
+                        <a:buFontTx/>
+                        <a:buChar char="-"/>
+                      </a:pPr>
+                      <a:r>
+                        <a:rPr lang="en-US" altLang="ko-KR" dirty="0">
+                          <a:highlight>
+                            <a:srgbClr val="FFFF00"/>
+                          </a:highlight>
+                        </a:rPr>
+                        <a:t>3D</a:t>
+                      </a:r>
+                      <a:r>
+                        <a:rPr lang="ko-KR" altLang="en-US" dirty="0">
+                          <a:highlight>
+                            <a:srgbClr val="FFFF00"/>
+                          </a:highlight>
+                        </a:rPr>
+                        <a:t>게임프로그래밍</a:t>
+                      </a:r>
+                      <a:r>
+                        <a:rPr lang="en-US" altLang="ko-KR" dirty="0">
+                          <a:highlight>
+                            <a:srgbClr val="FFFF00"/>
+                          </a:highlight>
+                        </a:rPr>
+                        <a:t>1, 2</a:t>
+                      </a:r>
+                      <a:r>
+                        <a:rPr lang="en-US" altLang="ko-KR" dirty="0"/>
+                        <a:t>, </a:t>
+                      </a:r>
+                      <a:r>
+                        <a:rPr lang="ko-KR" altLang="en-US" dirty="0"/>
+                        <a:t>인공지능</a:t>
+                      </a:r>
+                      <a:endParaRPr lang="en-US" altLang="ko-KR" dirty="0"/>
+                    </a:p>
+                    <a:p>
+                      <a:pPr marL="285750" indent="-285750" latinLnBrk="1">
+                        <a:buFontTx/>
+                        <a:buChar char="-"/>
+                      </a:pPr>
+                      <a:r>
+                        <a:rPr lang="ko-KR" altLang="en-US" dirty="0"/>
+                        <a:t>네트워크 게임 프로그래밍</a:t>
+                      </a:r>
+                    </a:p>
+                  </a:txBody>
+                  <a:tcPr anchor="ctr"/>
                 </a:tc>
                 <a:extLst>
                   <a:ext uri="{0D108BD9-81ED-4DB2-BD59-A6C34878D82A}">
